--- a/TETRIS_NEW_S/Plan.pptx
+++ b/TETRIS_NEW_S/Plan.pptx
@@ -5,10 +5,11 @@
     <p:sldMasterId id="2147483660" r:id="rId1"/>
   </p:sldMasterIdLst>
   <p:sldIdLst>
-    <p:sldId id="256" r:id="rId2"/>
-    <p:sldId id="257" r:id="rId3"/>
-    <p:sldId id="258" r:id="rId4"/>
-    <p:sldId id="259" r:id="rId5"/>
+    <p:sldId id="257" r:id="rId2"/>
+    <p:sldId id="258" r:id="rId3"/>
+    <p:sldId id="260" r:id="rId4"/>
+    <p:sldId id="256" r:id="rId5"/>
+    <p:sldId id="259" r:id="rId6"/>
   </p:sldIdLst>
   <p:sldSz cx="10799763" cy="10799763"/>
   <p:notesSz cx="6858000" cy="9144000"/>
@@ -109,7 +110,7 @@
   </p:defaultTextStyle>
   <p:extLst>
     <p:ext uri="{EFAFB233-063F-42B5-8137-9DF3F51BA10A}">
-      <p15:sldGuideLst xmlns:p15="http://schemas.microsoft.com/office/powerpoint/2012/main">
+      <p15:sldGuideLst xmlns:p15="http://schemas.microsoft.com/office/powerpoint/2012/main" xmlns="">
         <p15:guide id="1" orient="horz" pos="3401">
           <p15:clr>
             <a:srgbClr val="A4A3A4"/>
@@ -257,9 +258,9 @@
           <a:p>
             <a:fld id="{7B4AEC64-C389-4369-9319-C0AE625A87B9}" type="datetimeFigureOut">
               <a:rPr lang="ko-KR" altLang="en-US" smtClean="0"/>
-              <a:t>2020-10-21</a:t>
+              <a:t>2020-10-22</a:t>
             </a:fld>
-            <a:endParaRPr lang="ko-KR" altLang="en-US"/>
+            <a:endParaRPr lang="ko-KR" altLang="en-US" dirty="0"/>
           </a:p>
         </p:txBody>
       </p:sp>
@@ -278,7 +279,7 @@
           <a:bodyPr/>
           <a:lstStyle/>
           <a:p>
-            <a:endParaRPr lang="ko-KR" altLang="en-US"/>
+            <a:endParaRPr lang="ko-KR" altLang="en-US" dirty="0"/>
           </a:p>
         </p:txBody>
       </p:sp>
@@ -301,7 +302,7 @@
               <a:rPr lang="ko-KR" altLang="en-US" smtClean="0"/>
               <a:t>‹#›</a:t>
             </a:fld>
-            <a:endParaRPr lang="ko-KR" altLang="en-US"/>
+            <a:endParaRPr lang="ko-KR" altLang="en-US" dirty="0"/>
           </a:p>
         </p:txBody>
       </p:sp>
@@ -427,9 +428,9 @@
           <a:p>
             <a:fld id="{7B4AEC64-C389-4369-9319-C0AE625A87B9}" type="datetimeFigureOut">
               <a:rPr lang="ko-KR" altLang="en-US" smtClean="0"/>
-              <a:t>2020-10-21</a:t>
+              <a:t>2020-10-22</a:t>
             </a:fld>
-            <a:endParaRPr lang="ko-KR" altLang="en-US"/>
+            <a:endParaRPr lang="ko-KR" altLang="en-US" dirty="0"/>
           </a:p>
         </p:txBody>
       </p:sp>
@@ -448,7 +449,7 @@
           <a:bodyPr/>
           <a:lstStyle/>
           <a:p>
-            <a:endParaRPr lang="ko-KR" altLang="en-US"/>
+            <a:endParaRPr lang="ko-KR" altLang="en-US" dirty="0"/>
           </a:p>
         </p:txBody>
       </p:sp>
@@ -471,7 +472,7 @@
               <a:rPr lang="ko-KR" altLang="en-US" smtClean="0"/>
               <a:t>‹#›</a:t>
             </a:fld>
-            <a:endParaRPr lang="ko-KR" altLang="en-US"/>
+            <a:endParaRPr lang="ko-KR" altLang="en-US" dirty="0"/>
           </a:p>
         </p:txBody>
       </p:sp>
@@ -607,9 +608,9 @@
           <a:p>
             <a:fld id="{7B4AEC64-C389-4369-9319-C0AE625A87B9}" type="datetimeFigureOut">
               <a:rPr lang="ko-KR" altLang="en-US" smtClean="0"/>
-              <a:t>2020-10-21</a:t>
+              <a:t>2020-10-22</a:t>
             </a:fld>
-            <a:endParaRPr lang="ko-KR" altLang="en-US"/>
+            <a:endParaRPr lang="ko-KR" altLang="en-US" dirty="0"/>
           </a:p>
         </p:txBody>
       </p:sp>
@@ -628,7 +629,7 @@
           <a:bodyPr/>
           <a:lstStyle/>
           <a:p>
-            <a:endParaRPr lang="ko-KR" altLang="en-US"/>
+            <a:endParaRPr lang="ko-KR" altLang="en-US" dirty="0"/>
           </a:p>
         </p:txBody>
       </p:sp>
@@ -651,7 +652,7 @@
               <a:rPr lang="ko-KR" altLang="en-US" smtClean="0"/>
               <a:t>‹#›</a:t>
             </a:fld>
-            <a:endParaRPr lang="ko-KR" altLang="en-US"/>
+            <a:endParaRPr lang="ko-KR" altLang="en-US" dirty="0"/>
           </a:p>
         </p:txBody>
       </p:sp>
@@ -777,9 +778,9 @@
           <a:p>
             <a:fld id="{7B4AEC64-C389-4369-9319-C0AE625A87B9}" type="datetimeFigureOut">
               <a:rPr lang="ko-KR" altLang="en-US" smtClean="0"/>
-              <a:t>2020-10-21</a:t>
+              <a:t>2020-10-22</a:t>
             </a:fld>
-            <a:endParaRPr lang="ko-KR" altLang="en-US"/>
+            <a:endParaRPr lang="ko-KR" altLang="en-US" dirty="0"/>
           </a:p>
         </p:txBody>
       </p:sp>
@@ -798,7 +799,7 @@
           <a:bodyPr/>
           <a:lstStyle/>
           <a:p>
-            <a:endParaRPr lang="ko-KR" altLang="en-US"/>
+            <a:endParaRPr lang="ko-KR" altLang="en-US" dirty="0"/>
           </a:p>
         </p:txBody>
       </p:sp>
@@ -821,7 +822,7 @@
               <a:rPr lang="ko-KR" altLang="en-US" smtClean="0"/>
               <a:t>‹#›</a:t>
             </a:fld>
-            <a:endParaRPr lang="ko-KR" altLang="en-US"/>
+            <a:endParaRPr lang="ko-KR" altLang="en-US" dirty="0"/>
           </a:p>
         </p:txBody>
       </p:sp>
@@ -1021,9 +1022,9 @@
           <a:p>
             <a:fld id="{7B4AEC64-C389-4369-9319-C0AE625A87B9}" type="datetimeFigureOut">
               <a:rPr lang="ko-KR" altLang="en-US" smtClean="0"/>
-              <a:t>2020-10-21</a:t>
+              <a:t>2020-10-22</a:t>
             </a:fld>
-            <a:endParaRPr lang="ko-KR" altLang="en-US"/>
+            <a:endParaRPr lang="ko-KR" altLang="en-US" dirty="0"/>
           </a:p>
         </p:txBody>
       </p:sp>
@@ -1042,7 +1043,7 @@
           <a:bodyPr/>
           <a:lstStyle/>
           <a:p>
-            <a:endParaRPr lang="ko-KR" altLang="en-US"/>
+            <a:endParaRPr lang="ko-KR" altLang="en-US" dirty="0"/>
           </a:p>
         </p:txBody>
       </p:sp>
@@ -1065,7 +1066,7 @@
               <a:rPr lang="ko-KR" altLang="en-US" smtClean="0"/>
               <a:t>‹#›</a:t>
             </a:fld>
-            <a:endParaRPr lang="ko-KR" altLang="en-US"/>
+            <a:endParaRPr lang="ko-KR" altLang="en-US" dirty="0"/>
           </a:p>
         </p:txBody>
       </p:sp>
@@ -1253,9 +1254,9 @@
           <a:p>
             <a:fld id="{7B4AEC64-C389-4369-9319-C0AE625A87B9}" type="datetimeFigureOut">
               <a:rPr lang="ko-KR" altLang="en-US" smtClean="0"/>
-              <a:t>2020-10-21</a:t>
+              <a:t>2020-10-22</a:t>
             </a:fld>
-            <a:endParaRPr lang="ko-KR" altLang="en-US"/>
+            <a:endParaRPr lang="ko-KR" altLang="en-US" dirty="0"/>
           </a:p>
         </p:txBody>
       </p:sp>
@@ -1274,7 +1275,7 @@
           <a:bodyPr/>
           <a:lstStyle/>
           <a:p>
-            <a:endParaRPr lang="ko-KR" altLang="en-US"/>
+            <a:endParaRPr lang="ko-KR" altLang="en-US" dirty="0"/>
           </a:p>
         </p:txBody>
       </p:sp>
@@ -1297,7 +1298,7 @@
               <a:rPr lang="ko-KR" altLang="en-US" smtClean="0"/>
               <a:t>‹#›</a:t>
             </a:fld>
-            <a:endParaRPr lang="ko-KR" altLang="en-US"/>
+            <a:endParaRPr lang="ko-KR" altLang="en-US" dirty="0"/>
           </a:p>
         </p:txBody>
       </p:sp>
@@ -1620,9 +1621,9 @@
           <a:p>
             <a:fld id="{7B4AEC64-C389-4369-9319-C0AE625A87B9}" type="datetimeFigureOut">
               <a:rPr lang="ko-KR" altLang="en-US" smtClean="0"/>
-              <a:t>2020-10-21</a:t>
+              <a:t>2020-10-22</a:t>
             </a:fld>
-            <a:endParaRPr lang="ko-KR" altLang="en-US"/>
+            <a:endParaRPr lang="ko-KR" altLang="en-US" dirty="0"/>
           </a:p>
         </p:txBody>
       </p:sp>
@@ -1641,7 +1642,7 @@
           <a:bodyPr/>
           <a:lstStyle/>
           <a:p>
-            <a:endParaRPr lang="ko-KR" altLang="en-US"/>
+            <a:endParaRPr lang="ko-KR" altLang="en-US" dirty="0"/>
           </a:p>
         </p:txBody>
       </p:sp>
@@ -1664,7 +1665,7 @@
               <a:rPr lang="ko-KR" altLang="en-US" smtClean="0"/>
               <a:t>‹#›</a:t>
             </a:fld>
-            <a:endParaRPr lang="ko-KR" altLang="en-US"/>
+            <a:endParaRPr lang="ko-KR" altLang="en-US" dirty="0"/>
           </a:p>
         </p:txBody>
       </p:sp>
@@ -1738,9 +1739,9 @@
           <a:p>
             <a:fld id="{7B4AEC64-C389-4369-9319-C0AE625A87B9}" type="datetimeFigureOut">
               <a:rPr lang="ko-KR" altLang="en-US" smtClean="0"/>
-              <a:t>2020-10-21</a:t>
+              <a:t>2020-10-22</a:t>
             </a:fld>
-            <a:endParaRPr lang="ko-KR" altLang="en-US"/>
+            <a:endParaRPr lang="ko-KR" altLang="en-US" dirty="0"/>
           </a:p>
         </p:txBody>
       </p:sp>
@@ -1759,7 +1760,7 @@
           <a:bodyPr/>
           <a:lstStyle/>
           <a:p>
-            <a:endParaRPr lang="ko-KR" altLang="en-US"/>
+            <a:endParaRPr lang="ko-KR" altLang="en-US" dirty="0"/>
           </a:p>
         </p:txBody>
       </p:sp>
@@ -1782,7 +1783,7 @@
               <a:rPr lang="ko-KR" altLang="en-US" smtClean="0"/>
               <a:t>‹#›</a:t>
             </a:fld>
-            <a:endParaRPr lang="ko-KR" altLang="en-US"/>
+            <a:endParaRPr lang="ko-KR" altLang="en-US" dirty="0"/>
           </a:p>
         </p:txBody>
       </p:sp>
@@ -1833,9 +1834,9 @@
           <a:p>
             <a:fld id="{7B4AEC64-C389-4369-9319-C0AE625A87B9}" type="datetimeFigureOut">
               <a:rPr lang="ko-KR" altLang="en-US" smtClean="0"/>
-              <a:t>2020-10-21</a:t>
+              <a:t>2020-10-22</a:t>
             </a:fld>
-            <a:endParaRPr lang="ko-KR" altLang="en-US"/>
+            <a:endParaRPr lang="ko-KR" altLang="en-US" dirty="0"/>
           </a:p>
         </p:txBody>
       </p:sp>
@@ -1854,7 +1855,7 @@
           <a:bodyPr/>
           <a:lstStyle/>
           <a:p>
-            <a:endParaRPr lang="ko-KR" altLang="en-US"/>
+            <a:endParaRPr lang="ko-KR" altLang="en-US" dirty="0"/>
           </a:p>
         </p:txBody>
       </p:sp>
@@ -1877,7 +1878,7 @@
               <a:rPr lang="ko-KR" altLang="en-US" smtClean="0"/>
               <a:t>‹#›</a:t>
             </a:fld>
-            <a:endParaRPr lang="ko-KR" altLang="en-US"/>
+            <a:endParaRPr lang="ko-KR" altLang="en-US" dirty="0"/>
           </a:p>
         </p:txBody>
       </p:sp>
@@ -2110,9 +2111,9 @@
           <a:p>
             <a:fld id="{7B4AEC64-C389-4369-9319-C0AE625A87B9}" type="datetimeFigureOut">
               <a:rPr lang="ko-KR" altLang="en-US" smtClean="0"/>
-              <a:t>2020-10-21</a:t>
+              <a:t>2020-10-22</a:t>
             </a:fld>
-            <a:endParaRPr lang="ko-KR" altLang="en-US"/>
+            <a:endParaRPr lang="ko-KR" altLang="en-US" dirty="0"/>
           </a:p>
         </p:txBody>
       </p:sp>
@@ -2131,7 +2132,7 @@
           <a:bodyPr/>
           <a:lstStyle/>
           <a:p>
-            <a:endParaRPr lang="ko-KR" altLang="en-US"/>
+            <a:endParaRPr lang="ko-KR" altLang="en-US" dirty="0"/>
           </a:p>
         </p:txBody>
       </p:sp>
@@ -2154,7 +2155,7 @@
               <a:rPr lang="ko-KR" altLang="en-US" smtClean="0"/>
               <a:t>‹#›</a:t>
             </a:fld>
-            <a:endParaRPr lang="ko-KR" altLang="en-US"/>
+            <a:endParaRPr lang="ko-KR" altLang="en-US" dirty="0"/>
           </a:p>
         </p:txBody>
       </p:sp>
@@ -2278,7 +2279,7 @@
           </a:lstStyle>
           <a:p>
             <a:r>
-              <a:rPr lang="ko-KR" altLang="en-US"/>
+              <a:rPr lang="ko-KR" altLang="en-US" dirty="0"/>
               <a:t>그림을 추가하려면 아이콘을 클릭하십시오</a:t>
             </a:r>
             <a:endParaRPr lang="en-US" dirty="0"/>
@@ -2367,9 +2368,9 @@
           <a:p>
             <a:fld id="{7B4AEC64-C389-4369-9319-C0AE625A87B9}" type="datetimeFigureOut">
               <a:rPr lang="ko-KR" altLang="en-US" smtClean="0"/>
-              <a:t>2020-10-21</a:t>
+              <a:t>2020-10-22</a:t>
             </a:fld>
-            <a:endParaRPr lang="ko-KR" altLang="en-US"/>
+            <a:endParaRPr lang="ko-KR" altLang="en-US" dirty="0"/>
           </a:p>
         </p:txBody>
       </p:sp>
@@ -2388,7 +2389,7 @@
           <a:bodyPr/>
           <a:lstStyle/>
           <a:p>
-            <a:endParaRPr lang="ko-KR" altLang="en-US"/>
+            <a:endParaRPr lang="ko-KR" altLang="en-US" dirty="0"/>
           </a:p>
         </p:txBody>
       </p:sp>
@@ -2411,7 +2412,7 @@
               <a:rPr lang="ko-KR" altLang="en-US" smtClean="0"/>
               <a:t>‹#›</a:t>
             </a:fld>
-            <a:endParaRPr lang="ko-KR" altLang="en-US"/>
+            <a:endParaRPr lang="ko-KR" altLang="en-US" dirty="0"/>
           </a:p>
         </p:txBody>
       </p:sp>
@@ -2580,9 +2581,9 @@
           <a:p>
             <a:fld id="{7B4AEC64-C389-4369-9319-C0AE625A87B9}" type="datetimeFigureOut">
               <a:rPr lang="ko-KR" altLang="en-US" smtClean="0"/>
-              <a:t>2020-10-21</a:t>
+              <a:t>2020-10-22</a:t>
             </a:fld>
-            <a:endParaRPr lang="ko-KR" altLang="en-US"/>
+            <a:endParaRPr lang="ko-KR" altLang="en-US" dirty="0"/>
           </a:p>
         </p:txBody>
       </p:sp>
@@ -2619,7 +2620,7 @@
             </a:lvl1pPr>
           </a:lstStyle>
           <a:p>
-            <a:endParaRPr lang="ko-KR" altLang="en-US"/>
+            <a:endParaRPr lang="ko-KR" altLang="en-US" dirty="0"/>
           </a:p>
         </p:txBody>
       </p:sp>
@@ -2660,7 +2661,7 @@
               <a:rPr lang="ko-KR" altLang="en-US" smtClean="0"/>
               <a:t>‹#›</a:t>
             </a:fld>
-            <a:endParaRPr lang="ko-KR" altLang="en-US"/>
+            <a:endParaRPr lang="ko-KR" altLang="en-US" dirty="0"/>
           </a:p>
         </p:txBody>
       </p:sp>
@@ -2985,1371 +2986,6 @@
           <a:chExt cx="0" cy="0"/>
         </a:xfrm>
       </p:grpSpPr>
-      <p:sp>
-        <p:nvSpPr>
-          <p:cNvPr id="4" name="직사각형 3"/>
-          <p:cNvSpPr/>
-          <p:nvPr/>
-        </p:nvSpPr>
-        <p:spPr>
-          <a:xfrm>
-            <a:off x="4321133" y="278337"/>
-            <a:ext cx="2157498" cy="558159"/>
-          </a:xfrm>
-          <a:prstGeom prst="rect">
-            <a:avLst/>
-          </a:prstGeom>
-        </p:spPr>
-        <p:style>
-          <a:lnRef idx="2">
-            <a:schemeClr val="accent1">
-              <a:shade val="50000"/>
-            </a:schemeClr>
-          </a:lnRef>
-          <a:fillRef idx="1">
-            <a:schemeClr val="accent1"/>
-          </a:fillRef>
-          <a:effectRef idx="0">
-            <a:schemeClr val="accent1"/>
-          </a:effectRef>
-          <a:fontRef idx="minor">
-            <a:schemeClr val="lt1"/>
-          </a:fontRef>
-        </p:style>
-        <p:txBody>
-          <a:bodyPr rot="0" spcFirstLastPara="0" vertOverflow="overflow" horzOverflow="overflow" vert="horz" wrap="square" lIns="80998" tIns="40499" rIns="80998" bIns="40499" numCol="1" spcCol="0" rtlCol="0" fromWordArt="0" anchor="ctr" anchorCtr="0" forceAA="0" compatLnSpc="1">
-            <a:prstTxWarp prst="textNoShape">
-              <a:avLst/>
-            </a:prstTxWarp>
-            <a:noAutofit/>
-          </a:bodyPr>
-          <a:lstStyle/>
-          <a:p>
-            <a:pPr algn="ctr"/>
-            <a:r>
-              <a:rPr lang="en-US" altLang="ko-KR" sz="1594" dirty="0"/>
-              <a:t>main</a:t>
-            </a:r>
-            <a:endParaRPr lang="ko-KR" altLang="en-US" sz="1594" dirty="0"/>
-          </a:p>
-        </p:txBody>
-      </p:sp>
-      <p:sp>
-        <p:nvSpPr>
-          <p:cNvPr id="5" name="직사각형 4"/>
-          <p:cNvSpPr/>
-          <p:nvPr/>
-        </p:nvSpPr>
-        <p:spPr>
-          <a:xfrm>
-            <a:off x="1175055" y="1230549"/>
-            <a:ext cx="2157498" cy="558159"/>
-          </a:xfrm>
-          <a:prstGeom prst="rect">
-            <a:avLst/>
-          </a:prstGeom>
-        </p:spPr>
-        <p:style>
-          <a:lnRef idx="2">
-            <a:schemeClr val="accent1">
-              <a:shade val="50000"/>
-            </a:schemeClr>
-          </a:lnRef>
-          <a:fillRef idx="1">
-            <a:schemeClr val="accent1"/>
-          </a:fillRef>
-          <a:effectRef idx="0">
-            <a:schemeClr val="accent1"/>
-          </a:effectRef>
-          <a:fontRef idx="minor">
-            <a:schemeClr val="lt1"/>
-          </a:fontRef>
-        </p:style>
-        <p:txBody>
-          <a:bodyPr rot="0" spcFirstLastPara="0" vertOverflow="overflow" horzOverflow="overflow" vert="horz" wrap="square" lIns="80998" tIns="40499" rIns="80998" bIns="40499" numCol="1" spcCol="0" rtlCol="0" fromWordArt="0" anchor="ctr" anchorCtr="0" forceAA="0" compatLnSpc="1">
-            <a:prstTxWarp prst="textNoShape">
-              <a:avLst/>
-            </a:prstTxWarp>
-            <a:noAutofit/>
-          </a:bodyPr>
-          <a:lstStyle/>
-          <a:p>
-            <a:pPr algn="ctr"/>
-            <a:r>
-              <a:rPr lang="en-US" altLang="ko-KR" sz="1594" dirty="0"/>
-              <a:t>SRC</a:t>
-            </a:r>
-            <a:endParaRPr lang="ko-KR" altLang="en-US" sz="1594" dirty="0"/>
-          </a:p>
-        </p:txBody>
-      </p:sp>
-      <p:sp>
-        <p:nvSpPr>
-          <p:cNvPr id="6" name="직사각형 5"/>
-          <p:cNvSpPr/>
-          <p:nvPr/>
-        </p:nvSpPr>
-        <p:spPr>
-          <a:xfrm>
-            <a:off x="7498602" y="1230549"/>
-            <a:ext cx="2157498" cy="558159"/>
-          </a:xfrm>
-          <a:prstGeom prst="rect">
-            <a:avLst/>
-          </a:prstGeom>
-        </p:spPr>
-        <p:style>
-          <a:lnRef idx="2">
-            <a:schemeClr val="accent1">
-              <a:shade val="50000"/>
-            </a:schemeClr>
-          </a:lnRef>
-          <a:fillRef idx="1">
-            <a:schemeClr val="accent1"/>
-          </a:fillRef>
-          <a:effectRef idx="0">
-            <a:schemeClr val="accent1"/>
-          </a:effectRef>
-          <a:fontRef idx="minor">
-            <a:schemeClr val="lt1"/>
-          </a:fontRef>
-        </p:style>
-        <p:txBody>
-          <a:bodyPr rot="0" spcFirstLastPara="0" vertOverflow="overflow" horzOverflow="overflow" vert="horz" wrap="square" lIns="80998" tIns="40499" rIns="80998" bIns="40499" numCol="1" spcCol="0" rtlCol="0" fromWordArt="0" anchor="ctr" anchorCtr="0" forceAA="0" compatLnSpc="1">
-            <a:prstTxWarp prst="textNoShape">
-              <a:avLst/>
-            </a:prstTxWarp>
-            <a:noAutofit/>
-          </a:bodyPr>
-          <a:lstStyle/>
-          <a:p>
-            <a:pPr algn="ctr"/>
-            <a:r>
-              <a:rPr lang="en-US" altLang="ko-KR" sz="1594" dirty="0"/>
-              <a:t>HEADER</a:t>
-            </a:r>
-            <a:endParaRPr lang="ko-KR" altLang="en-US" sz="1594" dirty="0"/>
-          </a:p>
-        </p:txBody>
-      </p:sp>
-      <p:sp>
-        <p:nvSpPr>
-          <p:cNvPr id="7" name="직사각형 6"/>
-          <p:cNvSpPr/>
-          <p:nvPr/>
-        </p:nvSpPr>
-        <p:spPr>
-          <a:xfrm>
-            <a:off x="9032077" y="2367366"/>
-            <a:ext cx="1712590" cy="558159"/>
-          </a:xfrm>
-          <a:prstGeom prst="rect">
-            <a:avLst/>
-          </a:prstGeom>
-        </p:spPr>
-        <p:style>
-          <a:lnRef idx="2">
-            <a:schemeClr val="accent1">
-              <a:shade val="50000"/>
-            </a:schemeClr>
-          </a:lnRef>
-          <a:fillRef idx="1">
-            <a:schemeClr val="accent1"/>
-          </a:fillRef>
-          <a:effectRef idx="0">
-            <a:schemeClr val="accent1"/>
-          </a:effectRef>
-          <a:fontRef idx="minor">
-            <a:schemeClr val="lt1"/>
-          </a:fontRef>
-        </p:style>
-        <p:txBody>
-          <a:bodyPr rot="0" spcFirstLastPara="0" vertOverflow="overflow" horzOverflow="overflow" vert="horz" wrap="square" lIns="80998" tIns="40499" rIns="80998" bIns="40499" numCol="1" spcCol="0" rtlCol="0" fromWordArt="0" anchor="ctr" anchorCtr="0" forceAA="0" compatLnSpc="1">
-            <a:prstTxWarp prst="textNoShape">
-              <a:avLst/>
-            </a:prstTxWarp>
-            <a:noAutofit/>
-          </a:bodyPr>
-          <a:lstStyle/>
-          <a:p>
-            <a:pPr algn="ctr"/>
-            <a:r>
-              <a:rPr lang="en-US" altLang="ko-KR" sz="1594" dirty="0"/>
-              <a:t>Lib</a:t>
-            </a:r>
-          </a:p>
-        </p:txBody>
-      </p:sp>
-      <p:sp>
-        <p:nvSpPr>
-          <p:cNvPr id="8" name="직사각형 7"/>
-          <p:cNvSpPr/>
-          <p:nvPr/>
-        </p:nvSpPr>
-        <p:spPr>
-          <a:xfrm>
-            <a:off x="2608543" y="2367366"/>
-            <a:ext cx="1712590" cy="558159"/>
-          </a:xfrm>
-          <a:prstGeom prst="rect">
-            <a:avLst/>
-          </a:prstGeom>
-        </p:spPr>
-        <p:style>
-          <a:lnRef idx="2">
-            <a:schemeClr val="accent1">
-              <a:shade val="50000"/>
-            </a:schemeClr>
-          </a:lnRef>
-          <a:fillRef idx="1">
-            <a:schemeClr val="accent1"/>
-          </a:fillRef>
-          <a:effectRef idx="0">
-            <a:schemeClr val="accent1"/>
-          </a:effectRef>
-          <a:fontRef idx="minor">
-            <a:schemeClr val="lt1"/>
-          </a:fontRef>
-        </p:style>
-        <p:txBody>
-          <a:bodyPr rot="0" spcFirstLastPara="0" vertOverflow="overflow" horzOverflow="overflow" vert="horz" wrap="square" lIns="80998" tIns="40499" rIns="80998" bIns="40499" numCol="1" spcCol="0" rtlCol="0" fromWordArt="0" anchor="ctr" anchorCtr="0" forceAA="0" compatLnSpc="1">
-            <a:prstTxWarp prst="textNoShape">
-              <a:avLst/>
-            </a:prstTxWarp>
-            <a:noAutofit/>
-          </a:bodyPr>
-          <a:lstStyle/>
-          <a:p>
-            <a:pPr algn="ctr"/>
-            <a:r>
-              <a:rPr lang="en-US" altLang="ko-KR" sz="1594" dirty="0"/>
-              <a:t>system</a:t>
-            </a:r>
-          </a:p>
-        </p:txBody>
-      </p:sp>
-      <p:sp>
-        <p:nvSpPr>
-          <p:cNvPr id="9" name="직사각형 8"/>
-          <p:cNvSpPr/>
-          <p:nvPr/>
-        </p:nvSpPr>
-        <p:spPr>
-          <a:xfrm>
-            <a:off x="6309335" y="2353994"/>
-            <a:ext cx="1712590" cy="558159"/>
-          </a:xfrm>
-          <a:prstGeom prst="rect">
-            <a:avLst/>
-          </a:prstGeom>
-        </p:spPr>
-        <p:style>
-          <a:lnRef idx="2">
-            <a:schemeClr val="accent1">
-              <a:shade val="50000"/>
-            </a:schemeClr>
-          </a:lnRef>
-          <a:fillRef idx="1">
-            <a:schemeClr val="accent1"/>
-          </a:fillRef>
-          <a:effectRef idx="0">
-            <a:schemeClr val="accent1"/>
-          </a:effectRef>
-          <a:fontRef idx="minor">
-            <a:schemeClr val="lt1"/>
-          </a:fontRef>
-        </p:style>
-        <p:txBody>
-          <a:bodyPr rot="0" spcFirstLastPara="0" vertOverflow="overflow" horzOverflow="overflow" vert="horz" wrap="square" lIns="80998" tIns="40499" rIns="80998" bIns="40499" numCol="1" spcCol="0" rtlCol="0" fromWordArt="0" anchor="ctr" anchorCtr="0" forceAA="0" compatLnSpc="1">
-            <a:prstTxWarp prst="textNoShape">
-              <a:avLst/>
-            </a:prstTxWarp>
-            <a:noAutofit/>
-          </a:bodyPr>
-          <a:lstStyle/>
-          <a:p>
-            <a:pPr algn="ctr"/>
-            <a:r>
-              <a:rPr lang="en-US" altLang="ko-KR" sz="1594" dirty="0"/>
-              <a:t>system</a:t>
-            </a:r>
-          </a:p>
-        </p:txBody>
-      </p:sp>
-      <p:sp>
-        <p:nvSpPr>
-          <p:cNvPr id="11" name="모서리가 둥근 직사각형 10"/>
-          <p:cNvSpPr/>
-          <p:nvPr/>
-        </p:nvSpPr>
-        <p:spPr>
-          <a:xfrm>
-            <a:off x="6309335" y="3306207"/>
-            <a:ext cx="1767686" cy="584898"/>
-          </a:xfrm>
-          <a:prstGeom prst="roundRect">
-            <a:avLst/>
-          </a:prstGeom>
-        </p:spPr>
-        <p:style>
-          <a:lnRef idx="2">
-            <a:schemeClr val="accent1">
-              <a:shade val="50000"/>
-            </a:schemeClr>
-          </a:lnRef>
-          <a:fillRef idx="1">
-            <a:schemeClr val="accent1"/>
-          </a:fillRef>
-          <a:effectRef idx="0">
-            <a:schemeClr val="accent1"/>
-          </a:effectRef>
-          <a:fontRef idx="minor">
-            <a:schemeClr val="lt1"/>
-          </a:fontRef>
-        </p:style>
-        <p:txBody>
-          <a:bodyPr rot="0" spcFirstLastPara="0" vertOverflow="overflow" horzOverflow="overflow" vert="horz" wrap="square" lIns="80998" tIns="40499" rIns="80998" bIns="40499" numCol="1" spcCol="0" rtlCol="0" fromWordArt="0" anchor="ctr" anchorCtr="0" forceAA="0" compatLnSpc="1">
-            <a:prstTxWarp prst="textNoShape">
-              <a:avLst/>
-            </a:prstTxWarp>
-            <a:noAutofit/>
-          </a:bodyPr>
-          <a:lstStyle/>
-          <a:p>
-            <a:pPr algn="ctr"/>
-            <a:r>
-              <a:rPr lang="en-US" altLang="ko-KR" sz="1594" dirty="0" err="1"/>
-              <a:t>game_system.h</a:t>
-            </a:r>
-            <a:endParaRPr lang="ko-KR" altLang="en-US" sz="1594" dirty="0"/>
-          </a:p>
-        </p:txBody>
-      </p:sp>
-      <p:sp>
-        <p:nvSpPr>
-          <p:cNvPr id="12" name="모서리가 둥근 직사각형 11"/>
-          <p:cNvSpPr/>
-          <p:nvPr/>
-        </p:nvSpPr>
-        <p:spPr>
-          <a:xfrm>
-            <a:off x="8976981" y="3306206"/>
-            <a:ext cx="1767686" cy="584898"/>
-          </a:xfrm>
-          <a:prstGeom prst="roundRect">
-            <a:avLst/>
-          </a:prstGeom>
-        </p:spPr>
-        <p:style>
-          <a:lnRef idx="2">
-            <a:schemeClr val="accent1">
-              <a:shade val="50000"/>
-            </a:schemeClr>
-          </a:lnRef>
-          <a:fillRef idx="1">
-            <a:schemeClr val="accent1"/>
-          </a:fillRef>
-          <a:effectRef idx="0">
-            <a:schemeClr val="accent1"/>
-          </a:effectRef>
-          <a:fontRef idx="minor">
-            <a:schemeClr val="lt1"/>
-          </a:fontRef>
-        </p:style>
-        <p:txBody>
-          <a:bodyPr rot="0" spcFirstLastPara="0" vertOverflow="overflow" horzOverflow="overflow" vert="horz" wrap="square" lIns="80998" tIns="40499" rIns="80998" bIns="40499" numCol="1" spcCol="0" rtlCol="0" fromWordArt="0" anchor="ctr" anchorCtr="0" forceAA="0" compatLnSpc="1">
-            <a:prstTxWarp prst="textNoShape">
-              <a:avLst/>
-            </a:prstTxWarp>
-            <a:noAutofit/>
-          </a:bodyPr>
-          <a:lstStyle/>
-          <a:p>
-            <a:pPr algn="ctr"/>
-            <a:r>
-              <a:rPr lang="en-US" altLang="ko-KR" sz="1594" dirty="0" err="1"/>
-              <a:t>opdisplay.h</a:t>
-            </a:r>
-            <a:endParaRPr lang="ko-KR" altLang="en-US" sz="1594" dirty="0"/>
-          </a:p>
-        </p:txBody>
-      </p:sp>
-      <p:sp>
-        <p:nvSpPr>
-          <p:cNvPr id="13" name="모서리가 둥근 직사각형 12"/>
-          <p:cNvSpPr/>
-          <p:nvPr/>
-        </p:nvSpPr>
-        <p:spPr>
-          <a:xfrm>
-            <a:off x="2562748" y="3183313"/>
-            <a:ext cx="815603" cy="584898"/>
-          </a:xfrm>
-          <a:prstGeom prst="roundRect">
-            <a:avLst/>
-          </a:prstGeom>
-        </p:spPr>
-        <p:style>
-          <a:lnRef idx="2">
-            <a:schemeClr val="accent1">
-              <a:shade val="50000"/>
-            </a:schemeClr>
-          </a:lnRef>
-          <a:fillRef idx="1">
-            <a:schemeClr val="accent1"/>
-          </a:fillRef>
-          <a:effectRef idx="0">
-            <a:schemeClr val="accent1"/>
-          </a:effectRef>
-          <a:fontRef idx="minor">
-            <a:schemeClr val="lt1"/>
-          </a:fontRef>
-        </p:style>
-        <p:txBody>
-          <a:bodyPr rot="0" spcFirstLastPara="0" vertOverflow="overflow" horzOverflow="overflow" vert="horz" wrap="square" lIns="80998" tIns="40499" rIns="80998" bIns="40499" numCol="1" spcCol="0" rtlCol="0" fromWordArt="0" anchor="ctr" anchorCtr="0" forceAA="0" compatLnSpc="1">
-            <a:prstTxWarp prst="textNoShape">
-              <a:avLst/>
-            </a:prstTxWarp>
-            <a:noAutofit/>
-          </a:bodyPr>
-          <a:lstStyle/>
-          <a:p>
-            <a:pPr algn="ctr"/>
-            <a:r>
-              <a:rPr lang="en-US" altLang="ko-KR" sz="1594" dirty="0" err="1"/>
-              <a:t>init</a:t>
-            </a:r>
-            <a:endParaRPr lang="en-US" altLang="ko-KR" sz="1594" dirty="0"/>
-          </a:p>
-        </p:txBody>
-      </p:sp>
-      <p:sp>
-        <p:nvSpPr>
-          <p:cNvPr id="14" name="모서리가 둥근 직사각형 13"/>
-          <p:cNvSpPr/>
-          <p:nvPr/>
-        </p:nvSpPr>
-        <p:spPr>
-          <a:xfrm>
-            <a:off x="3641497" y="3183313"/>
-            <a:ext cx="988580" cy="584898"/>
-          </a:xfrm>
-          <a:prstGeom prst="roundRect">
-            <a:avLst/>
-          </a:prstGeom>
-        </p:spPr>
-        <p:style>
-          <a:lnRef idx="2">
-            <a:schemeClr val="accent1">
-              <a:shade val="50000"/>
-            </a:schemeClr>
-          </a:lnRef>
-          <a:fillRef idx="1">
-            <a:schemeClr val="accent1"/>
-          </a:fillRef>
-          <a:effectRef idx="0">
-            <a:schemeClr val="accent1"/>
-          </a:effectRef>
-          <a:fontRef idx="minor">
-            <a:schemeClr val="lt1"/>
-          </a:fontRef>
-        </p:style>
-        <p:txBody>
-          <a:bodyPr rot="0" spcFirstLastPara="0" vertOverflow="overflow" horzOverflow="overflow" vert="horz" wrap="square" lIns="80998" tIns="40499" rIns="80998" bIns="40499" numCol="1" spcCol="0" rtlCol="0" fromWordArt="0" anchor="ctr" anchorCtr="0" forceAA="0" compatLnSpc="1">
-            <a:prstTxWarp prst="textNoShape">
-              <a:avLst/>
-            </a:prstTxWarp>
-            <a:noAutofit/>
-          </a:bodyPr>
-          <a:lstStyle/>
-          <a:p>
-            <a:pPr algn="ctr"/>
-            <a:r>
-              <a:rPr lang="en-US" altLang="ko-KR" sz="1594" dirty="0"/>
-              <a:t>update</a:t>
-            </a:r>
-          </a:p>
-        </p:txBody>
-      </p:sp>
-      <p:sp>
-        <p:nvSpPr>
-          <p:cNvPr id="15" name="모서리가 둥근 직사각형 14"/>
-          <p:cNvSpPr/>
-          <p:nvPr/>
-        </p:nvSpPr>
-        <p:spPr>
-          <a:xfrm>
-            <a:off x="2476258" y="4054420"/>
-            <a:ext cx="988580" cy="584898"/>
-          </a:xfrm>
-          <a:prstGeom prst="roundRect">
-            <a:avLst/>
-          </a:prstGeom>
-        </p:spPr>
-        <p:style>
-          <a:lnRef idx="2">
-            <a:schemeClr val="accent1">
-              <a:shade val="50000"/>
-            </a:schemeClr>
-          </a:lnRef>
-          <a:fillRef idx="1">
-            <a:schemeClr val="accent1"/>
-          </a:fillRef>
-          <a:effectRef idx="0">
-            <a:schemeClr val="accent1"/>
-          </a:effectRef>
-          <a:fontRef idx="minor">
-            <a:schemeClr val="lt1"/>
-          </a:fontRef>
-        </p:style>
-        <p:txBody>
-          <a:bodyPr rot="0" spcFirstLastPara="0" vertOverflow="overflow" horzOverflow="overflow" vert="horz" wrap="square" lIns="80998" tIns="40499" rIns="80998" bIns="40499" numCol="1" spcCol="0" rtlCol="0" fromWordArt="0" anchor="ctr" anchorCtr="0" forceAA="0" compatLnSpc="1">
-            <a:prstTxWarp prst="textNoShape">
-              <a:avLst/>
-            </a:prstTxWarp>
-            <a:noAutofit/>
-          </a:bodyPr>
-          <a:lstStyle/>
-          <a:p>
-            <a:pPr algn="ctr"/>
-            <a:r>
-              <a:rPr lang="en-US" altLang="ko-KR" sz="1594" dirty="0"/>
-              <a:t>input</a:t>
-            </a:r>
-          </a:p>
-        </p:txBody>
-      </p:sp>
-      <p:sp>
-        <p:nvSpPr>
-          <p:cNvPr id="16" name="모서리가 둥근 직사각형 15"/>
-          <p:cNvSpPr/>
-          <p:nvPr/>
-        </p:nvSpPr>
-        <p:spPr>
-          <a:xfrm>
-            <a:off x="3656934" y="4054420"/>
-            <a:ext cx="988580" cy="584898"/>
-          </a:xfrm>
-          <a:prstGeom prst="roundRect">
-            <a:avLst/>
-          </a:prstGeom>
-        </p:spPr>
-        <p:style>
-          <a:lnRef idx="2">
-            <a:schemeClr val="accent1">
-              <a:shade val="50000"/>
-            </a:schemeClr>
-          </a:lnRef>
-          <a:fillRef idx="1">
-            <a:schemeClr val="accent1"/>
-          </a:fillRef>
-          <a:effectRef idx="0">
-            <a:schemeClr val="accent1"/>
-          </a:effectRef>
-          <a:fontRef idx="minor">
-            <a:schemeClr val="lt1"/>
-          </a:fontRef>
-        </p:style>
-        <p:txBody>
-          <a:bodyPr rot="0" spcFirstLastPara="0" vertOverflow="overflow" horzOverflow="overflow" vert="horz" wrap="square" lIns="80998" tIns="40499" rIns="80998" bIns="40499" numCol="1" spcCol="0" rtlCol="0" fromWordArt="0" anchor="ctr" anchorCtr="0" forceAA="0" compatLnSpc="1">
-            <a:prstTxWarp prst="textNoShape">
-              <a:avLst/>
-            </a:prstTxWarp>
-            <a:noAutofit/>
-          </a:bodyPr>
-          <a:lstStyle/>
-          <a:p>
-            <a:pPr algn="ctr"/>
-            <a:r>
-              <a:rPr lang="en-US" altLang="ko-KR" sz="1594" dirty="0"/>
-              <a:t>simulate</a:t>
-            </a:r>
-          </a:p>
-        </p:txBody>
-      </p:sp>
-      <p:sp>
-        <p:nvSpPr>
-          <p:cNvPr id="17" name="모서리가 둥근 직사각형 16"/>
-          <p:cNvSpPr/>
-          <p:nvPr/>
-        </p:nvSpPr>
-        <p:spPr>
-          <a:xfrm>
-            <a:off x="2476258" y="4898787"/>
-            <a:ext cx="988580" cy="584898"/>
-          </a:xfrm>
-          <a:prstGeom prst="roundRect">
-            <a:avLst/>
-          </a:prstGeom>
-        </p:spPr>
-        <p:style>
-          <a:lnRef idx="2">
-            <a:schemeClr val="accent1">
-              <a:shade val="50000"/>
-            </a:schemeClr>
-          </a:lnRef>
-          <a:fillRef idx="1">
-            <a:schemeClr val="accent1"/>
-          </a:fillRef>
-          <a:effectRef idx="0">
-            <a:schemeClr val="accent1"/>
-          </a:effectRef>
-          <a:fontRef idx="minor">
-            <a:schemeClr val="lt1"/>
-          </a:fontRef>
-        </p:style>
-        <p:txBody>
-          <a:bodyPr rot="0" spcFirstLastPara="0" vertOverflow="overflow" horzOverflow="overflow" vert="horz" wrap="square" lIns="80998" tIns="40499" rIns="80998" bIns="40499" numCol="1" spcCol="0" rtlCol="0" fromWordArt="0" anchor="ctr" anchorCtr="0" forceAA="0" compatLnSpc="1">
-            <a:prstTxWarp prst="textNoShape">
-              <a:avLst/>
-            </a:prstTxWarp>
-            <a:noAutofit/>
-          </a:bodyPr>
-          <a:lstStyle/>
-          <a:p>
-            <a:pPr algn="ctr"/>
-            <a:r>
-              <a:rPr lang="en-US" altLang="ko-KR" sz="1594" dirty="0"/>
-              <a:t>render</a:t>
-            </a:r>
-          </a:p>
-        </p:txBody>
-      </p:sp>
-      <p:cxnSp>
-        <p:nvCxnSpPr>
-          <p:cNvPr id="20" name="직선 화살표 연결선 19"/>
-          <p:cNvCxnSpPr>
-            <a:stCxn id="7" idx="2"/>
-          </p:cNvCxnSpPr>
-          <p:nvPr/>
-        </p:nvCxnSpPr>
-        <p:spPr>
-          <a:xfrm>
-            <a:off x="9888372" y="2925525"/>
-            <a:ext cx="0" cy="380682"/>
-          </a:xfrm>
-          <a:prstGeom prst="straightConnector1">
-            <a:avLst/>
-          </a:prstGeom>
-          <a:ln>
-            <a:tailEnd type="triangle"/>
-          </a:ln>
-        </p:spPr>
-        <p:style>
-          <a:lnRef idx="1">
-            <a:schemeClr val="accent1"/>
-          </a:lnRef>
-          <a:fillRef idx="0">
-            <a:schemeClr val="accent1"/>
-          </a:fillRef>
-          <a:effectRef idx="0">
-            <a:schemeClr val="accent1"/>
-          </a:effectRef>
-          <a:fontRef idx="minor">
-            <a:schemeClr val="tx1"/>
-          </a:fontRef>
-        </p:style>
-      </p:cxnSp>
-      <p:sp>
-        <p:nvSpPr>
-          <p:cNvPr id="21" name="TextBox 20"/>
-          <p:cNvSpPr txBox="1"/>
-          <p:nvPr/>
-        </p:nvSpPr>
-        <p:spPr>
-          <a:xfrm>
-            <a:off x="751055" y="3768211"/>
-            <a:ext cx="729880" cy="1715474"/>
-          </a:xfrm>
-          <a:prstGeom prst="rect">
-            <a:avLst/>
-          </a:prstGeom>
-          <a:noFill/>
-        </p:spPr>
-        <p:txBody>
-          <a:bodyPr vert="eaVert" wrap="square" rtlCol="0">
-            <a:spAutoFit/>
-          </a:bodyPr>
-          <a:lstStyle/>
-          <a:p>
-            <a:r>
-              <a:rPr lang="en-US" altLang="ko-KR" sz="3543" b="1" dirty="0"/>
-              <a:t>.   .   .</a:t>
-            </a:r>
-            <a:endParaRPr lang="ko-KR" altLang="en-US" sz="3543" b="1" dirty="0"/>
-          </a:p>
-        </p:txBody>
-      </p:sp>
-      <p:cxnSp>
-        <p:nvCxnSpPr>
-          <p:cNvPr id="23" name="직선 화살표 연결선 22"/>
-          <p:cNvCxnSpPr>
-            <a:stCxn id="5" idx="2"/>
-            <a:endCxn id="45" idx="0"/>
-          </p:cNvCxnSpPr>
-          <p:nvPr/>
-        </p:nvCxnSpPr>
-        <p:spPr>
-          <a:xfrm flipH="1">
-            <a:off x="987024" y="1788708"/>
-            <a:ext cx="1266780" cy="578658"/>
-          </a:xfrm>
-          <a:prstGeom prst="straightConnector1">
-            <a:avLst/>
-          </a:prstGeom>
-          <a:ln>
-            <a:tailEnd type="triangle"/>
-          </a:ln>
-        </p:spPr>
-        <p:style>
-          <a:lnRef idx="1">
-            <a:schemeClr val="accent1"/>
-          </a:lnRef>
-          <a:fillRef idx="0">
-            <a:schemeClr val="accent1"/>
-          </a:fillRef>
-          <a:effectRef idx="0">
-            <a:schemeClr val="accent1"/>
-          </a:effectRef>
-          <a:fontRef idx="minor">
-            <a:schemeClr val="tx1"/>
-          </a:fontRef>
-        </p:style>
-      </p:cxnSp>
-      <p:cxnSp>
-        <p:nvCxnSpPr>
-          <p:cNvPr id="25" name="직선 화살표 연결선 24"/>
-          <p:cNvCxnSpPr>
-            <a:stCxn id="5" idx="2"/>
-            <a:endCxn id="8" idx="0"/>
-          </p:cNvCxnSpPr>
-          <p:nvPr/>
-        </p:nvCxnSpPr>
-        <p:spPr>
-          <a:xfrm>
-            <a:off x="2253805" y="1788708"/>
-            <a:ext cx="1211033" cy="578658"/>
-          </a:xfrm>
-          <a:prstGeom prst="straightConnector1">
-            <a:avLst/>
-          </a:prstGeom>
-          <a:ln>
-            <a:tailEnd type="triangle"/>
-          </a:ln>
-        </p:spPr>
-        <p:style>
-          <a:lnRef idx="1">
-            <a:schemeClr val="accent1"/>
-          </a:lnRef>
-          <a:fillRef idx="0">
-            <a:schemeClr val="accent1"/>
-          </a:fillRef>
-          <a:effectRef idx="0">
-            <a:schemeClr val="accent1"/>
-          </a:effectRef>
-          <a:fontRef idx="minor">
-            <a:schemeClr val="tx1"/>
-          </a:fontRef>
-        </p:style>
-      </p:cxnSp>
-      <p:cxnSp>
-        <p:nvCxnSpPr>
-          <p:cNvPr id="27" name="직선 화살표 연결선 26"/>
-          <p:cNvCxnSpPr>
-            <a:stCxn id="8" idx="2"/>
-          </p:cNvCxnSpPr>
-          <p:nvPr/>
-        </p:nvCxnSpPr>
-        <p:spPr>
-          <a:xfrm>
-            <a:off x="3464838" y="2925525"/>
-            <a:ext cx="0" cy="162946"/>
-          </a:xfrm>
-          <a:prstGeom prst="straightConnector1">
-            <a:avLst/>
-          </a:prstGeom>
-          <a:ln>
-            <a:tailEnd type="triangle"/>
-          </a:ln>
-        </p:spPr>
-        <p:style>
-          <a:lnRef idx="1">
-            <a:schemeClr val="accent1"/>
-          </a:lnRef>
-          <a:fillRef idx="0">
-            <a:schemeClr val="accent1"/>
-          </a:fillRef>
-          <a:effectRef idx="0">
-            <a:schemeClr val="accent1"/>
-          </a:effectRef>
-          <a:fontRef idx="minor">
-            <a:schemeClr val="tx1"/>
-          </a:fontRef>
-        </p:style>
-      </p:cxnSp>
-      <p:cxnSp>
-        <p:nvCxnSpPr>
-          <p:cNvPr id="29" name="직선 화살표 연결선 28"/>
-          <p:cNvCxnSpPr>
-            <a:stCxn id="6" idx="2"/>
-            <a:endCxn id="9" idx="0"/>
-          </p:cNvCxnSpPr>
-          <p:nvPr/>
-        </p:nvCxnSpPr>
-        <p:spPr>
-          <a:xfrm flipH="1">
-            <a:off x="7165630" y="1788708"/>
-            <a:ext cx="1411721" cy="565286"/>
-          </a:xfrm>
-          <a:prstGeom prst="straightConnector1">
-            <a:avLst/>
-          </a:prstGeom>
-          <a:ln>
-            <a:tailEnd type="triangle"/>
-          </a:ln>
-        </p:spPr>
-        <p:style>
-          <a:lnRef idx="1">
-            <a:schemeClr val="accent1"/>
-          </a:lnRef>
-          <a:fillRef idx="0">
-            <a:schemeClr val="accent1"/>
-          </a:fillRef>
-          <a:effectRef idx="0">
-            <a:schemeClr val="accent1"/>
-          </a:effectRef>
-          <a:fontRef idx="minor">
-            <a:schemeClr val="tx1"/>
-          </a:fontRef>
-        </p:style>
-      </p:cxnSp>
-      <p:cxnSp>
-        <p:nvCxnSpPr>
-          <p:cNvPr id="31" name="직선 화살표 연결선 30"/>
-          <p:cNvCxnSpPr/>
-          <p:nvPr/>
-        </p:nvCxnSpPr>
-        <p:spPr>
-          <a:xfrm>
-            <a:off x="9643444" y="1802080"/>
-            <a:ext cx="0" cy="565286"/>
-          </a:xfrm>
-          <a:prstGeom prst="straightConnector1">
-            <a:avLst/>
-          </a:prstGeom>
-          <a:ln>
-            <a:tailEnd type="triangle"/>
-          </a:ln>
-        </p:spPr>
-        <p:style>
-          <a:lnRef idx="1">
-            <a:schemeClr val="accent1"/>
-          </a:lnRef>
-          <a:fillRef idx="0">
-            <a:schemeClr val="accent1"/>
-          </a:fillRef>
-          <a:effectRef idx="0">
-            <a:schemeClr val="accent1"/>
-          </a:effectRef>
-          <a:fontRef idx="minor">
-            <a:schemeClr val="tx1"/>
-          </a:fontRef>
-        </p:style>
-      </p:cxnSp>
-      <p:cxnSp>
-        <p:nvCxnSpPr>
-          <p:cNvPr id="33" name="직선 화살표 연결선 32"/>
-          <p:cNvCxnSpPr>
-            <a:stCxn id="9" idx="2"/>
-          </p:cNvCxnSpPr>
-          <p:nvPr/>
-        </p:nvCxnSpPr>
-        <p:spPr>
-          <a:xfrm>
-            <a:off x="7165630" y="2912153"/>
-            <a:ext cx="0" cy="271161"/>
-          </a:xfrm>
-          <a:prstGeom prst="straightConnector1">
-            <a:avLst/>
-          </a:prstGeom>
-          <a:ln>
-            <a:tailEnd type="triangle"/>
-          </a:ln>
-        </p:spPr>
-        <p:style>
-          <a:lnRef idx="1">
-            <a:schemeClr val="accent1"/>
-          </a:lnRef>
-          <a:fillRef idx="0">
-            <a:schemeClr val="accent1"/>
-          </a:fillRef>
-          <a:effectRef idx="0">
-            <a:schemeClr val="accent1"/>
-          </a:effectRef>
-          <a:fontRef idx="minor">
-            <a:schemeClr val="tx1"/>
-          </a:fontRef>
-        </p:style>
-      </p:cxnSp>
-      <p:sp>
-        <p:nvSpPr>
-          <p:cNvPr id="34" name="모서리가 둥근 직사각형 33"/>
-          <p:cNvSpPr/>
-          <p:nvPr/>
-        </p:nvSpPr>
-        <p:spPr>
-          <a:xfrm>
-            <a:off x="6309335" y="4135526"/>
-            <a:ext cx="815603" cy="584898"/>
-          </a:xfrm>
-          <a:prstGeom prst="roundRect">
-            <a:avLst/>
-          </a:prstGeom>
-        </p:spPr>
-        <p:style>
-          <a:lnRef idx="2">
-            <a:schemeClr val="accent1">
-              <a:shade val="50000"/>
-            </a:schemeClr>
-          </a:lnRef>
-          <a:fillRef idx="1">
-            <a:schemeClr val="accent1"/>
-          </a:fillRef>
-          <a:effectRef idx="0">
-            <a:schemeClr val="accent1"/>
-          </a:effectRef>
-          <a:fontRef idx="minor">
-            <a:schemeClr val="lt1"/>
-          </a:fontRef>
-        </p:style>
-        <p:txBody>
-          <a:bodyPr rot="0" spcFirstLastPara="0" vertOverflow="overflow" horzOverflow="overflow" vert="horz" wrap="square" lIns="80998" tIns="40499" rIns="80998" bIns="40499" numCol="1" spcCol="0" rtlCol="0" fromWordArt="0" anchor="ctr" anchorCtr="0" forceAA="0" compatLnSpc="1">
-            <a:prstTxWarp prst="textNoShape">
-              <a:avLst/>
-            </a:prstTxWarp>
-            <a:noAutofit/>
-          </a:bodyPr>
-          <a:lstStyle/>
-          <a:p>
-            <a:pPr algn="ctr"/>
-            <a:r>
-              <a:rPr lang="en-US" altLang="ko-KR" sz="1594" dirty="0" err="1"/>
-              <a:t>init</a:t>
-            </a:r>
-            <a:endParaRPr lang="en-US" altLang="ko-KR" sz="1594" dirty="0"/>
-          </a:p>
-        </p:txBody>
-      </p:sp>
-      <p:sp>
-        <p:nvSpPr>
-          <p:cNvPr id="35" name="모서리가 둥근 직사각형 34"/>
-          <p:cNvSpPr/>
-          <p:nvPr/>
-        </p:nvSpPr>
-        <p:spPr>
-          <a:xfrm>
-            <a:off x="7388085" y="4135526"/>
-            <a:ext cx="988580" cy="584898"/>
-          </a:xfrm>
-          <a:prstGeom prst="roundRect">
-            <a:avLst/>
-          </a:prstGeom>
-        </p:spPr>
-        <p:style>
-          <a:lnRef idx="2">
-            <a:schemeClr val="accent1">
-              <a:shade val="50000"/>
-            </a:schemeClr>
-          </a:lnRef>
-          <a:fillRef idx="1">
-            <a:schemeClr val="accent1"/>
-          </a:fillRef>
-          <a:effectRef idx="0">
-            <a:schemeClr val="accent1"/>
-          </a:effectRef>
-          <a:fontRef idx="minor">
-            <a:schemeClr val="lt1"/>
-          </a:fontRef>
-        </p:style>
-        <p:txBody>
-          <a:bodyPr rot="0" spcFirstLastPara="0" vertOverflow="overflow" horzOverflow="overflow" vert="horz" wrap="square" lIns="80998" tIns="40499" rIns="80998" bIns="40499" numCol="1" spcCol="0" rtlCol="0" fromWordArt="0" anchor="ctr" anchorCtr="0" forceAA="0" compatLnSpc="1">
-            <a:prstTxWarp prst="textNoShape">
-              <a:avLst/>
-            </a:prstTxWarp>
-            <a:noAutofit/>
-          </a:bodyPr>
-          <a:lstStyle/>
-          <a:p>
-            <a:pPr algn="ctr"/>
-            <a:r>
-              <a:rPr lang="en-US" altLang="ko-KR" sz="1594" dirty="0"/>
-              <a:t>update</a:t>
-            </a:r>
-          </a:p>
-        </p:txBody>
-      </p:sp>
-      <p:sp>
-        <p:nvSpPr>
-          <p:cNvPr id="36" name="모서리가 둥근 직사각형 35"/>
-          <p:cNvSpPr/>
-          <p:nvPr/>
-        </p:nvSpPr>
-        <p:spPr>
-          <a:xfrm>
-            <a:off x="6222846" y="5006633"/>
-            <a:ext cx="988580" cy="584898"/>
-          </a:xfrm>
-          <a:prstGeom prst="roundRect">
-            <a:avLst/>
-          </a:prstGeom>
-        </p:spPr>
-        <p:style>
-          <a:lnRef idx="2">
-            <a:schemeClr val="accent1">
-              <a:shade val="50000"/>
-            </a:schemeClr>
-          </a:lnRef>
-          <a:fillRef idx="1">
-            <a:schemeClr val="accent1"/>
-          </a:fillRef>
-          <a:effectRef idx="0">
-            <a:schemeClr val="accent1"/>
-          </a:effectRef>
-          <a:fontRef idx="minor">
-            <a:schemeClr val="lt1"/>
-          </a:fontRef>
-        </p:style>
-        <p:txBody>
-          <a:bodyPr rot="0" spcFirstLastPara="0" vertOverflow="overflow" horzOverflow="overflow" vert="horz" wrap="square" lIns="80998" tIns="40499" rIns="80998" bIns="40499" numCol="1" spcCol="0" rtlCol="0" fromWordArt="0" anchor="ctr" anchorCtr="0" forceAA="0" compatLnSpc="1">
-            <a:prstTxWarp prst="textNoShape">
-              <a:avLst/>
-            </a:prstTxWarp>
-            <a:noAutofit/>
-          </a:bodyPr>
-          <a:lstStyle/>
-          <a:p>
-            <a:pPr algn="ctr"/>
-            <a:r>
-              <a:rPr lang="en-US" altLang="ko-KR" sz="1594" dirty="0"/>
-              <a:t>input</a:t>
-            </a:r>
-          </a:p>
-        </p:txBody>
-      </p:sp>
-      <p:sp>
-        <p:nvSpPr>
-          <p:cNvPr id="37" name="모서리가 둥근 직사각형 36"/>
-          <p:cNvSpPr/>
-          <p:nvPr/>
-        </p:nvSpPr>
-        <p:spPr>
-          <a:xfrm>
-            <a:off x="7403522" y="5006633"/>
-            <a:ext cx="988580" cy="584898"/>
-          </a:xfrm>
-          <a:prstGeom prst="roundRect">
-            <a:avLst/>
-          </a:prstGeom>
-        </p:spPr>
-        <p:style>
-          <a:lnRef idx="2">
-            <a:schemeClr val="accent1">
-              <a:shade val="50000"/>
-            </a:schemeClr>
-          </a:lnRef>
-          <a:fillRef idx="1">
-            <a:schemeClr val="accent1"/>
-          </a:fillRef>
-          <a:effectRef idx="0">
-            <a:schemeClr val="accent1"/>
-          </a:effectRef>
-          <a:fontRef idx="minor">
-            <a:schemeClr val="lt1"/>
-          </a:fontRef>
-        </p:style>
-        <p:txBody>
-          <a:bodyPr rot="0" spcFirstLastPara="0" vertOverflow="overflow" horzOverflow="overflow" vert="horz" wrap="square" lIns="80998" tIns="40499" rIns="80998" bIns="40499" numCol="1" spcCol="0" rtlCol="0" fromWordArt="0" anchor="ctr" anchorCtr="0" forceAA="0" compatLnSpc="1">
-            <a:prstTxWarp prst="textNoShape">
-              <a:avLst/>
-            </a:prstTxWarp>
-            <a:noAutofit/>
-          </a:bodyPr>
-          <a:lstStyle/>
-          <a:p>
-            <a:pPr algn="ctr"/>
-            <a:r>
-              <a:rPr lang="en-US" altLang="ko-KR" sz="1594" dirty="0"/>
-              <a:t>simulate</a:t>
-            </a:r>
-          </a:p>
-        </p:txBody>
-      </p:sp>
-      <p:sp>
-        <p:nvSpPr>
-          <p:cNvPr id="38" name="모서리가 둥근 직사각형 37"/>
-          <p:cNvSpPr/>
-          <p:nvPr/>
-        </p:nvSpPr>
-        <p:spPr>
-          <a:xfrm>
-            <a:off x="6222846" y="5851000"/>
-            <a:ext cx="988580" cy="584898"/>
-          </a:xfrm>
-          <a:prstGeom prst="roundRect">
-            <a:avLst/>
-          </a:prstGeom>
-        </p:spPr>
-        <p:style>
-          <a:lnRef idx="2">
-            <a:schemeClr val="accent1">
-              <a:shade val="50000"/>
-            </a:schemeClr>
-          </a:lnRef>
-          <a:fillRef idx="1">
-            <a:schemeClr val="accent1"/>
-          </a:fillRef>
-          <a:effectRef idx="0">
-            <a:schemeClr val="accent1"/>
-          </a:effectRef>
-          <a:fontRef idx="minor">
-            <a:schemeClr val="lt1"/>
-          </a:fontRef>
-        </p:style>
-        <p:txBody>
-          <a:bodyPr rot="0" spcFirstLastPara="0" vertOverflow="overflow" horzOverflow="overflow" vert="horz" wrap="square" lIns="80998" tIns="40499" rIns="80998" bIns="40499" numCol="1" spcCol="0" rtlCol="0" fromWordArt="0" anchor="ctr" anchorCtr="0" forceAA="0" compatLnSpc="1">
-            <a:prstTxWarp prst="textNoShape">
-              <a:avLst/>
-            </a:prstTxWarp>
-            <a:noAutofit/>
-          </a:bodyPr>
-          <a:lstStyle/>
-          <a:p>
-            <a:pPr algn="ctr"/>
-            <a:r>
-              <a:rPr lang="en-US" altLang="ko-KR" sz="1594" dirty="0"/>
-              <a:t>render</a:t>
-            </a:r>
-          </a:p>
-        </p:txBody>
-      </p:sp>
-      <p:cxnSp>
-        <p:nvCxnSpPr>
-          <p:cNvPr id="40" name="직선 화살표 연결선 39"/>
-          <p:cNvCxnSpPr>
-            <a:stCxn id="11" idx="2"/>
-          </p:cNvCxnSpPr>
-          <p:nvPr/>
-        </p:nvCxnSpPr>
-        <p:spPr>
-          <a:xfrm>
-            <a:off x="7193178" y="3891105"/>
-            <a:ext cx="18248" cy="244421"/>
-          </a:xfrm>
-          <a:prstGeom prst="straightConnector1">
-            <a:avLst/>
-          </a:prstGeom>
-          <a:ln>
-            <a:tailEnd type="triangle"/>
-          </a:ln>
-        </p:spPr>
-        <p:style>
-          <a:lnRef idx="1">
-            <a:schemeClr val="accent1"/>
-          </a:lnRef>
-          <a:fillRef idx="0">
-            <a:schemeClr val="accent1"/>
-          </a:fillRef>
-          <a:effectRef idx="0">
-            <a:schemeClr val="accent1"/>
-          </a:effectRef>
-          <a:fontRef idx="minor">
-            <a:schemeClr val="tx1"/>
-          </a:fontRef>
-        </p:style>
-      </p:cxnSp>
-      <p:sp>
-        <p:nvSpPr>
-          <p:cNvPr id="45" name="직사각형 44"/>
-          <p:cNvSpPr/>
-          <p:nvPr/>
-        </p:nvSpPr>
-        <p:spPr>
-          <a:xfrm>
-            <a:off x="130729" y="2367366"/>
-            <a:ext cx="1712590" cy="558159"/>
-          </a:xfrm>
-          <a:prstGeom prst="rect">
-            <a:avLst/>
-          </a:prstGeom>
-        </p:spPr>
-        <p:style>
-          <a:lnRef idx="2">
-            <a:schemeClr val="accent1">
-              <a:shade val="50000"/>
-            </a:schemeClr>
-          </a:lnRef>
-          <a:fillRef idx="1">
-            <a:schemeClr val="accent1"/>
-          </a:fillRef>
-          <a:effectRef idx="0">
-            <a:schemeClr val="accent1"/>
-          </a:effectRef>
-          <a:fontRef idx="minor">
-            <a:schemeClr val="lt1"/>
-          </a:fontRef>
-        </p:style>
-        <p:txBody>
-          <a:bodyPr rot="0" spcFirstLastPara="0" vertOverflow="overflow" horzOverflow="overflow" vert="horz" wrap="square" lIns="80998" tIns="40499" rIns="80998" bIns="40499" numCol="1" spcCol="0" rtlCol="0" fromWordArt="0" anchor="ctr" anchorCtr="0" forceAA="0" compatLnSpc="1">
-            <a:prstTxWarp prst="textNoShape">
-              <a:avLst/>
-            </a:prstTxWarp>
-            <a:noAutofit/>
-          </a:bodyPr>
-          <a:lstStyle/>
-          <a:p>
-            <a:pPr algn="ctr"/>
-            <a:r>
-              <a:rPr lang="en-US" altLang="ko-KR" sz="1594" dirty="0"/>
-              <a:t>Lib</a:t>
-            </a:r>
-          </a:p>
-        </p:txBody>
-      </p:sp>
-      <p:cxnSp>
-        <p:nvCxnSpPr>
-          <p:cNvPr id="46" name="직선 화살표 연결선 45"/>
-          <p:cNvCxnSpPr/>
-          <p:nvPr/>
-        </p:nvCxnSpPr>
-        <p:spPr>
-          <a:xfrm>
-            <a:off x="1001547" y="2925525"/>
-            <a:ext cx="0" cy="673130"/>
-          </a:xfrm>
-          <a:prstGeom prst="straightConnector1">
-            <a:avLst/>
-          </a:prstGeom>
-          <a:ln>
-            <a:tailEnd type="triangle"/>
-          </a:ln>
-        </p:spPr>
-        <p:style>
-          <a:lnRef idx="1">
-            <a:schemeClr val="accent1"/>
-          </a:lnRef>
-          <a:fillRef idx="0">
-            <a:schemeClr val="accent1"/>
-          </a:fillRef>
-          <a:effectRef idx="0">
-            <a:schemeClr val="accent1"/>
-          </a:effectRef>
-          <a:fontRef idx="minor">
-            <a:schemeClr val="tx1"/>
-          </a:fontRef>
-        </p:style>
-      </p:cxnSp>
-      <p:cxnSp>
-        <p:nvCxnSpPr>
-          <p:cNvPr id="3" name="직선 화살표 연결선 2"/>
-          <p:cNvCxnSpPr>
-            <a:stCxn id="4" idx="2"/>
-            <a:endCxn id="5" idx="0"/>
-          </p:cNvCxnSpPr>
-          <p:nvPr/>
-        </p:nvCxnSpPr>
-        <p:spPr>
-          <a:xfrm flipH="1">
-            <a:off x="2253804" y="836496"/>
-            <a:ext cx="3146078" cy="394053"/>
-          </a:xfrm>
-          <a:prstGeom prst="straightConnector1">
-            <a:avLst/>
-          </a:prstGeom>
-          <a:ln>
-            <a:tailEnd type="arrow"/>
-          </a:ln>
-        </p:spPr>
-        <p:style>
-          <a:lnRef idx="1">
-            <a:schemeClr val="accent1"/>
-          </a:lnRef>
-          <a:fillRef idx="0">
-            <a:schemeClr val="accent1"/>
-          </a:fillRef>
-          <a:effectRef idx="0">
-            <a:schemeClr val="accent1"/>
-          </a:effectRef>
-          <a:fontRef idx="minor">
-            <a:schemeClr val="tx1"/>
-          </a:fontRef>
-        </p:style>
-      </p:cxnSp>
-      <p:cxnSp>
-        <p:nvCxnSpPr>
-          <p:cNvPr id="18" name="직선 화살표 연결선 17"/>
-          <p:cNvCxnSpPr>
-            <a:stCxn id="4" idx="2"/>
-            <a:endCxn id="6" idx="0"/>
-          </p:cNvCxnSpPr>
-          <p:nvPr/>
-        </p:nvCxnSpPr>
-        <p:spPr>
-          <a:xfrm>
-            <a:off x="5399882" y="836496"/>
-            <a:ext cx="3177469" cy="394053"/>
-          </a:xfrm>
-          <a:prstGeom prst="straightConnector1">
-            <a:avLst/>
-          </a:prstGeom>
-          <a:ln>
-            <a:tailEnd type="arrow"/>
-          </a:ln>
-        </p:spPr>
-        <p:style>
-          <a:lnRef idx="1">
-            <a:schemeClr val="accent1"/>
-          </a:lnRef>
-          <a:fillRef idx="0">
-            <a:schemeClr val="accent1"/>
-          </a:fillRef>
-          <a:effectRef idx="0">
-            <a:schemeClr val="accent1"/>
-          </a:effectRef>
-          <a:fontRef idx="minor">
-            <a:schemeClr val="tx1"/>
-          </a:fontRef>
-        </p:style>
-      </p:cxnSp>
-    </p:spTree>
-    <p:extLst>
-      <p:ext uri="{BB962C8B-B14F-4D97-AF65-F5344CB8AC3E}">
-        <p14:creationId xmlns:p14="http://schemas.microsoft.com/office/powerpoint/2010/main" val="3688811210"/>
-      </p:ext>
-    </p:extLst>
-  </p:cSld>
-  <p:clrMapOvr>
-    <a:masterClrMapping/>
-  </p:clrMapOvr>
-</p:sld>
-</file>
-
-<file path=ppt/slides/slide2.xml><?xml version="1.0" encoding="utf-8"?>
-<p:sld xmlns:a="http://schemas.openxmlformats.org/drawingml/2006/main" xmlns:r="http://schemas.openxmlformats.org/officeDocument/2006/relationships" xmlns:p="http://schemas.openxmlformats.org/presentationml/2006/main">
-  <p:cSld>
-    <p:spTree>
-      <p:nvGrpSpPr>
-        <p:cNvPr id="1" name=""/>
-        <p:cNvGrpSpPr/>
-        <p:nvPr/>
-      </p:nvGrpSpPr>
-      <p:grpSpPr>
-        <a:xfrm>
-          <a:off x="0" y="0"/>
-          <a:ext cx="0" cy="0"/>
-          <a:chOff x="0" y="0"/>
-          <a:chExt cx="0" cy="0"/>
-        </a:xfrm>
-      </p:grpSpPr>
       <p:graphicFrame>
         <p:nvGraphicFramePr>
           <p:cNvPr id="4" name="표 3"/>
@@ -4378,14 +3014,14 @@
                 <a:gridCol w="5558973">
                   <a:extLst>
                     <a:ext uri="{9D8B030D-6E8A-4147-A177-3AD203B41FA5}">
-                      <a16:colId xmlns:a16="http://schemas.microsoft.com/office/drawing/2014/main" val="20000"/>
+                      <a16:colId xmlns:a16="http://schemas.microsoft.com/office/drawing/2014/main" xmlns="" val="20000"/>
                     </a:ext>
                   </a:extLst>
                 </a:gridCol>
                 <a:gridCol w="5240791">
                   <a:extLst>
                     <a:ext uri="{9D8B030D-6E8A-4147-A177-3AD203B41FA5}">
-                      <a16:colId xmlns:a16="http://schemas.microsoft.com/office/drawing/2014/main" val="20001"/>
+                      <a16:colId xmlns:a16="http://schemas.microsoft.com/office/drawing/2014/main" xmlns="" val="20001"/>
                     </a:ext>
                   </a:extLst>
                 </a:gridCol>
@@ -4437,11 +3073,7 @@
                       </a:r>
                       <a:r>
                         <a:rPr lang="ko-KR" altLang="en-US" baseline="0" dirty="0"/>
-                        <a:t> </a:t>
-                      </a:r>
-                      <a:r>
-                        <a:rPr lang="ko-KR" altLang="en-US" baseline="0" dirty="0" err="1"/>
-                        <a:t>양옆</a:t>
+                        <a:t> 양옆</a:t>
                       </a:r>
                       <a:r>
                         <a:rPr lang="en-US" altLang="ko-KR" baseline="0" dirty="0"/>
@@ -4519,7 +3151,7 @@
                 </a:tc>
                 <a:extLst>
                   <a:ext uri="{0D108BD9-81ED-4DB2-BD59-A6C34878D82A}">
-                    <a16:rowId xmlns:a16="http://schemas.microsoft.com/office/drawing/2014/main" val="10000"/>
+                    <a16:rowId xmlns:a16="http://schemas.microsoft.com/office/drawing/2014/main" xmlns="" val="10000"/>
                   </a:ext>
                 </a:extLst>
               </a:tr>
@@ -4616,12 +3248,8 @@
                         <a:t>1:</a:t>
                       </a:r>
                       <a:r>
-                        <a:rPr lang="ko-KR" altLang="en-US" dirty="0" err="1"/>
-                        <a:t>매커니즘</a:t>
-                      </a:r>
-                      <a:r>
                         <a:rPr lang="ko-KR" altLang="en-US" dirty="0"/>
-                        <a:t> 구현</a:t>
+                        <a:t>매커니즘 구현</a:t>
                       </a:r>
                       <a:endParaRPr lang="en-US" altLang="ko-KR" dirty="0"/>
                     </a:p>
@@ -4629,28 +3257,19 @@
                       <a:pPr latinLnBrk="1"/>
                       <a:r>
                         <a:rPr lang="en-US" altLang="ko-KR" dirty="0"/>
-                        <a:t>  (1):</a:t>
+                        <a:t>  (1):gamesystem </a:t>
                       </a:r>
                       <a:r>
-                        <a:rPr lang="en-US" altLang="ko-KR" dirty="0" err="1"/>
-                        <a:t>gamesystem</a:t>
-                      </a:r>
-                      <a:r>
-                        <a:rPr lang="en-US" altLang="ko-KR" dirty="0"/>
-                        <a:t> </a:t>
-                      </a:r>
-                      <a:r>
-                        <a:rPr lang="ko-KR" altLang="en-US"/>
+                        <a:rPr lang="ko-KR" altLang="en-US" dirty="0"/>
                         <a:t>라이브러리 구현</a:t>
                       </a:r>
-                      <a:endParaRPr lang="ko-KR" altLang="en-US" dirty="0"/>
                     </a:p>
                   </a:txBody>
                   <a:tcPr/>
                 </a:tc>
                 <a:extLst>
                   <a:ext uri="{0D108BD9-81ED-4DB2-BD59-A6C34878D82A}">
-                    <a16:rowId xmlns:a16="http://schemas.microsoft.com/office/drawing/2014/main" val="10001"/>
+                    <a16:rowId xmlns:a16="http://schemas.microsoft.com/office/drawing/2014/main" xmlns="" val="10001"/>
                   </a:ext>
                 </a:extLst>
               </a:tr>
@@ -4671,7 +3290,7 @@
 </p:sld>
 </file>
 
-<file path=ppt/slides/slide3.xml><?xml version="1.0" encoding="utf-8"?>
+<file path=ppt/slides/slide2.xml><?xml version="1.0" encoding="utf-8"?>
 <p:sld xmlns:a="http://schemas.openxmlformats.org/drawingml/2006/main" xmlns:r="http://schemas.openxmlformats.org/officeDocument/2006/relationships" xmlns:p="http://schemas.openxmlformats.org/presentationml/2006/main">
   <p:cSld>
     <p:spTree>
@@ -4693,7 +3312,7 @@
           <p:cNvPr id="1026" name="Picture 2" descr="게임제작개론 : #6 게임 시스템 구조에 대한 이해">
             <a:extLst>
               <a:ext uri="{FF2B5EF4-FFF2-40B4-BE49-F238E27FC236}">
-                <a16:creationId xmlns:a16="http://schemas.microsoft.com/office/drawing/2014/main" id="{5AA2E3DF-9B1B-42F8-87D8-4867D943D1DD}"/>
+                <a16:creationId xmlns:a16="http://schemas.microsoft.com/office/drawing/2014/main" xmlns="" id="{5AA2E3DF-9B1B-42F8-87D8-4867D943D1DD}"/>
               </a:ext>
             </a:extLst>
           </p:cNvPr>
@@ -4746,7 +3365,3015 @@
 </p:sld>
 </file>
 
+<file path=ppt/slides/slide3.xml><?xml version="1.0" encoding="utf-8"?>
+<p:sld xmlns:a="http://schemas.openxmlformats.org/drawingml/2006/main" xmlns:r="http://schemas.openxmlformats.org/officeDocument/2006/relationships" xmlns:p="http://schemas.openxmlformats.org/presentationml/2006/main">
+  <p:cSld>
+    <p:spTree>
+      <p:nvGrpSpPr>
+        <p:cNvPr id="1" name=""/>
+        <p:cNvGrpSpPr/>
+        <p:nvPr/>
+      </p:nvGrpSpPr>
+      <p:grpSpPr>
+        <a:xfrm>
+          <a:off x="0" y="0"/>
+          <a:ext cx="0" cy="0"/>
+          <a:chOff x="0" y="0"/>
+          <a:chExt cx="0" cy="0"/>
+        </a:xfrm>
+      </p:grpSpPr>
+      <p:sp>
+        <p:nvSpPr>
+          <p:cNvPr id="4" name="TextBox 3"/>
+          <p:cNvSpPr txBox="1"/>
+          <p:nvPr/>
+        </p:nvSpPr>
+        <p:spPr>
+          <a:xfrm>
+            <a:off x="0" y="188686"/>
+            <a:ext cx="1428917" cy="369332"/>
+          </a:xfrm>
+          <a:prstGeom prst="rect">
+            <a:avLst/>
+          </a:prstGeom>
+          <a:noFill/>
+        </p:spPr>
+        <p:txBody>
+          <a:bodyPr wrap="none" rtlCol="0">
+            <a:spAutoFit/>
+          </a:bodyPr>
+          <a:lstStyle/>
+          <a:p>
+            <a:r>
+              <a:rPr lang="en-US" altLang="ko-KR" dirty="0" smtClean="0"/>
+              <a:t>CHEAT SHEET</a:t>
+            </a:r>
+            <a:endParaRPr lang="ko-KR" altLang="en-US" dirty="0"/>
+          </a:p>
+        </p:txBody>
+      </p:sp>
+      <p:sp>
+        <p:nvSpPr>
+          <p:cNvPr id="5" name="TextBox 4"/>
+          <p:cNvSpPr txBox="1"/>
+          <p:nvPr/>
+        </p:nvSpPr>
+        <p:spPr>
+          <a:xfrm>
+            <a:off x="0" y="580576"/>
+            <a:ext cx="10799763" cy="11449288"/>
+          </a:xfrm>
+          <a:prstGeom prst="rect">
+            <a:avLst/>
+          </a:prstGeom>
+          <a:noFill/>
+        </p:spPr>
+        <p:txBody>
+          <a:bodyPr wrap="square" rtlCol="0">
+            <a:spAutoFit/>
+          </a:bodyPr>
+          <a:lstStyle/>
+          <a:p>
+            <a:r>
+              <a:rPr lang="en-US" altLang="ko-KR" dirty="0">
+                <a:solidFill>
+                  <a:schemeClr val="accent6"/>
+                </a:solidFill>
+                <a:latin typeface="돋움체"/>
+                <a:ea typeface="돋움체"/>
+              </a:rPr>
+              <a:t>//HANDLE </a:t>
+            </a:r>
+            <a:r>
+              <a:rPr lang="ko-KR" altLang="en-US" dirty="0">
+                <a:solidFill>
+                  <a:schemeClr val="accent6"/>
+                </a:solidFill>
+                <a:latin typeface="돋움체"/>
+                <a:ea typeface="돋움체"/>
+              </a:rPr>
+              <a:t>형 변수에 </a:t>
+            </a:r>
+            <a:r>
+              <a:rPr lang="ko-KR" altLang="en-US" dirty="0" err="1" smtClean="0">
+                <a:solidFill>
+                  <a:schemeClr val="accent6"/>
+                </a:solidFill>
+                <a:latin typeface="돋움체"/>
+                <a:ea typeface="돋움체"/>
+              </a:rPr>
+              <a:t>리턴값을</a:t>
+            </a:r>
+            <a:r>
+              <a:rPr lang="ko-KR" altLang="en-US" dirty="0" smtClean="0">
+                <a:solidFill>
+                  <a:schemeClr val="accent6"/>
+                </a:solidFill>
+                <a:latin typeface="돋움체"/>
+                <a:ea typeface="돋움체"/>
+              </a:rPr>
+              <a:t> 넘겨서 </a:t>
+            </a:r>
+            <a:r>
+              <a:rPr lang="ko-KR" altLang="en-US" dirty="0">
+                <a:solidFill>
+                  <a:schemeClr val="accent6"/>
+                </a:solidFill>
+                <a:latin typeface="돋움체"/>
+                <a:ea typeface="돋움체"/>
+              </a:rPr>
+              <a:t>스크린 버퍼 핸들로 만들어준다</a:t>
+            </a:r>
+            <a:r>
+              <a:rPr lang="en-US" altLang="ko-KR" dirty="0" smtClean="0">
+                <a:solidFill>
+                  <a:schemeClr val="accent6"/>
+                </a:solidFill>
+                <a:latin typeface="돋움체"/>
+                <a:ea typeface="돋움체"/>
+              </a:rPr>
+              <a:t>.</a:t>
+            </a:r>
+            <a:endParaRPr lang="en-US" altLang="ko-KR" dirty="0" smtClean="0">
+              <a:solidFill>
+                <a:srgbClr val="FF0000"/>
+              </a:solidFill>
+              <a:latin typeface="돋움체"/>
+              <a:ea typeface="돋움체"/>
+            </a:endParaRPr>
+          </a:p>
+          <a:p>
+            <a:r>
+              <a:rPr lang="en-US" altLang="ko-KR" dirty="0" smtClean="0">
+                <a:solidFill>
+                  <a:srgbClr val="FF0000"/>
+                </a:solidFill>
+                <a:latin typeface="돋움체"/>
+                <a:ea typeface="돋움체"/>
+              </a:rPr>
+              <a:t>CreateConsoleScreenBuffer</a:t>
+            </a:r>
+            <a:r>
+              <a:rPr lang="en-US" altLang="ko-KR" dirty="0" smtClean="0">
+                <a:solidFill>
+                  <a:srgbClr val="000000"/>
+                </a:solidFill>
+                <a:latin typeface="돋움체"/>
+                <a:ea typeface="돋움체"/>
+              </a:rPr>
+              <a:t>(</a:t>
+            </a:r>
+          </a:p>
+          <a:p>
+            <a:r>
+              <a:rPr lang="en-US" altLang="ko-KR" dirty="0" smtClean="0">
+                <a:solidFill>
+                  <a:srgbClr val="000000"/>
+                </a:solidFill>
+                <a:latin typeface="돋움체"/>
+                <a:ea typeface="돋움체"/>
+              </a:rPr>
+              <a:t>    </a:t>
+            </a:r>
+            <a:r>
+              <a:rPr lang="en-US" altLang="ko-KR" dirty="0" smtClean="0">
+                <a:solidFill>
+                  <a:srgbClr val="6F008A"/>
+                </a:solidFill>
+                <a:latin typeface="돋움체"/>
+                <a:ea typeface="돋움체"/>
+              </a:rPr>
+              <a:t>_</a:t>
+            </a:r>
+            <a:r>
+              <a:rPr lang="en-US" altLang="ko-KR" dirty="0">
+                <a:solidFill>
+                  <a:srgbClr val="6F008A"/>
+                </a:solidFill>
+                <a:latin typeface="돋움체"/>
+                <a:ea typeface="돋움체"/>
+              </a:rPr>
+              <a:t>In_</a:t>
+            </a:r>
+            <a:r>
+              <a:rPr lang="en-US" altLang="ko-KR" dirty="0">
+                <a:solidFill>
+                  <a:srgbClr val="000000"/>
+                </a:solidFill>
+                <a:latin typeface="돋움체"/>
+                <a:ea typeface="돋움체"/>
+              </a:rPr>
+              <a:t> </a:t>
+            </a:r>
+            <a:r>
+              <a:rPr lang="en-US" altLang="ko-KR" dirty="0">
+                <a:solidFill>
+                  <a:srgbClr val="2B91AF"/>
+                </a:solidFill>
+                <a:latin typeface="돋움체"/>
+                <a:ea typeface="돋움체"/>
+              </a:rPr>
+              <a:t>DWORD</a:t>
+            </a:r>
+            <a:r>
+              <a:rPr lang="en-US" altLang="ko-KR" dirty="0">
+                <a:solidFill>
+                  <a:srgbClr val="000000"/>
+                </a:solidFill>
+                <a:latin typeface="돋움체"/>
+                <a:ea typeface="돋움체"/>
+              </a:rPr>
+              <a:t> </a:t>
+            </a:r>
+            <a:r>
+              <a:rPr lang="en-US" altLang="ko-KR" dirty="0">
+                <a:solidFill>
+                  <a:srgbClr val="808080"/>
+                </a:solidFill>
+                <a:latin typeface="돋움체"/>
+                <a:ea typeface="돋움체"/>
+              </a:rPr>
+              <a:t>dwDesiredAccess</a:t>
+            </a:r>
+            <a:r>
+              <a:rPr lang="en-US" altLang="ko-KR" dirty="0" smtClean="0">
+                <a:solidFill>
+                  <a:srgbClr val="000000"/>
+                </a:solidFill>
+                <a:latin typeface="돋움체"/>
+                <a:ea typeface="돋움체"/>
+              </a:rPr>
+              <a:t>,  </a:t>
+            </a:r>
+            <a:r>
+              <a:rPr lang="en-US" altLang="ko-KR" dirty="0">
+                <a:solidFill>
+                  <a:srgbClr val="000000"/>
+                </a:solidFill>
+                <a:latin typeface="돋움체"/>
+                <a:ea typeface="돋움체"/>
+              </a:rPr>
+              <a:t>	</a:t>
+            </a:r>
+            <a:r>
+              <a:rPr lang="en-US" altLang="ko-KR" dirty="0" smtClean="0">
+                <a:solidFill>
+                  <a:schemeClr val="accent6"/>
+                </a:solidFill>
+                <a:latin typeface="돋움체"/>
+                <a:ea typeface="돋움체"/>
+              </a:rPr>
+              <a:t>//GENERIC_READ | GENERIC_WRITE </a:t>
+            </a:r>
+            <a:r>
+              <a:rPr lang="ko-KR" altLang="en-US" dirty="0" smtClean="0">
+                <a:solidFill>
+                  <a:schemeClr val="accent6"/>
+                </a:solidFill>
+                <a:latin typeface="돋움체"/>
+                <a:ea typeface="돋움체"/>
+              </a:rPr>
+              <a:t>등 입력</a:t>
+            </a:r>
+            <a:endParaRPr lang="en-US" altLang="ko-KR" dirty="0">
+              <a:solidFill>
+                <a:srgbClr val="000000"/>
+              </a:solidFill>
+              <a:latin typeface="돋움체"/>
+              <a:ea typeface="돋움체"/>
+            </a:endParaRPr>
+          </a:p>
+          <a:p>
+            <a:r>
+              <a:rPr lang="en-US" altLang="ko-KR" dirty="0">
+                <a:solidFill>
+                  <a:srgbClr val="000000"/>
+                </a:solidFill>
+                <a:latin typeface="돋움체"/>
+                <a:ea typeface="돋움체"/>
+              </a:rPr>
+              <a:t>    </a:t>
+            </a:r>
+            <a:r>
+              <a:rPr lang="en-US" altLang="ko-KR" dirty="0">
+                <a:solidFill>
+                  <a:srgbClr val="6F008A"/>
+                </a:solidFill>
+                <a:latin typeface="돋움체"/>
+                <a:ea typeface="돋움체"/>
+              </a:rPr>
+              <a:t>_In_</a:t>
+            </a:r>
+            <a:r>
+              <a:rPr lang="en-US" altLang="ko-KR" dirty="0">
+                <a:solidFill>
+                  <a:srgbClr val="000000"/>
+                </a:solidFill>
+                <a:latin typeface="돋움체"/>
+                <a:ea typeface="돋움체"/>
+              </a:rPr>
+              <a:t> </a:t>
+            </a:r>
+            <a:r>
+              <a:rPr lang="en-US" altLang="ko-KR" dirty="0">
+                <a:solidFill>
+                  <a:srgbClr val="2B91AF"/>
+                </a:solidFill>
+                <a:latin typeface="돋움체"/>
+                <a:ea typeface="돋움체"/>
+              </a:rPr>
+              <a:t>DWORD</a:t>
+            </a:r>
+            <a:r>
+              <a:rPr lang="en-US" altLang="ko-KR" dirty="0">
+                <a:solidFill>
+                  <a:srgbClr val="000000"/>
+                </a:solidFill>
+                <a:latin typeface="돋움체"/>
+                <a:ea typeface="돋움체"/>
+              </a:rPr>
+              <a:t> </a:t>
+            </a:r>
+            <a:r>
+              <a:rPr lang="en-US" altLang="ko-KR" dirty="0">
+                <a:solidFill>
+                  <a:srgbClr val="808080"/>
+                </a:solidFill>
+                <a:latin typeface="돋움체"/>
+                <a:ea typeface="돋움체"/>
+              </a:rPr>
+              <a:t>dwShareMode</a:t>
+            </a:r>
+            <a:r>
+              <a:rPr lang="en-US" altLang="ko-KR" dirty="0" smtClean="0">
+                <a:solidFill>
+                  <a:srgbClr val="000000"/>
+                </a:solidFill>
+                <a:latin typeface="돋움체"/>
+                <a:ea typeface="돋움체"/>
+              </a:rPr>
+              <a:t>,	 	</a:t>
+            </a:r>
+            <a:r>
+              <a:rPr lang="en-US" altLang="ko-KR" dirty="0" smtClean="0">
+                <a:solidFill>
+                  <a:schemeClr val="accent6"/>
+                </a:solidFill>
+                <a:latin typeface="돋움체"/>
+                <a:ea typeface="돋움체"/>
+              </a:rPr>
+              <a:t>//0</a:t>
+            </a:r>
+            <a:endParaRPr lang="en-US" altLang="ko-KR" dirty="0">
+              <a:solidFill>
+                <a:srgbClr val="000000"/>
+              </a:solidFill>
+              <a:latin typeface="돋움체"/>
+              <a:ea typeface="돋움체"/>
+            </a:endParaRPr>
+          </a:p>
+          <a:p>
+            <a:r>
+              <a:rPr lang="en-US" altLang="ko-KR" dirty="0">
+                <a:solidFill>
+                  <a:srgbClr val="000000"/>
+                </a:solidFill>
+                <a:latin typeface="돋움체"/>
+                <a:ea typeface="돋움체"/>
+              </a:rPr>
+              <a:t>    </a:t>
+            </a:r>
+            <a:r>
+              <a:rPr lang="en-US" altLang="ko-KR" dirty="0">
+                <a:solidFill>
+                  <a:srgbClr val="6F008A"/>
+                </a:solidFill>
+                <a:latin typeface="돋움체"/>
+                <a:ea typeface="돋움체"/>
+              </a:rPr>
+              <a:t>_In_opt_</a:t>
+            </a:r>
+            <a:r>
+              <a:rPr lang="en-US" altLang="ko-KR" dirty="0">
+                <a:solidFill>
+                  <a:srgbClr val="000000"/>
+                </a:solidFill>
+                <a:latin typeface="돋움체"/>
+                <a:ea typeface="돋움체"/>
+              </a:rPr>
+              <a:t> </a:t>
+            </a:r>
+            <a:r>
+              <a:rPr lang="en-US" altLang="ko-KR" dirty="0">
+                <a:solidFill>
+                  <a:srgbClr val="6F008A"/>
+                </a:solidFill>
+                <a:latin typeface="돋움체"/>
+                <a:ea typeface="돋움체"/>
+              </a:rPr>
+              <a:t>CONST</a:t>
+            </a:r>
+            <a:r>
+              <a:rPr lang="en-US" altLang="ko-KR" dirty="0">
+                <a:solidFill>
+                  <a:srgbClr val="000000"/>
+                </a:solidFill>
+                <a:latin typeface="돋움체"/>
+                <a:ea typeface="돋움체"/>
+              </a:rPr>
+              <a:t> </a:t>
+            </a:r>
+            <a:r>
+              <a:rPr lang="en-US" altLang="ko-KR" dirty="0">
+                <a:solidFill>
+                  <a:srgbClr val="2B91AF"/>
+                </a:solidFill>
+                <a:latin typeface="돋움체"/>
+                <a:ea typeface="돋움체"/>
+              </a:rPr>
+              <a:t>SECURITY_ATTRIBUTES</a:t>
+            </a:r>
+            <a:r>
+              <a:rPr lang="en-US" altLang="ko-KR" dirty="0">
+                <a:solidFill>
+                  <a:srgbClr val="000000"/>
+                </a:solidFill>
+                <a:latin typeface="돋움체"/>
+                <a:ea typeface="돋움체"/>
+              </a:rPr>
+              <a:t>* </a:t>
+            </a:r>
+            <a:r>
+              <a:rPr lang="en-US" altLang="ko-KR" dirty="0">
+                <a:solidFill>
+                  <a:srgbClr val="808080"/>
+                </a:solidFill>
+                <a:latin typeface="돋움체"/>
+                <a:ea typeface="돋움체"/>
+              </a:rPr>
+              <a:t>lpSecurityAttributes</a:t>
+            </a:r>
+            <a:r>
+              <a:rPr lang="en-US" altLang="ko-KR" dirty="0">
+                <a:solidFill>
+                  <a:srgbClr val="000000"/>
+                </a:solidFill>
+                <a:latin typeface="돋움체"/>
+                <a:ea typeface="돋움체"/>
+              </a:rPr>
+              <a:t>,</a:t>
+            </a:r>
+          </a:p>
+          <a:p>
+            <a:r>
+              <a:rPr lang="en-US" altLang="ko-KR" dirty="0">
+                <a:solidFill>
+                  <a:srgbClr val="000000"/>
+                </a:solidFill>
+                <a:latin typeface="돋움체"/>
+                <a:ea typeface="돋움체"/>
+              </a:rPr>
+              <a:t>    </a:t>
+            </a:r>
+            <a:r>
+              <a:rPr lang="en-US" altLang="ko-KR" dirty="0">
+                <a:solidFill>
+                  <a:srgbClr val="6F008A"/>
+                </a:solidFill>
+                <a:latin typeface="돋움체"/>
+                <a:ea typeface="돋움체"/>
+              </a:rPr>
+              <a:t>_In_</a:t>
+            </a:r>
+            <a:r>
+              <a:rPr lang="en-US" altLang="ko-KR" dirty="0">
+                <a:solidFill>
+                  <a:srgbClr val="000000"/>
+                </a:solidFill>
+                <a:latin typeface="돋움체"/>
+                <a:ea typeface="돋움체"/>
+              </a:rPr>
+              <a:t> </a:t>
+            </a:r>
+            <a:r>
+              <a:rPr lang="en-US" altLang="ko-KR" dirty="0">
+                <a:solidFill>
+                  <a:srgbClr val="2B91AF"/>
+                </a:solidFill>
+                <a:latin typeface="돋움체"/>
+                <a:ea typeface="돋움체"/>
+              </a:rPr>
+              <a:t>DWORD</a:t>
+            </a:r>
+            <a:r>
+              <a:rPr lang="en-US" altLang="ko-KR" dirty="0">
+                <a:solidFill>
+                  <a:srgbClr val="000000"/>
+                </a:solidFill>
+                <a:latin typeface="돋움체"/>
+                <a:ea typeface="돋움체"/>
+              </a:rPr>
+              <a:t> </a:t>
+            </a:r>
+            <a:r>
+              <a:rPr lang="en-US" altLang="ko-KR" dirty="0">
+                <a:solidFill>
+                  <a:srgbClr val="808080"/>
+                </a:solidFill>
+                <a:latin typeface="돋움체"/>
+                <a:ea typeface="돋움체"/>
+              </a:rPr>
+              <a:t>dwFlags</a:t>
+            </a:r>
+            <a:r>
+              <a:rPr lang="en-US" altLang="ko-KR" dirty="0">
+                <a:solidFill>
+                  <a:srgbClr val="000000"/>
+                </a:solidFill>
+                <a:latin typeface="돋움체"/>
+                <a:ea typeface="돋움체"/>
+              </a:rPr>
+              <a:t>,</a:t>
+            </a:r>
+          </a:p>
+          <a:p>
+            <a:r>
+              <a:rPr lang="en-US" altLang="ko-KR" dirty="0">
+                <a:solidFill>
+                  <a:srgbClr val="000000"/>
+                </a:solidFill>
+                <a:latin typeface="돋움체"/>
+                <a:ea typeface="돋움체"/>
+              </a:rPr>
+              <a:t>    </a:t>
+            </a:r>
+            <a:r>
+              <a:rPr lang="en-US" altLang="ko-KR" dirty="0">
+                <a:solidFill>
+                  <a:srgbClr val="6F008A"/>
+                </a:solidFill>
+                <a:latin typeface="돋움체"/>
+                <a:ea typeface="돋움체"/>
+              </a:rPr>
+              <a:t>_Reserved_</a:t>
+            </a:r>
+            <a:r>
+              <a:rPr lang="en-US" altLang="ko-KR" dirty="0">
+                <a:solidFill>
+                  <a:srgbClr val="000000"/>
+                </a:solidFill>
+                <a:latin typeface="돋움체"/>
+                <a:ea typeface="돋움체"/>
+              </a:rPr>
+              <a:t> </a:t>
+            </a:r>
+            <a:r>
+              <a:rPr lang="en-US" altLang="ko-KR" dirty="0">
+                <a:solidFill>
+                  <a:srgbClr val="2B91AF"/>
+                </a:solidFill>
+                <a:latin typeface="돋움체"/>
+                <a:ea typeface="돋움체"/>
+              </a:rPr>
+              <a:t>LPVOID</a:t>
+            </a:r>
+            <a:r>
+              <a:rPr lang="en-US" altLang="ko-KR" dirty="0">
+                <a:solidFill>
+                  <a:srgbClr val="000000"/>
+                </a:solidFill>
+                <a:latin typeface="돋움체"/>
+                <a:ea typeface="돋움체"/>
+              </a:rPr>
+              <a:t> </a:t>
+            </a:r>
+            <a:r>
+              <a:rPr lang="en-US" altLang="ko-KR" dirty="0">
+                <a:solidFill>
+                  <a:srgbClr val="808080"/>
+                </a:solidFill>
+                <a:latin typeface="돋움체"/>
+                <a:ea typeface="돋움체"/>
+              </a:rPr>
+              <a:t>lpScreenBufferData</a:t>
+            </a:r>
+            <a:endParaRPr lang="en-US" altLang="ko-KR" dirty="0">
+              <a:solidFill>
+                <a:srgbClr val="000000"/>
+              </a:solidFill>
+              <a:latin typeface="돋움체"/>
+              <a:ea typeface="돋움체"/>
+            </a:endParaRPr>
+          </a:p>
+          <a:p>
+            <a:r>
+              <a:rPr lang="ko-KR" altLang="en-US" dirty="0">
+                <a:solidFill>
+                  <a:srgbClr val="000000"/>
+                </a:solidFill>
+                <a:latin typeface="돋움체"/>
+                <a:ea typeface="돋움체"/>
+              </a:rPr>
+              <a:t>    </a:t>
+            </a:r>
+            <a:r>
+              <a:rPr lang="en-US" altLang="ko-KR" dirty="0" smtClean="0">
+                <a:solidFill>
+                  <a:srgbClr val="000000"/>
+                </a:solidFill>
+                <a:latin typeface="돋움체"/>
+                <a:ea typeface="돋움체"/>
+              </a:rPr>
+              <a:t>);</a:t>
+            </a:r>
+          </a:p>
+          <a:p>
+            <a:endParaRPr lang="en-US" altLang="ko-KR" dirty="0">
+              <a:solidFill>
+                <a:srgbClr val="000000"/>
+              </a:solidFill>
+              <a:latin typeface="돋움체"/>
+              <a:ea typeface="돋움체"/>
+            </a:endParaRPr>
+          </a:p>
+          <a:p>
+            <a:r>
+              <a:rPr lang="en-US" altLang="ko-KR" dirty="0">
+                <a:solidFill>
+                  <a:srgbClr val="0070C0"/>
+                </a:solidFill>
+                <a:latin typeface="돋움체"/>
+                <a:ea typeface="돋움체"/>
+              </a:rPr>
+              <a:t>SetConsoleCursorPosition</a:t>
+            </a:r>
+            <a:r>
+              <a:rPr lang="en-US" altLang="ko-KR" dirty="0">
+                <a:solidFill>
+                  <a:srgbClr val="000000"/>
+                </a:solidFill>
+                <a:latin typeface="돋움체"/>
+                <a:ea typeface="돋움체"/>
+              </a:rPr>
+              <a:t>(</a:t>
+            </a:r>
+          </a:p>
+          <a:p>
+            <a:r>
+              <a:rPr lang="en-US" altLang="ko-KR" dirty="0">
+                <a:solidFill>
+                  <a:srgbClr val="000000"/>
+                </a:solidFill>
+                <a:latin typeface="돋움체"/>
+                <a:ea typeface="돋움체"/>
+              </a:rPr>
+              <a:t>    </a:t>
+            </a:r>
+            <a:r>
+              <a:rPr lang="en-US" altLang="ko-KR" dirty="0">
+                <a:solidFill>
+                  <a:srgbClr val="6F008A"/>
+                </a:solidFill>
+                <a:latin typeface="돋움체"/>
+                <a:ea typeface="돋움체"/>
+              </a:rPr>
+              <a:t>_In_</a:t>
+            </a:r>
+            <a:r>
+              <a:rPr lang="en-US" altLang="ko-KR" dirty="0">
+                <a:solidFill>
+                  <a:srgbClr val="000000"/>
+                </a:solidFill>
+                <a:latin typeface="돋움체"/>
+                <a:ea typeface="돋움체"/>
+              </a:rPr>
+              <a:t> </a:t>
+            </a:r>
+            <a:r>
+              <a:rPr lang="en-US" altLang="ko-KR" dirty="0">
+                <a:solidFill>
+                  <a:srgbClr val="2B91AF"/>
+                </a:solidFill>
+                <a:latin typeface="돋움체"/>
+                <a:ea typeface="돋움체"/>
+              </a:rPr>
+              <a:t>HANDLE</a:t>
+            </a:r>
+            <a:r>
+              <a:rPr lang="en-US" altLang="ko-KR" dirty="0">
+                <a:solidFill>
+                  <a:srgbClr val="000000"/>
+                </a:solidFill>
+                <a:latin typeface="돋움체"/>
+                <a:ea typeface="돋움체"/>
+              </a:rPr>
+              <a:t> </a:t>
+            </a:r>
+            <a:r>
+              <a:rPr lang="en-US" altLang="ko-KR" dirty="0">
+                <a:solidFill>
+                  <a:srgbClr val="808080"/>
+                </a:solidFill>
+                <a:latin typeface="돋움체"/>
+                <a:ea typeface="돋움체"/>
+              </a:rPr>
+              <a:t>hConsoleOutput</a:t>
+            </a:r>
+            <a:r>
+              <a:rPr lang="en-US" altLang="ko-KR" dirty="0">
+                <a:solidFill>
+                  <a:srgbClr val="000000"/>
+                </a:solidFill>
+                <a:latin typeface="돋움체"/>
+                <a:ea typeface="돋움체"/>
+              </a:rPr>
+              <a:t>,</a:t>
+            </a:r>
+          </a:p>
+          <a:p>
+            <a:r>
+              <a:rPr lang="en-US" altLang="ko-KR" dirty="0">
+                <a:solidFill>
+                  <a:srgbClr val="000000"/>
+                </a:solidFill>
+                <a:latin typeface="돋움체"/>
+                <a:ea typeface="돋움체"/>
+              </a:rPr>
+              <a:t>    </a:t>
+            </a:r>
+            <a:r>
+              <a:rPr lang="en-US" altLang="ko-KR" dirty="0">
+                <a:solidFill>
+                  <a:srgbClr val="6F008A"/>
+                </a:solidFill>
+                <a:latin typeface="돋움체"/>
+                <a:ea typeface="돋움체"/>
+              </a:rPr>
+              <a:t>_In_</a:t>
+            </a:r>
+            <a:r>
+              <a:rPr lang="en-US" altLang="ko-KR" dirty="0">
+                <a:solidFill>
+                  <a:srgbClr val="000000"/>
+                </a:solidFill>
+                <a:latin typeface="돋움체"/>
+                <a:ea typeface="돋움체"/>
+              </a:rPr>
+              <a:t> </a:t>
+            </a:r>
+            <a:r>
+              <a:rPr lang="en-US" altLang="ko-KR" dirty="0">
+                <a:solidFill>
+                  <a:srgbClr val="2B91AF"/>
+                </a:solidFill>
+                <a:latin typeface="돋움체"/>
+                <a:ea typeface="돋움체"/>
+              </a:rPr>
+              <a:t>COORD</a:t>
+            </a:r>
+            <a:r>
+              <a:rPr lang="en-US" altLang="ko-KR" dirty="0">
+                <a:solidFill>
+                  <a:srgbClr val="000000"/>
+                </a:solidFill>
+                <a:latin typeface="돋움체"/>
+                <a:ea typeface="돋움체"/>
+              </a:rPr>
+              <a:t> </a:t>
+            </a:r>
+            <a:r>
+              <a:rPr lang="en-US" altLang="ko-KR" dirty="0">
+                <a:solidFill>
+                  <a:srgbClr val="808080"/>
+                </a:solidFill>
+                <a:latin typeface="돋움체"/>
+                <a:ea typeface="돋움체"/>
+              </a:rPr>
+              <a:t>dwCursorPosition</a:t>
+            </a:r>
+            <a:endParaRPr lang="en-US" altLang="ko-KR" dirty="0">
+              <a:solidFill>
+                <a:srgbClr val="000000"/>
+              </a:solidFill>
+              <a:latin typeface="돋움체"/>
+              <a:ea typeface="돋움체"/>
+            </a:endParaRPr>
+          </a:p>
+          <a:p>
+            <a:r>
+              <a:rPr lang="ko-KR" altLang="en-US" dirty="0">
+                <a:solidFill>
+                  <a:srgbClr val="000000"/>
+                </a:solidFill>
+                <a:latin typeface="돋움체"/>
+                <a:ea typeface="돋움체"/>
+              </a:rPr>
+              <a:t>    </a:t>
+            </a:r>
+            <a:r>
+              <a:rPr lang="en-US" altLang="ko-KR" dirty="0" smtClean="0">
+                <a:solidFill>
+                  <a:srgbClr val="000000"/>
+                </a:solidFill>
+                <a:latin typeface="돋움체"/>
+                <a:ea typeface="돋움체"/>
+              </a:rPr>
+              <a:t>);</a:t>
+            </a:r>
+          </a:p>
+          <a:p>
+            <a:endParaRPr lang="en-US" altLang="ko-KR" dirty="0">
+              <a:solidFill>
+                <a:srgbClr val="000000"/>
+              </a:solidFill>
+              <a:latin typeface="돋움체"/>
+              <a:ea typeface="돋움체"/>
+            </a:endParaRPr>
+          </a:p>
+          <a:p>
+            <a:r>
+              <a:rPr lang="en-US" altLang="ko-KR" dirty="0">
+                <a:solidFill>
+                  <a:schemeClr val="accent4"/>
+                </a:solidFill>
+                <a:latin typeface="돋움체"/>
+                <a:ea typeface="돋움체"/>
+              </a:rPr>
+              <a:t>WriteFile</a:t>
+            </a:r>
+            <a:r>
+              <a:rPr lang="en-US" altLang="ko-KR" dirty="0">
+                <a:solidFill>
+                  <a:srgbClr val="000000"/>
+                </a:solidFill>
+                <a:latin typeface="돋움체"/>
+                <a:ea typeface="돋움체"/>
+              </a:rPr>
+              <a:t>(</a:t>
+            </a:r>
+          </a:p>
+          <a:p>
+            <a:r>
+              <a:rPr lang="en-US" altLang="ko-KR" dirty="0">
+                <a:solidFill>
+                  <a:srgbClr val="000000"/>
+                </a:solidFill>
+                <a:latin typeface="돋움체"/>
+                <a:ea typeface="돋움체"/>
+              </a:rPr>
+              <a:t>    </a:t>
+            </a:r>
+            <a:r>
+              <a:rPr lang="en-US" altLang="ko-KR" dirty="0">
+                <a:solidFill>
+                  <a:srgbClr val="6F008A"/>
+                </a:solidFill>
+                <a:latin typeface="돋움체"/>
+                <a:ea typeface="돋움체"/>
+              </a:rPr>
+              <a:t>_In_</a:t>
+            </a:r>
+            <a:r>
+              <a:rPr lang="en-US" altLang="ko-KR" dirty="0">
+                <a:solidFill>
+                  <a:srgbClr val="000000"/>
+                </a:solidFill>
+                <a:latin typeface="돋움체"/>
+                <a:ea typeface="돋움체"/>
+              </a:rPr>
+              <a:t> </a:t>
+            </a:r>
+            <a:r>
+              <a:rPr lang="en-US" altLang="ko-KR" dirty="0">
+                <a:solidFill>
+                  <a:srgbClr val="2B91AF"/>
+                </a:solidFill>
+                <a:latin typeface="돋움체"/>
+                <a:ea typeface="돋움체"/>
+              </a:rPr>
+              <a:t>HANDLE</a:t>
+            </a:r>
+            <a:r>
+              <a:rPr lang="en-US" altLang="ko-KR" dirty="0">
+                <a:solidFill>
+                  <a:srgbClr val="000000"/>
+                </a:solidFill>
+                <a:latin typeface="돋움체"/>
+                <a:ea typeface="돋움체"/>
+              </a:rPr>
+              <a:t> </a:t>
+            </a:r>
+            <a:r>
+              <a:rPr lang="en-US" altLang="ko-KR" dirty="0">
+                <a:solidFill>
+                  <a:srgbClr val="808080"/>
+                </a:solidFill>
+                <a:latin typeface="돋움체"/>
+                <a:ea typeface="돋움체"/>
+              </a:rPr>
+              <a:t>hFile</a:t>
+            </a:r>
+            <a:r>
+              <a:rPr lang="en-US" altLang="ko-KR" dirty="0">
+                <a:solidFill>
+                  <a:srgbClr val="000000"/>
+                </a:solidFill>
+                <a:latin typeface="돋움체"/>
+                <a:ea typeface="돋움체"/>
+              </a:rPr>
+              <a:t>,</a:t>
+            </a:r>
+          </a:p>
+          <a:p>
+            <a:r>
+              <a:rPr lang="en-US" altLang="ko-KR" dirty="0">
+                <a:solidFill>
+                  <a:srgbClr val="000000"/>
+                </a:solidFill>
+                <a:latin typeface="돋움체"/>
+                <a:ea typeface="돋움체"/>
+              </a:rPr>
+              <a:t>    </a:t>
+            </a:r>
+            <a:r>
+              <a:rPr lang="en-US" altLang="ko-KR" dirty="0">
+                <a:solidFill>
+                  <a:srgbClr val="6F008A"/>
+                </a:solidFill>
+                <a:latin typeface="돋움체"/>
+                <a:ea typeface="돋움체"/>
+              </a:rPr>
+              <a:t>_In_reads_bytes_opt_</a:t>
+            </a:r>
+            <a:r>
+              <a:rPr lang="en-US" altLang="ko-KR" dirty="0">
+                <a:solidFill>
+                  <a:srgbClr val="000000"/>
+                </a:solidFill>
+                <a:latin typeface="돋움체"/>
+                <a:ea typeface="돋움체"/>
+              </a:rPr>
+              <a:t>(</a:t>
+            </a:r>
+            <a:r>
+              <a:rPr lang="en-US" altLang="ko-KR" dirty="0">
+                <a:solidFill>
+                  <a:srgbClr val="808080"/>
+                </a:solidFill>
+                <a:latin typeface="돋움체"/>
+                <a:ea typeface="돋움체"/>
+              </a:rPr>
+              <a:t>nNumberOfBytesToWrite</a:t>
+            </a:r>
+            <a:r>
+              <a:rPr lang="en-US" altLang="ko-KR" dirty="0">
+                <a:solidFill>
+                  <a:srgbClr val="000000"/>
+                </a:solidFill>
+                <a:latin typeface="돋움체"/>
+                <a:ea typeface="돋움체"/>
+              </a:rPr>
+              <a:t>) </a:t>
+            </a:r>
+            <a:r>
+              <a:rPr lang="en-US" altLang="ko-KR" dirty="0">
+                <a:solidFill>
+                  <a:srgbClr val="2B91AF"/>
+                </a:solidFill>
+                <a:latin typeface="돋움체"/>
+                <a:ea typeface="돋움체"/>
+              </a:rPr>
+              <a:t>LPCVOID</a:t>
+            </a:r>
+            <a:r>
+              <a:rPr lang="en-US" altLang="ko-KR" dirty="0">
+                <a:solidFill>
+                  <a:srgbClr val="000000"/>
+                </a:solidFill>
+                <a:latin typeface="돋움체"/>
+                <a:ea typeface="돋움체"/>
+              </a:rPr>
+              <a:t> </a:t>
+            </a:r>
+            <a:r>
+              <a:rPr lang="en-US" altLang="ko-KR" dirty="0">
+                <a:solidFill>
+                  <a:srgbClr val="808080"/>
+                </a:solidFill>
+                <a:latin typeface="돋움체"/>
+                <a:ea typeface="돋움체"/>
+              </a:rPr>
+              <a:t>lpBuffer</a:t>
+            </a:r>
+            <a:r>
+              <a:rPr lang="en-US" altLang="ko-KR" dirty="0">
+                <a:solidFill>
+                  <a:srgbClr val="000000"/>
+                </a:solidFill>
+                <a:latin typeface="돋움체"/>
+                <a:ea typeface="돋움체"/>
+              </a:rPr>
+              <a:t>,</a:t>
+            </a:r>
+          </a:p>
+          <a:p>
+            <a:r>
+              <a:rPr lang="en-US" altLang="ko-KR" dirty="0">
+                <a:solidFill>
+                  <a:srgbClr val="000000"/>
+                </a:solidFill>
+                <a:latin typeface="돋움체"/>
+                <a:ea typeface="돋움체"/>
+              </a:rPr>
+              <a:t>    </a:t>
+            </a:r>
+            <a:r>
+              <a:rPr lang="en-US" altLang="ko-KR" dirty="0">
+                <a:solidFill>
+                  <a:srgbClr val="6F008A"/>
+                </a:solidFill>
+                <a:latin typeface="돋움체"/>
+                <a:ea typeface="돋움체"/>
+              </a:rPr>
+              <a:t>_In_</a:t>
+            </a:r>
+            <a:r>
+              <a:rPr lang="en-US" altLang="ko-KR" dirty="0">
+                <a:solidFill>
+                  <a:srgbClr val="000000"/>
+                </a:solidFill>
+                <a:latin typeface="돋움체"/>
+                <a:ea typeface="돋움체"/>
+              </a:rPr>
+              <a:t> </a:t>
+            </a:r>
+            <a:r>
+              <a:rPr lang="en-US" altLang="ko-KR" dirty="0">
+                <a:solidFill>
+                  <a:srgbClr val="2B91AF"/>
+                </a:solidFill>
+                <a:latin typeface="돋움체"/>
+                <a:ea typeface="돋움체"/>
+              </a:rPr>
+              <a:t>DWORD</a:t>
+            </a:r>
+            <a:r>
+              <a:rPr lang="en-US" altLang="ko-KR" dirty="0">
+                <a:solidFill>
+                  <a:srgbClr val="000000"/>
+                </a:solidFill>
+                <a:latin typeface="돋움체"/>
+                <a:ea typeface="돋움체"/>
+              </a:rPr>
+              <a:t> </a:t>
+            </a:r>
+            <a:r>
+              <a:rPr lang="en-US" altLang="ko-KR" dirty="0">
+                <a:solidFill>
+                  <a:srgbClr val="808080"/>
+                </a:solidFill>
+                <a:latin typeface="돋움체"/>
+                <a:ea typeface="돋움체"/>
+              </a:rPr>
+              <a:t>nNumberOfBytesToWrite</a:t>
+            </a:r>
+            <a:r>
+              <a:rPr lang="en-US" altLang="ko-KR" dirty="0">
+                <a:solidFill>
+                  <a:srgbClr val="000000"/>
+                </a:solidFill>
+                <a:latin typeface="돋움체"/>
+                <a:ea typeface="돋움체"/>
+              </a:rPr>
+              <a:t>,</a:t>
+            </a:r>
+          </a:p>
+          <a:p>
+            <a:r>
+              <a:rPr lang="en-US" altLang="ko-KR" dirty="0">
+                <a:solidFill>
+                  <a:srgbClr val="000000"/>
+                </a:solidFill>
+                <a:latin typeface="돋움체"/>
+                <a:ea typeface="돋움체"/>
+              </a:rPr>
+              <a:t>    </a:t>
+            </a:r>
+            <a:r>
+              <a:rPr lang="en-US" altLang="ko-KR" dirty="0">
+                <a:solidFill>
+                  <a:srgbClr val="6F008A"/>
+                </a:solidFill>
+                <a:latin typeface="돋움체"/>
+                <a:ea typeface="돋움체"/>
+              </a:rPr>
+              <a:t>_Out_opt_</a:t>
+            </a:r>
+            <a:r>
+              <a:rPr lang="en-US" altLang="ko-KR" dirty="0">
+                <a:solidFill>
+                  <a:srgbClr val="000000"/>
+                </a:solidFill>
+                <a:latin typeface="돋움체"/>
+                <a:ea typeface="돋움체"/>
+              </a:rPr>
+              <a:t> </a:t>
+            </a:r>
+            <a:r>
+              <a:rPr lang="en-US" altLang="ko-KR" dirty="0">
+                <a:solidFill>
+                  <a:srgbClr val="2B91AF"/>
+                </a:solidFill>
+                <a:latin typeface="돋움체"/>
+                <a:ea typeface="돋움체"/>
+              </a:rPr>
+              <a:t>LPDWORD</a:t>
+            </a:r>
+            <a:r>
+              <a:rPr lang="en-US" altLang="ko-KR" dirty="0">
+                <a:solidFill>
+                  <a:srgbClr val="000000"/>
+                </a:solidFill>
+                <a:latin typeface="돋움체"/>
+                <a:ea typeface="돋움체"/>
+              </a:rPr>
+              <a:t> </a:t>
+            </a:r>
+            <a:r>
+              <a:rPr lang="en-US" altLang="ko-KR" dirty="0">
+                <a:solidFill>
+                  <a:srgbClr val="808080"/>
+                </a:solidFill>
+                <a:latin typeface="돋움체"/>
+                <a:ea typeface="돋움체"/>
+              </a:rPr>
+              <a:t>lpNumberOfBytesWritten</a:t>
+            </a:r>
+            <a:r>
+              <a:rPr lang="en-US" altLang="ko-KR" dirty="0">
+                <a:solidFill>
+                  <a:srgbClr val="000000"/>
+                </a:solidFill>
+                <a:latin typeface="돋움체"/>
+                <a:ea typeface="돋움체"/>
+              </a:rPr>
+              <a:t>,</a:t>
+            </a:r>
+          </a:p>
+          <a:p>
+            <a:r>
+              <a:rPr lang="en-US" altLang="ko-KR" dirty="0">
+                <a:solidFill>
+                  <a:srgbClr val="000000"/>
+                </a:solidFill>
+                <a:latin typeface="돋움체"/>
+                <a:ea typeface="돋움체"/>
+              </a:rPr>
+              <a:t>    </a:t>
+            </a:r>
+            <a:r>
+              <a:rPr lang="en-US" altLang="ko-KR" dirty="0">
+                <a:solidFill>
+                  <a:srgbClr val="6F008A"/>
+                </a:solidFill>
+                <a:latin typeface="돋움체"/>
+                <a:ea typeface="돋움체"/>
+              </a:rPr>
+              <a:t>_Inout_opt_</a:t>
+            </a:r>
+            <a:r>
+              <a:rPr lang="en-US" altLang="ko-KR" dirty="0">
+                <a:solidFill>
+                  <a:srgbClr val="000000"/>
+                </a:solidFill>
+                <a:latin typeface="돋움체"/>
+                <a:ea typeface="돋움체"/>
+              </a:rPr>
+              <a:t> </a:t>
+            </a:r>
+            <a:r>
+              <a:rPr lang="en-US" altLang="ko-KR" dirty="0">
+                <a:solidFill>
+                  <a:srgbClr val="2B91AF"/>
+                </a:solidFill>
+                <a:latin typeface="돋움체"/>
+                <a:ea typeface="돋움체"/>
+              </a:rPr>
+              <a:t>LPOVERLAPPED</a:t>
+            </a:r>
+            <a:r>
+              <a:rPr lang="en-US" altLang="ko-KR" dirty="0">
+                <a:solidFill>
+                  <a:srgbClr val="000000"/>
+                </a:solidFill>
+                <a:latin typeface="돋움체"/>
+                <a:ea typeface="돋움체"/>
+              </a:rPr>
+              <a:t> </a:t>
+            </a:r>
+            <a:r>
+              <a:rPr lang="en-US" altLang="ko-KR" dirty="0">
+                <a:solidFill>
+                  <a:srgbClr val="808080"/>
+                </a:solidFill>
+                <a:latin typeface="돋움체"/>
+                <a:ea typeface="돋움체"/>
+              </a:rPr>
+              <a:t>lpOverlapped</a:t>
+            </a:r>
+            <a:endParaRPr lang="en-US" altLang="ko-KR" dirty="0">
+              <a:solidFill>
+                <a:srgbClr val="000000"/>
+              </a:solidFill>
+              <a:latin typeface="돋움체"/>
+              <a:ea typeface="돋움체"/>
+            </a:endParaRPr>
+          </a:p>
+          <a:p>
+            <a:r>
+              <a:rPr lang="ko-KR" altLang="en-US" dirty="0">
+                <a:solidFill>
+                  <a:srgbClr val="000000"/>
+                </a:solidFill>
+                <a:latin typeface="돋움체"/>
+                <a:ea typeface="돋움체"/>
+              </a:rPr>
+              <a:t>    </a:t>
+            </a:r>
+            <a:r>
+              <a:rPr lang="en-US" altLang="ko-KR" dirty="0" smtClean="0">
+                <a:solidFill>
+                  <a:srgbClr val="000000"/>
+                </a:solidFill>
+                <a:latin typeface="돋움체"/>
+                <a:ea typeface="돋움체"/>
+              </a:rPr>
+              <a:t>);</a:t>
+            </a:r>
+          </a:p>
+          <a:p>
+            <a:endParaRPr lang="en-US" altLang="ko-KR" dirty="0">
+              <a:solidFill>
+                <a:srgbClr val="000000"/>
+              </a:solidFill>
+              <a:latin typeface="돋움체"/>
+              <a:ea typeface="돋움체"/>
+            </a:endParaRPr>
+          </a:p>
+          <a:p>
+            <a:r>
+              <a:rPr lang="en-US" altLang="ko-KR" dirty="0">
+                <a:solidFill>
+                  <a:srgbClr val="E85BFF"/>
+                </a:solidFill>
+                <a:latin typeface="돋움체"/>
+                <a:ea typeface="돋움체"/>
+              </a:rPr>
+              <a:t>SetConsoleActiveScreenBuffer</a:t>
+            </a:r>
+            <a:r>
+              <a:rPr lang="en-US" altLang="ko-KR" dirty="0">
+                <a:solidFill>
+                  <a:srgbClr val="000000"/>
+                </a:solidFill>
+                <a:latin typeface="돋움체"/>
+                <a:ea typeface="돋움체"/>
+              </a:rPr>
+              <a:t>(</a:t>
+            </a:r>
+          </a:p>
+          <a:p>
+            <a:r>
+              <a:rPr lang="en-US" altLang="ko-KR" dirty="0">
+                <a:solidFill>
+                  <a:srgbClr val="000000"/>
+                </a:solidFill>
+                <a:latin typeface="돋움체"/>
+                <a:ea typeface="돋움체"/>
+              </a:rPr>
+              <a:t>    </a:t>
+            </a:r>
+            <a:r>
+              <a:rPr lang="en-US" altLang="ko-KR" dirty="0">
+                <a:solidFill>
+                  <a:srgbClr val="6F008A"/>
+                </a:solidFill>
+                <a:latin typeface="돋움체"/>
+                <a:ea typeface="돋움체"/>
+              </a:rPr>
+              <a:t>_In_</a:t>
+            </a:r>
+            <a:r>
+              <a:rPr lang="en-US" altLang="ko-KR" dirty="0">
+                <a:solidFill>
+                  <a:srgbClr val="000000"/>
+                </a:solidFill>
+                <a:latin typeface="돋움체"/>
+                <a:ea typeface="돋움체"/>
+              </a:rPr>
+              <a:t> </a:t>
+            </a:r>
+            <a:r>
+              <a:rPr lang="en-US" altLang="ko-KR" dirty="0">
+                <a:solidFill>
+                  <a:srgbClr val="2B91AF"/>
+                </a:solidFill>
+                <a:latin typeface="돋움체"/>
+                <a:ea typeface="돋움체"/>
+              </a:rPr>
+              <a:t>HANDLE</a:t>
+            </a:r>
+            <a:r>
+              <a:rPr lang="en-US" altLang="ko-KR" dirty="0">
+                <a:solidFill>
+                  <a:srgbClr val="000000"/>
+                </a:solidFill>
+                <a:latin typeface="돋움체"/>
+                <a:ea typeface="돋움체"/>
+              </a:rPr>
+              <a:t> </a:t>
+            </a:r>
+            <a:r>
+              <a:rPr lang="en-US" altLang="ko-KR" dirty="0">
+                <a:solidFill>
+                  <a:srgbClr val="808080"/>
+                </a:solidFill>
+                <a:latin typeface="돋움체"/>
+                <a:ea typeface="돋움체"/>
+              </a:rPr>
+              <a:t>hConsoleOutput</a:t>
+            </a:r>
+            <a:endParaRPr lang="en-US" altLang="ko-KR" dirty="0">
+              <a:solidFill>
+                <a:srgbClr val="000000"/>
+              </a:solidFill>
+              <a:latin typeface="돋움체"/>
+              <a:ea typeface="돋움체"/>
+            </a:endParaRPr>
+          </a:p>
+          <a:p>
+            <a:r>
+              <a:rPr lang="ko-KR" altLang="en-US" dirty="0">
+                <a:solidFill>
+                  <a:srgbClr val="000000"/>
+                </a:solidFill>
+                <a:latin typeface="돋움체"/>
+                <a:ea typeface="돋움체"/>
+              </a:rPr>
+              <a:t>    </a:t>
+            </a:r>
+            <a:r>
+              <a:rPr lang="en-US" altLang="ko-KR" dirty="0">
+                <a:solidFill>
+                  <a:srgbClr val="000000"/>
+                </a:solidFill>
+                <a:latin typeface="돋움체"/>
+                <a:ea typeface="돋움체"/>
+              </a:rPr>
+              <a:t>);</a:t>
+            </a:r>
+          </a:p>
+          <a:p>
+            <a:endParaRPr lang="en-US" altLang="ko-KR" dirty="0">
+              <a:solidFill>
+                <a:srgbClr val="000000"/>
+              </a:solidFill>
+              <a:latin typeface="돋움체"/>
+              <a:ea typeface="돋움체"/>
+            </a:endParaRPr>
+          </a:p>
+          <a:p>
+            <a:r>
+              <a:rPr lang="en-US" altLang="ko-KR" dirty="0" smtClean="0">
+                <a:solidFill>
+                  <a:srgbClr val="000000"/>
+                </a:solidFill>
+                <a:latin typeface="돋움체"/>
+                <a:ea typeface="돋움체"/>
+              </a:rPr>
+              <a:t>Ex)</a:t>
+            </a:r>
+          </a:p>
+          <a:p>
+            <a:r>
+              <a:rPr lang="en-US" altLang="ko-KR" dirty="0" smtClean="0">
+                <a:solidFill>
+                  <a:srgbClr val="000000"/>
+                </a:solidFill>
+                <a:latin typeface="돋움체"/>
+                <a:ea typeface="돋움체"/>
+              </a:rPr>
+              <a:t>Static HANDLE buffer[2]; </a:t>
+            </a:r>
+            <a:r>
+              <a:rPr lang="en-US" altLang="ko-KR" dirty="0" smtClean="0">
+                <a:solidFill>
+                  <a:schemeClr val="accent6"/>
+                </a:solidFill>
+                <a:latin typeface="돋움체"/>
+                <a:ea typeface="돋움체"/>
+              </a:rPr>
+              <a:t>//2 ScreenBuffer</a:t>
+            </a:r>
+          </a:p>
+          <a:p>
+            <a:pPr lvl="0"/>
+            <a:r>
+              <a:rPr lang="en-US" altLang="ko-KR" dirty="0">
+                <a:solidFill>
+                  <a:srgbClr val="000000"/>
+                </a:solidFill>
+                <a:latin typeface="돋움체"/>
+                <a:ea typeface="돋움체"/>
+              </a:rPr>
+              <a:t>DWORD dw; //unsigned </a:t>
+            </a:r>
+            <a:r>
+              <a:rPr lang="en-US" altLang="ko-KR" dirty="0" smtClean="0">
+                <a:solidFill>
+                  <a:srgbClr val="000000"/>
+                </a:solidFill>
+                <a:latin typeface="돋움체"/>
+                <a:ea typeface="돋움체"/>
+              </a:rPr>
+              <a:t>long</a:t>
+            </a:r>
+          </a:p>
+          <a:p>
+            <a:r>
+              <a:rPr lang="en-US" altLang="ko-KR" dirty="0" smtClean="0">
+                <a:solidFill>
+                  <a:srgbClr val="000000"/>
+                </a:solidFill>
+                <a:latin typeface="돋움체"/>
+                <a:ea typeface="돋움체"/>
+              </a:rPr>
+              <a:t>buffer[0]=</a:t>
+            </a:r>
+          </a:p>
+          <a:p>
+            <a:r>
+              <a:rPr lang="en-US" altLang="ko-KR" dirty="0" smtClean="0">
+                <a:solidFill>
+                  <a:srgbClr val="FF0000"/>
+                </a:solidFill>
+                <a:latin typeface="돋움체"/>
+                <a:ea typeface="돋움체"/>
+              </a:rPr>
+              <a:t>CreateConsoleScreenBuffer</a:t>
+            </a:r>
+            <a:r>
+              <a:rPr lang="en-US" altLang="ko-KR" dirty="0" smtClean="0">
+                <a:solidFill>
+                  <a:srgbClr val="000000"/>
+                </a:solidFill>
+                <a:latin typeface="돋움체"/>
+                <a:ea typeface="돋움체"/>
+              </a:rPr>
+              <a:t>(GENERIC_READ|GENERIC_WRITE,0,NULL,CONSOLE_TEXTMODE_BUFFER,NULL);</a:t>
+            </a:r>
+          </a:p>
+          <a:p>
+            <a:r>
+              <a:rPr lang="en-US" altLang="ko-KR" dirty="0" smtClean="0">
+                <a:solidFill>
+                  <a:srgbClr val="000000"/>
+                </a:solidFill>
+                <a:latin typeface="돋움체"/>
+                <a:ea typeface="돋움체"/>
+              </a:rPr>
+              <a:t>buffer[1]=</a:t>
+            </a:r>
+            <a:endParaRPr lang="en-US" altLang="ko-KR" dirty="0">
+              <a:solidFill>
+                <a:srgbClr val="000000"/>
+              </a:solidFill>
+              <a:latin typeface="돋움체"/>
+              <a:ea typeface="돋움체"/>
+            </a:endParaRPr>
+          </a:p>
+          <a:p>
+            <a:r>
+              <a:rPr lang="en-US" altLang="ko-KR" dirty="0">
+                <a:solidFill>
+                  <a:srgbClr val="FF0000"/>
+                </a:solidFill>
+                <a:latin typeface="돋움체"/>
+                <a:ea typeface="돋움체"/>
+              </a:rPr>
+              <a:t>CreateConsoleScreenBuffer</a:t>
+            </a:r>
+            <a:r>
+              <a:rPr lang="en-US" altLang="ko-KR" dirty="0">
+                <a:solidFill>
+                  <a:srgbClr val="000000"/>
+                </a:solidFill>
+                <a:latin typeface="돋움체"/>
+                <a:ea typeface="돋움체"/>
+              </a:rPr>
+              <a:t>(GENERIC_READ|GENERIC_WRITE,0,NULL,CONSOLE_TEXTMODE_BUFFER,NULL); </a:t>
+            </a:r>
+            <a:r>
+              <a:rPr lang="en-US" altLang="ko-KR" dirty="0" smtClean="0">
+                <a:solidFill>
+                  <a:srgbClr val="000000"/>
+                </a:solidFill>
+                <a:latin typeface="돋움체"/>
+                <a:ea typeface="돋움체"/>
+              </a:rPr>
+              <a:t>COORD </a:t>
+            </a:r>
+            <a:r>
+              <a:rPr lang="en-US" altLang="ko-KR" dirty="0">
+                <a:solidFill>
+                  <a:srgbClr val="000000"/>
+                </a:solidFill>
+                <a:latin typeface="돋움체"/>
+                <a:ea typeface="돋움체"/>
+              </a:rPr>
+              <a:t>CursorPosition = { 0 , 0 }; </a:t>
+            </a:r>
+            <a:r>
+              <a:rPr lang="en-US" altLang="ko-KR" dirty="0">
+                <a:solidFill>
+                  <a:schemeClr val="accent6"/>
+                </a:solidFill>
+                <a:latin typeface="돋움체"/>
+                <a:ea typeface="돋움체"/>
+              </a:rPr>
+              <a:t>// CursorPosition (var name) =  { x , y</a:t>
+            </a:r>
+            <a:r>
+              <a:rPr lang="en-US" altLang="ko-KR" dirty="0" smtClean="0">
+                <a:solidFill>
+                  <a:schemeClr val="accent6"/>
+                </a:solidFill>
+                <a:latin typeface="돋움체"/>
+                <a:ea typeface="돋움체"/>
+              </a:rPr>
+              <a:t>}</a:t>
+            </a:r>
+          </a:p>
+          <a:p>
+            <a:r>
+              <a:rPr lang="en-US" altLang="ko-KR" dirty="0" smtClean="0">
+                <a:solidFill>
+                  <a:srgbClr val="0070C0"/>
+                </a:solidFill>
+                <a:latin typeface="돋움체"/>
+                <a:ea typeface="돋움체"/>
+              </a:rPr>
+              <a:t>SetConsoleCursorPosition</a:t>
+            </a:r>
+            <a:r>
+              <a:rPr lang="en-US" altLang="ko-KR" dirty="0" smtClean="0">
+                <a:solidFill>
+                  <a:srgbClr val="000000"/>
+                </a:solidFill>
+                <a:latin typeface="돋움체"/>
+                <a:ea typeface="돋움체"/>
+              </a:rPr>
+              <a:t>(buffer[0],CursorPosition);</a:t>
+            </a:r>
+          </a:p>
+          <a:p>
+            <a:r>
+              <a:rPr lang="en-US" altLang="ko-KR" dirty="0" smtClean="0">
+                <a:solidFill>
+                  <a:schemeClr val="accent4"/>
+                </a:solidFill>
+                <a:latin typeface="돋움체"/>
+                <a:ea typeface="돋움체"/>
+              </a:rPr>
+              <a:t>WriteFile</a:t>
+            </a:r>
+            <a:r>
+              <a:rPr lang="en-US" altLang="ko-KR" dirty="0" smtClean="0">
+                <a:solidFill>
+                  <a:srgbClr val="000000"/>
+                </a:solidFill>
+                <a:latin typeface="돋움체"/>
+                <a:ea typeface="돋움체"/>
+              </a:rPr>
+              <a:t>(buffer[0],”Hello,World!”,strlen(“Hello,World!”),&amp;dw,NULL);</a:t>
+            </a:r>
+          </a:p>
+          <a:p>
+            <a:r>
+              <a:rPr lang="en-US" altLang="ko-KR" dirty="0" smtClean="0">
+                <a:solidFill>
+                  <a:srgbClr val="E85BFF"/>
+                </a:solidFill>
+                <a:latin typeface="돋움체"/>
+                <a:ea typeface="돋움체"/>
+              </a:rPr>
+              <a:t>SetConsoleActiveScreenBuffer</a:t>
+            </a:r>
+            <a:r>
+              <a:rPr lang="en-US" altLang="ko-KR" dirty="0" smtClean="0">
+                <a:solidFill>
+                  <a:srgbClr val="000000"/>
+                </a:solidFill>
+                <a:latin typeface="돋움체"/>
+                <a:ea typeface="돋움체"/>
+              </a:rPr>
+              <a:t>(buffer[0]);</a:t>
+            </a:r>
+          </a:p>
+          <a:p>
+            <a:endParaRPr lang="en-US" altLang="ko-KR" dirty="0" smtClean="0">
+              <a:solidFill>
+                <a:srgbClr val="000000"/>
+              </a:solidFill>
+              <a:latin typeface="돋움체"/>
+              <a:ea typeface="돋움체"/>
+            </a:endParaRPr>
+          </a:p>
+          <a:p>
+            <a:endParaRPr lang="ko-KR" altLang="en-US" dirty="0" smtClean="0"/>
+          </a:p>
+          <a:p>
+            <a:endParaRPr lang="ko-KR" altLang="en-US" dirty="0"/>
+          </a:p>
+        </p:txBody>
+      </p:sp>
+    </p:spTree>
+    <p:extLst>
+      <p:ext uri="{BB962C8B-B14F-4D97-AF65-F5344CB8AC3E}">
+        <p14:creationId xmlns:p14="http://schemas.microsoft.com/office/powerpoint/2010/main" val="741463643"/>
+      </p:ext>
+    </p:extLst>
+  </p:cSld>
+  <p:clrMapOvr>
+    <a:masterClrMapping/>
+  </p:clrMapOvr>
+</p:sld>
+</file>
+
 <file path=ppt/slides/slide4.xml><?xml version="1.0" encoding="utf-8"?>
+<p:sld xmlns:a="http://schemas.openxmlformats.org/drawingml/2006/main" xmlns:r="http://schemas.openxmlformats.org/officeDocument/2006/relationships" xmlns:p="http://schemas.openxmlformats.org/presentationml/2006/main">
+  <p:cSld>
+    <p:spTree>
+      <p:nvGrpSpPr>
+        <p:cNvPr id="1" name=""/>
+        <p:cNvGrpSpPr/>
+        <p:nvPr/>
+      </p:nvGrpSpPr>
+      <p:grpSpPr>
+        <a:xfrm>
+          <a:off x="0" y="0"/>
+          <a:ext cx="0" cy="0"/>
+          <a:chOff x="0" y="0"/>
+          <a:chExt cx="0" cy="0"/>
+        </a:xfrm>
+      </p:grpSpPr>
+      <p:sp>
+        <p:nvSpPr>
+          <p:cNvPr id="4" name="직사각형 3"/>
+          <p:cNvSpPr/>
+          <p:nvPr/>
+        </p:nvSpPr>
+        <p:spPr>
+          <a:xfrm>
+            <a:off x="4321133" y="278337"/>
+            <a:ext cx="2157498" cy="558159"/>
+          </a:xfrm>
+          <a:prstGeom prst="rect">
+            <a:avLst/>
+          </a:prstGeom>
+        </p:spPr>
+        <p:style>
+          <a:lnRef idx="2">
+            <a:schemeClr val="accent1">
+              <a:shade val="50000"/>
+            </a:schemeClr>
+          </a:lnRef>
+          <a:fillRef idx="1">
+            <a:schemeClr val="accent1"/>
+          </a:fillRef>
+          <a:effectRef idx="0">
+            <a:schemeClr val="accent1"/>
+          </a:effectRef>
+          <a:fontRef idx="minor">
+            <a:schemeClr val="lt1"/>
+          </a:fontRef>
+        </p:style>
+        <p:txBody>
+          <a:bodyPr rot="0" spcFirstLastPara="0" vertOverflow="overflow" horzOverflow="overflow" vert="horz" wrap="square" lIns="80998" tIns="40499" rIns="80998" bIns="40499" numCol="1" spcCol="0" rtlCol="0" fromWordArt="0" anchor="ctr" anchorCtr="0" forceAA="0" compatLnSpc="1">
+            <a:prstTxWarp prst="textNoShape">
+              <a:avLst/>
+            </a:prstTxWarp>
+            <a:noAutofit/>
+          </a:bodyPr>
+          <a:lstStyle/>
+          <a:p>
+            <a:pPr algn="ctr"/>
+            <a:r>
+              <a:rPr lang="en-US" altLang="ko-KR" sz="1594" dirty="0"/>
+              <a:t>main</a:t>
+            </a:r>
+            <a:endParaRPr lang="ko-KR" altLang="en-US" sz="1594" dirty="0"/>
+          </a:p>
+        </p:txBody>
+      </p:sp>
+      <p:sp>
+        <p:nvSpPr>
+          <p:cNvPr id="5" name="직사각형 4"/>
+          <p:cNvSpPr/>
+          <p:nvPr/>
+        </p:nvSpPr>
+        <p:spPr>
+          <a:xfrm>
+            <a:off x="1175055" y="1230549"/>
+            <a:ext cx="2157498" cy="558159"/>
+          </a:xfrm>
+          <a:prstGeom prst="rect">
+            <a:avLst/>
+          </a:prstGeom>
+        </p:spPr>
+        <p:style>
+          <a:lnRef idx="2">
+            <a:schemeClr val="accent1">
+              <a:shade val="50000"/>
+            </a:schemeClr>
+          </a:lnRef>
+          <a:fillRef idx="1">
+            <a:schemeClr val="accent1"/>
+          </a:fillRef>
+          <a:effectRef idx="0">
+            <a:schemeClr val="accent1"/>
+          </a:effectRef>
+          <a:fontRef idx="minor">
+            <a:schemeClr val="lt1"/>
+          </a:fontRef>
+        </p:style>
+        <p:txBody>
+          <a:bodyPr rot="0" spcFirstLastPara="0" vertOverflow="overflow" horzOverflow="overflow" vert="horz" wrap="square" lIns="80998" tIns="40499" rIns="80998" bIns="40499" numCol="1" spcCol="0" rtlCol="0" fromWordArt="0" anchor="ctr" anchorCtr="0" forceAA="0" compatLnSpc="1">
+            <a:prstTxWarp prst="textNoShape">
+              <a:avLst/>
+            </a:prstTxWarp>
+            <a:noAutofit/>
+          </a:bodyPr>
+          <a:lstStyle/>
+          <a:p>
+            <a:pPr algn="ctr"/>
+            <a:r>
+              <a:rPr lang="en-US" altLang="ko-KR" sz="1594" dirty="0"/>
+              <a:t>SRC</a:t>
+            </a:r>
+            <a:endParaRPr lang="ko-KR" altLang="en-US" sz="1594" dirty="0"/>
+          </a:p>
+        </p:txBody>
+      </p:sp>
+      <p:sp>
+        <p:nvSpPr>
+          <p:cNvPr id="6" name="직사각형 5"/>
+          <p:cNvSpPr/>
+          <p:nvPr/>
+        </p:nvSpPr>
+        <p:spPr>
+          <a:xfrm>
+            <a:off x="7498602" y="1230549"/>
+            <a:ext cx="2157498" cy="558159"/>
+          </a:xfrm>
+          <a:prstGeom prst="rect">
+            <a:avLst/>
+          </a:prstGeom>
+        </p:spPr>
+        <p:style>
+          <a:lnRef idx="2">
+            <a:schemeClr val="accent1">
+              <a:shade val="50000"/>
+            </a:schemeClr>
+          </a:lnRef>
+          <a:fillRef idx="1">
+            <a:schemeClr val="accent1"/>
+          </a:fillRef>
+          <a:effectRef idx="0">
+            <a:schemeClr val="accent1"/>
+          </a:effectRef>
+          <a:fontRef idx="minor">
+            <a:schemeClr val="lt1"/>
+          </a:fontRef>
+        </p:style>
+        <p:txBody>
+          <a:bodyPr rot="0" spcFirstLastPara="0" vertOverflow="overflow" horzOverflow="overflow" vert="horz" wrap="square" lIns="80998" tIns="40499" rIns="80998" bIns="40499" numCol="1" spcCol="0" rtlCol="0" fromWordArt="0" anchor="ctr" anchorCtr="0" forceAA="0" compatLnSpc="1">
+            <a:prstTxWarp prst="textNoShape">
+              <a:avLst/>
+            </a:prstTxWarp>
+            <a:noAutofit/>
+          </a:bodyPr>
+          <a:lstStyle/>
+          <a:p>
+            <a:pPr algn="ctr"/>
+            <a:r>
+              <a:rPr lang="en-US" altLang="ko-KR" sz="1594" dirty="0"/>
+              <a:t>HEADER</a:t>
+            </a:r>
+            <a:endParaRPr lang="ko-KR" altLang="en-US" sz="1594" dirty="0"/>
+          </a:p>
+        </p:txBody>
+      </p:sp>
+      <p:sp>
+        <p:nvSpPr>
+          <p:cNvPr id="7" name="직사각형 6"/>
+          <p:cNvSpPr/>
+          <p:nvPr/>
+        </p:nvSpPr>
+        <p:spPr>
+          <a:xfrm>
+            <a:off x="9032077" y="2367366"/>
+            <a:ext cx="1712590" cy="558159"/>
+          </a:xfrm>
+          <a:prstGeom prst="rect">
+            <a:avLst/>
+          </a:prstGeom>
+        </p:spPr>
+        <p:style>
+          <a:lnRef idx="2">
+            <a:schemeClr val="accent1">
+              <a:shade val="50000"/>
+            </a:schemeClr>
+          </a:lnRef>
+          <a:fillRef idx="1">
+            <a:schemeClr val="accent1"/>
+          </a:fillRef>
+          <a:effectRef idx="0">
+            <a:schemeClr val="accent1"/>
+          </a:effectRef>
+          <a:fontRef idx="minor">
+            <a:schemeClr val="lt1"/>
+          </a:fontRef>
+        </p:style>
+        <p:txBody>
+          <a:bodyPr rot="0" spcFirstLastPara="0" vertOverflow="overflow" horzOverflow="overflow" vert="horz" wrap="square" lIns="80998" tIns="40499" rIns="80998" bIns="40499" numCol="1" spcCol="0" rtlCol="0" fromWordArt="0" anchor="ctr" anchorCtr="0" forceAA="0" compatLnSpc="1">
+            <a:prstTxWarp prst="textNoShape">
+              <a:avLst/>
+            </a:prstTxWarp>
+            <a:noAutofit/>
+          </a:bodyPr>
+          <a:lstStyle/>
+          <a:p>
+            <a:pPr algn="ctr"/>
+            <a:r>
+              <a:rPr lang="en-US" altLang="ko-KR" sz="1594" dirty="0"/>
+              <a:t>Lib</a:t>
+            </a:r>
+          </a:p>
+        </p:txBody>
+      </p:sp>
+      <p:sp>
+        <p:nvSpPr>
+          <p:cNvPr id="8" name="직사각형 7"/>
+          <p:cNvSpPr/>
+          <p:nvPr/>
+        </p:nvSpPr>
+        <p:spPr>
+          <a:xfrm>
+            <a:off x="2608543" y="2367366"/>
+            <a:ext cx="1712590" cy="558159"/>
+          </a:xfrm>
+          <a:prstGeom prst="rect">
+            <a:avLst/>
+          </a:prstGeom>
+        </p:spPr>
+        <p:style>
+          <a:lnRef idx="2">
+            <a:schemeClr val="accent1">
+              <a:shade val="50000"/>
+            </a:schemeClr>
+          </a:lnRef>
+          <a:fillRef idx="1">
+            <a:schemeClr val="accent1"/>
+          </a:fillRef>
+          <a:effectRef idx="0">
+            <a:schemeClr val="accent1"/>
+          </a:effectRef>
+          <a:fontRef idx="minor">
+            <a:schemeClr val="lt1"/>
+          </a:fontRef>
+        </p:style>
+        <p:txBody>
+          <a:bodyPr rot="0" spcFirstLastPara="0" vertOverflow="overflow" horzOverflow="overflow" vert="horz" wrap="square" lIns="80998" tIns="40499" rIns="80998" bIns="40499" numCol="1" spcCol="0" rtlCol="0" fromWordArt="0" anchor="ctr" anchorCtr="0" forceAA="0" compatLnSpc="1">
+            <a:prstTxWarp prst="textNoShape">
+              <a:avLst/>
+            </a:prstTxWarp>
+            <a:noAutofit/>
+          </a:bodyPr>
+          <a:lstStyle/>
+          <a:p>
+            <a:pPr algn="ctr"/>
+            <a:r>
+              <a:rPr lang="en-US" altLang="ko-KR" sz="1594" dirty="0"/>
+              <a:t>system</a:t>
+            </a:r>
+          </a:p>
+        </p:txBody>
+      </p:sp>
+      <p:sp>
+        <p:nvSpPr>
+          <p:cNvPr id="9" name="직사각형 8"/>
+          <p:cNvSpPr/>
+          <p:nvPr/>
+        </p:nvSpPr>
+        <p:spPr>
+          <a:xfrm>
+            <a:off x="6309335" y="2353994"/>
+            <a:ext cx="1712590" cy="558159"/>
+          </a:xfrm>
+          <a:prstGeom prst="rect">
+            <a:avLst/>
+          </a:prstGeom>
+        </p:spPr>
+        <p:style>
+          <a:lnRef idx="2">
+            <a:schemeClr val="accent1">
+              <a:shade val="50000"/>
+            </a:schemeClr>
+          </a:lnRef>
+          <a:fillRef idx="1">
+            <a:schemeClr val="accent1"/>
+          </a:fillRef>
+          <a:effectRef idx="0">
+            <a:schemeClr val="accent1"/>
+          </a:effectRef>
+          <a:fontRef idx="minor">
+            <a:schemeClr val="lt1"/>
+          </a:fontRef>
+        </p:style>
+        <p:txBody>
+          <a:bodyPr rot="0" spcFirstLastPara="0" vertOverflow="overflow" horzOverflow="overflow" vert="horz" wrap="square" lIns="80998" tIns="40499" rIns="80998" bIns="40499" numCol="1" spcCol="0" rtlCol="0" fromWordArt="0" anchor="ctr" anchorCtr="0" forceAA="0" compatLnSpc="1">
+            <a:prstTxWarp prst="textNoShape">
+              <a:avLst/>
+            </a:prstTxWarp>
+            <a:noAutofit/>
+          </a:bodyPr>
+          <a:lstStyle/>
+          <a:p>
+            <a:pPr algn="ctr"/>
+            <a:r>
+              <a:rPr lang="en-US" altLang="ko-KR" sz="1594" dirty="0"/>
+              <a:t>system</a:t>
+            </a:r>
+          </a:p>
+        </p:txBody>
+      </p:sp>
+      <p:sp>
+        <p:nvSpPr>
+          <p:cNvPr id="11" name="모서리가 둥근 직사각형 10"/>
+          <p:cNvSpPr/>
+          <p:nvPr/>
+        </p:nvSpPr>
+        <p:spPr>
+          <a:xfrm>
+            <a:off x="6309335" y="3306207"/>
+            <a:ext cx="1767686" cy="584898"/>
+          </a:xfrm>
+          <a:prstGeom prst="roundRect">
+            <a:avLst/>
+          </a:prstGeom>
+        </p:spPr>
+        <p:style>
+          <a:lnRef idx="2">
+            <a:schemeClr val="accent1">
+              <a:shade val="50000"/>
+            </a:schemeClr>
+          </a:lnRef>
+          <a:fillRef idx="1">
+            <a:schemeClr val="accent1"/>
+          </a:fillRef>
+          <a:effectRef idx="0">
+            <a:schemeClr val="accent1"/>
+          </a:effectRef>
+          <a:fontRef idx="minor">
+            <a:schemeClr val="lt1"/>
+          </a:fontRef>
+        </p:style>
+        <p:txBody>
+          <a:bodyPr rot="0" spcFirstLastPara="0" vertOverflow="overflow" horzOverflow="overflow" vert="horz" wrap="square" lIns="80998" tIns="40499" rIns="80998" bIns="40499" numCol="1" spcCol="0" rtlCol="0" fromWordArt="0" anchor="ctr" anchorCtr="0" forceAA="0" compatLnSpc="1">
+            <a:prstTxWarp prst="textNoShape">
+              <a:avLst/>
+            </a:prstTxWarp>
+            <a:noAutofit/>
+          </a:bodyPr>
+          <a:lstStyle/>
+          <a:p>
+            <a:pPr algn="ctr"/>
+            <a:r>
+              <a:rPr lang="en-US" altLang="ko-KR" sz="1594" dirty="0"/>
+              <a:t>game_system.h</a:t>
+            </a:r>
+            <a:endParaRPr lang="ko-KR" altLang="en-US" sz="1594" dirty="0"/>
+          </a:p>
+        </p:txBody>
+      </p:sp>
+      <p:sp>
+        <p:nvSpPr>
+          <p:cNvPr id="12" name="모서리가 둥근 직사각형 11"/>
+          <p:cNvSpPr/>
+          <p:nvPr/>
+        </p:nvSpPr>
+        <p:spPr>
+          <a:xfrm>
+            <a:off x="8976981" y="3306206"/>
+            <a:ext cx="1767686" cy="584898"/>
+          </a:xfrm>
+          <a:prstGeom prst="roundRect">
+            <a:avLst/>
+          </a:prstGeom>
+        </p:spPr>
+        <p:style>
+          <a:lnRef idx="2">
+            <a:schemeClr val="accent1">
+              <a:shade val="50000"/>
+            </a:schemeClr>
+          </a:lnRef>
+          <a:fillRef idx="1">
+            <a:schemeClr val="accent1"/>
+          </a:fillRef>
+          <a:effectRef idx="0">
+            <a:schemeClr val="accent1"/>
+          </a:effectRef>
+          <a:fontRef idx="minor">
+            <a:schemeClr val="lt1"/>
+          </a:fontRef>
+        </p:style>
+        <p:txBody>
+          <a:bodyPr rot="0" spcFirstLastPara="0" vertOverflow="overflow" horzOverflow="overflow" vert="horz" wrap="square" lIns="80998" tIns="40499" rIns="80998" bIns="40499" numCol="1" spcCol="0" rtlCol="0" fromWordArt="0" anchor="ctr" anchorCtr="0" forceAA="0" compatLnSpc="1">
+            <a:prstTxWarp prst="textNoShape">
+              <a:avLst/>
+            </a:prstTxWarp>
+            <a:noAutofit/>
+          </a:bodyPr>
+          <a:lstStyle/>
+          <a:p>
+            <a:pPr algn="ctr"/>
+            <a:r>
+              <a:rPr lang="en-US" altLang="ko-KR" sz="1594" dirty="0"/>
+              <a:t>opdisplay.h</a:t>
+            </a:r>
+            <a:endParaRPr lang="ko-KR" altLang="en-US" sz="1594" dirty="0"/>
+          </a:p>
+        </p:txBody>
+      </p:sp>
+      <p:sp>
+        <p:nvSpPr>
+          <p:cNvPr id="13" name="모서리가 둥근 직사각형 12"/>
+          <p:cNvSpPr/>
+          <p:nvPr/>
+        </p:nvSpPr>
+        <p:spPr>
+          <a:xfrm>
+            <a:off x="2562748" y="3183313"/>
+            <a:ext cx="815603" cy="584898"/>
+          </a:xfrm>
+          <a:prstGeom prst="roundRect">
+            <a:avLst/>
+          </a:prstGeom>
+        </p:spPr>
+        <p:style>
+          <a:lnRef idx="2">
+            <a:schemeClr val="accent1">
+              <a:shade val="50000"/>
+            </a:schemeClr>
+          </a:lnRef>
+          <a:fillRef idx="1">
+            <a:schemeClr val="accent1"/>
+          </a:fillRef>
+          <a:effectRef idx="0">
+            <a:schemeClr val="accent1"/>
+          </a:effectRef>
+          <a:fontRef idx="minor">
+            <a:schemeClr val="lt1"/>
+          </a:fontRef>
+        </p:style>
+        <p:txBody>
+          <a:bodyPr rot="0" spcFirstLastPara="0" vertOverflow="overflow" horzOverflow="overflow" vert="horz" wrap="square" lIns="80998" tIns="40499" rIns="80998" bIns="40499" numCol="1" spcCol="0" rtlCol="0" fromWordArt="0" anchor="ctr" anchorCtr="0" forceAA="0" compatLnSpc="1">
+            <a:prstTxWarp prst="textNoShape">
+              <a:avLst/>
+            </a:prstTxWarp>
+            <a:noAutofit/>
+          </a:bodyPr>
+          <a:lstStyle/>
+          <a:p>
+            <a:pPr algn="ctr"/>
+            <a:r>
+              <a:rPr lang="en-US" altLang="ko-KR" sz="1594" dirty="0"/>
+              <a:t>init</a:t>
+            </a:r>
+          </a:p>
+        </p:txBody>
+      </p:sp>
+      <p:sp>
+        <p:nvSpPr>
+          <p:cNvPr id="14" name="모서리가 둥근 직사각형 13"/>
+          <p:cNvSpPr/>
+          <p:nvPr/>
+        </p:nvSpPr>
+        <p:spPr>
+          <a:xfrm>
+            <a:off x="3641497" y="3183313"/>
+            <a:ext cx="988580" cy="584898"/>
+          </a:xfrm>
+          <a:prstGeom prst="roundRect">
+            <a:avLst/>
+          </a:prstGeom>
+        </p:spPr>
+        <p:style>
+          <a:lnRef idx="2">
+            <a:schemeClr val="accent1">
+              <a:shade val="50000"/>
+            </a:schemeClr>
+          </a:lnRef>
+          <a:fillRef idx="1">
+            <a:schemeClr val="accent1"/>
+          </a:fillRef>
+          <a:effectRef idx="0">
+            <a:schemeClr val="accent1"/>
+          </a:effectRef>
+          <a:fontRef idx="minor">
+            <a:schemeClr val="lt1"/>
+          </a:fontRef>
+        </p:style>
+        <p:txBody>
+          <a:bodyPr rot="0" spcFirstLastPara="0" vertOverflow="overflow" horzOverflow="overflow" vert="horz" wrap="square" lIns="80998" tIns="40499" rIns="80998" bIns="40499" numCol="1" spcCol="0" rtlCol="0" fromWordArt="0" anchor="ctr" anchorCtr="0" forceAA="0" compatLnSpc="1">
+            <a:prstTxWarp prst="textNoShape">
+              <a:avLst/>
+            </a:prstTxWarp>
+            <a:noAutofit/>
+          </a:bodyPr>
+          <a:lstStyle/>
+          <a:p>
+            <a:pPr algn="ctr"/>
+            <a:r>
+              <a:rPr lang="en-US" altLang="ko-KR" sz="1594" dirty="0"/>
+              <a:t>update</a:t>
+            </a:r>
+          </a:p>
+        </p:txBody>
+      </p:sp>
+      <p:sp>
+        <p:nvSpPr>
+          <p:cNvPr id="15" name="모서리가 둥근 직사각형 14"/>
+          <p:cNvSpPr/>
+          <p:nvPr/>
+        </p:nvSpPr>
+        <p:spPr>
+          <a:xfrm>
+            <a:off x="2476258" y="4054420"/>
+            <a:ext cx="988580" cy="584898"/>
+          </a:xfrm>
+          <a:prstGeom prst="roundRect">
+            <a:avLst/>
+          </a:prstGeom>
+        </p:spPr>
+        <p:style>
+          <a:lnRef idx="2">
+            <a:schemeClr val="accent1">
+              <a:shade val="50000"/>
+            </a:schemeClr>
+          </a:lnRef>
+          <a:fillRef idx="1">
+            <a:schemeClr val="accent1"/>
+          </a:fillRef>
+          <a:effectRef idx="0">
+            <a:schemeClr val="accent1"/>
+          </a:effectRef>
+          <a:fontRef idx="minor">
+            <a:schemeClr val="lt1"/>
+          </a:fontRef>
+        </p:style>
+        <p:txBody>
+          <a:bodyPr rot="0" spcFirstLastPara="0" vertOverflow="overflow" horzOverflow="overflow" vert="horz" wrap="square" lIns="80998" tIns="40499" rIns="80998" bIns="40499" numCol="1" spcCol="0" rtlCol="0" fromWordArt="0" anchor="ctr" anchorCtr="0" forceAA="0" compatLnSpc="1">
+            <a:prstTxWarp prst="textNoShape">
+              <a:avLst/>
+            </a:prstTxWarp>
+            <a:noAutofit/>
+          </a:bodyPr>
+          <a:lstStyle/>
+          <a:p>
+            <a:pPr algn="ctr"/>
+            <a:r>
+              <a:rPr lang="en-US" altLang="ko-KR" sz="1594" dirty="0"/>
+              <a:t>input</a:t>
+            </a:r>
+          </a:p>
+        </p:txBody>
+      </p:sp>
+      <p:sp>
+        <p:nvSpPr>
+          <p:cNvPr id="16" name="모서리가 둥근 직사각형 15"/>
+          <p:cNvSpPr/>
+          <p:nvPr/>
+        </p:nvSpPr>
+        <p:spPr>
+          <a:xfrm>
+            <a:off x="3656934" y="4054420"/>
+            <a:ext cx="988580" cy="584898"/>
+          </a:xfrm>
+          <a:prstGeom prst="roundRect">
+            <a:avLst/>
+          </a:prstGeom>
+        </p:spPr>
+        <p:style>
+          <a:lnRef idx="2">
+            <a:schemeClr val="accent1">
+              <a:shade val="50000"/>
+            </a:schemeClr>
+          </a:lnRef>
+          <a:fillRef idx="1">
+            <a:schemeClr val="accent1"/>
+          </a:fillRef>
+          <a:effectRef idx="0">
+            <a:schemeClr val="accent1"/>
+          </a:effectRef>
+          <a:fontRef idx="minor">
+            <a:schemeClr val="lt1"/>
+          </a:fontRef>
+        </p:style>
+        <p:txBody>
+          <a:bodyPr rot="0" spcFirstLastPara="0" vertOverflow="overflow" horzOverflow="overflow" vert="horz" wrap="square" lIns="80998" tIns="40499" rIns="80998" bIns="40499" numCol="1" spcCol="0" rtlCol="0" fromWordArt="0" anchor="ctr" anchorCtr="0" forceAA="0" compatLnSpc="1">
+            <a:prstTxWarp prst="textNoShape">
+              <a:avLst/>
+            </a:prstTxWarp>
+            <a:noAutofit/>
+          </a:bodyPr>
+          <a:lstStyle/>
+          <a:p>
+            <a:pPr algn="ctr"/>
+            <a:r>
+              <a:rPr lang="en-US" altLang="ko-KR" sz="1594" dirty="0"/>
+              <a:t>simulate</a:t>
+            </a:r>
+          </a:p>
+        </p:txBody>
+      </p:sp>
+      <p:sp>
+        <p:nvSpPr>
+          <p:cNvPr id="17" name="모서리가 둥근 직사각형 16"/>
+          <p:cNvSpPr/>
+          <p:nvPr/>
+        </p:nvSpPr>
+        <p:spPr>
+          <a:xfrm>
+            <a:off x="2476258" y="4898787"/>
+            <a:ext cx="988580" cy="584898"/>
+          </a:xfrm>
+          <a:prstGeom prst="roundRect">
+            <a:avLst/>
+          </a:prstGeom>
+        </p:spPr>
+        <p:style>
+          <a:lnRef idx="2">
+            <a:schemeClr val="accent1">
+              <a:shade val="50000"/>
+            </a:schemeClr>
+          </a:lnRef>
+          <a:fillRef idx="1">
+            <a:schemeClr val="accent1"/>
+          </a:fillRef>
+          <a:effectRef idx="0">
+            <a:schemeClr val="accent1"/>
+          </a:effectRef>
+          <a:fontRef idx="minor">
+            <a:schemeClr val="lt1"/>
+          </a:fontRef>
+        </p:style>
+        <p:txBody>
+          <a:bodyPr rot="0" spcFirstLastPara="0" vertOverflow="overflow" horzOverflow="overflow" vert="horz" wrap="square" lIns="80998" tIns="40499" rIns="80998" bIns="40499" numCol="1" spcCol="0" rtlCol="0" fromWordArt="0" anchor="ctr" anchorCtr="0" forceAA="0" compatLnSpc="1">
+            <a:prstTxWarp prst="textNoShape">
+              <a:avLst/>
+            </a:prstTxWarp>
+            <a:noAutofit/>
+          </a:bodyPr>
+          <a:lstStyle/>
+          <a:p>
+            <a:pPr algn="ctr"/>
+            <a:r>
+              <a:rPr lang="en-US" altLang="ko-KR" sz="1594" dirty="0"/>
+              <a:t>render</a:t>
+            </a:r>
+          </a:p>
+        </p:txBody>
+      </p:sp>
+      <p:cxnSp>
+        <p:nvCxnSpPr>
+          <p:cNvPr id="20" name="직선 화살표 연결선 19"/>
+          <p:cNvCxnSpPr>
+            <a:stCxn id="7" idx="2"/>
+          </p:cNvCxnSpPr>
+          <p:nvPr/>
+        </p:nvCxnSpPr>
+        <p:spPr>
+          <a:xfrm>
+            <a:off x="9888372" y="2925525"/>
+            <a:ext cx="0" cy="380682"/>
+          </a:xfrm>
+          <a:prstGeom prst="straightConnector1">
+            <a:avLst/>
+          </a:prstGeom>
+          <a:ln>
+            <a:tailEnd type="triangle"/>
+          </a:ln>
+        </p:spPr>
+        <p:style>
+          <a:lnRef idx="1">
+            <a:schemeClr val="accent1"/>
+          </a:lnRef>
+          <a:fillRef idx="0">
+            <a:schemeClr val="accent1"/>
+          </a:fillRef>
+          <a:effectRef idx="0">
+            <a:schemeClr val="accent1"/>
+          </a:effectRef>
+          <a:fontRef idx="minor">
+            <a:schemeClr val="tx1"/>
+          </a:fontRef>
+        </p:style>
+      </p:cxnSp>
+      <p:sp>
+        <p:nvSpPr>
+          <p:cNvPr id="21" name="TextBox 20"/>
+          <p:cNvSpPr txBox="1"/>
+          <p:nvPr/>
+        </p:nvSpPr>
+        <p:spPr>
+          <a:xfrm>
+            <a:off x="751055" y="3768211"/>
+            <a:ext cx="729880" cy="1715474"/>
+          </a:xfrm>
+          <a:prstGeom prst="rect">
+            <a:avLst/>
+          </a:prstGeom>
+          <a:noFill/>
+        </p:spPr>
+        <p:txBody>
+          <a:bodyPr vert="eaVert" wrap="square" rtlCol="0">
+            <a:spAutoFit/>
+          </a:bodyPr>
+          <a:lstStyle/>
+          <a:p>
+            <a:r>
+              <a:rPr lang="en-US" altLang="ko-KR" sz="3543" b="1" dirty="0"/>
+              <a:t>.   .   .</a:t>
+            </a:r>
+            <a:endParaRPr lang="ko-KR" altLang="en-US" sz="3543" b="1" dirty="0"/>
+          </a:p>
+        </p:txBody>
+      </p:sp>
+      <p:cxnSp>
+        <p:nvCxnSpPr>
+          <p:cNvPr id="23" name="직선 화살표 연결선 22"/>
+          <p:cNvCxnSpPr>
+            <a:stCxn id="5" idx="2"/>
+            <a:endCxn id="45" idx="0"/>
+          </p:cNvCxnSpPr>
+          <p:nvPr/>
+        </p:nvCxnSpPr>
+        <p:spPr>
+          <a:xfrm flipH="1">
+            <a:off x="987024" y="1788708"/>
+            <a:ext cx="1266780" cy="578658"/>
+          </a:xfrm>
+          <a:prstGeom prst="straightConnector1">
+            <a:avLst/>
+          </a:prstGeom>
+          <a:ln>
+            <a:tailEnd type="triangle"/>
+          </a:ln>
+        </p:spPr>
+        <p:style>
+          <a:lnRef idx="1">
+            <a:schemeClr val="accent1"/>
+          </a:lnRef>
+          <a:fillRef idx="0">
+            <a:schemeClr val="accent1"/>
+          </a:fillRef>
+          <a:effectRef idx="0">
+            <a:schemeClr val="accent1"/>
+          </a:effectRef>
+          <a:fontRef idx="minor">
+            <a:schemeClr val="tx1"/>
+          </a:fontRef>
+        </p:style>
+      </p:cxnSp>
+      <p:cxnSp>
+        <p:nvCxnSpPr>
+          <p:cNvPr id="25" name="직선 화살표 연결선 24"/>
+          <p:cNvCxnSpPr>
+            <a:stCxn id="5" idx="2"/>
+            <a:endCxn id="8" idx="0"/>
+          </p:cNvCxnSpPr>
+          <p:nvPr/>
+        </p:nvCxnSpPr>
+        <p:spPr>
+          <a:xfrm>
+            <a:off x="2253805" y="1788708"/>
+            <a:ext cx="1211033" cy="578658"/>
+          </a:xfrm>
+          <a:prstGeom prst="straightConnector1">
+            <a:avLst/>
+          </a:prstGeom>
+          <a:ln>
+            <a:tailEnd type="triangle"/>
+          </a:ln>
+        </p:spPr>
+        <p:style>
+          <a:lnRef idx="1">
+            <a:schemeClr val="accent1"/>
+          </a:lnRef>
+          <a:fillRef idx="0">
+            <a:schemeClr val="accent1"/>
+          </a:fillRef>
+          <a:effectRef idx="0">
+            <a:schemeClr val="accent1"/>
+          </a:effectRef>
+          <a:fontRef idx="minor">
+            <a:schemeClr val="tx1"/>
+          </a:fontRef>
+        </p:style>
+      </p:cxnSp>
+      <p:cxnSp>
+        <p:nvCxnSpPr>
+          <p:cNvPr id="27" name="직선 화살표 연결선 26"/>
+          <p:cNvCxnSpPr>
+            <a:stCxn id="8" idx="2"/>
+          </p:cNvCxnSpPr>
+          <p:nvPr/>
+        </p:nvCxnSpPr>
+        <p:spPr>
+          <a:xfrm>
+            <a:off x="3464838" y="2925525"/>
+            <a:ext cx="0" cy="162946"/>
+          </a:xfrm>
+          <a:prstGeom prst="straightConnector1">
+            <a:avLst/>
+          </a:prstGeom>
+          <a:ln>
+            <a:tailEnd type="triangle"/>
+          </a:ln>
+        </p:spPr>
+        <p:style>
+          <a:lnRef idx="1">
+            <a:schemeClr val="accent1"/>
+          </a:lnRef>
+          <a:fillRef idx="0">
+            <a:schemeClr val="accent1"/>
+          </a:fillRef>
+          <a:effectRef idx="0">
+            <a:schemeClr val="accent1"/>
+          </a:effectRef>
+          <a:fontRef idx="minor">
+            <a:schemeClr val="tx1"/>
+          </a:fontRef>
+        </p:style>
+      </p:cxnSp>
+      <p:cxnSp>
+        <p:nvCxnSpPr>
+          <p:cNvPr id="29" name="직선 화살표 연결선 28"/>
+          <p:cNvCxnSpPr>
+            <a:stCxn id="6" idx="2"/>
+            <a:endCxn id="9" idx="0"/>
+          </p:cNvCxnSpPr>
+          <p:nvPr/>
+        </p:nvCxnSpPr>
+        <p:spPr>
+          <a:xfrm flipH="1">
+            <a:off x="7165630" y="1788708"/>
+            <a:ext cx="1411721" cy="565286"/>
+          </a:xfrm>
+          <a:prstGeom prst="straightConnector1">
+            <a:avLst/>
+          </a:prstGeom>
+          <a:ln>
+            <a:tailEnd type="triangle"/>
+          </a:ln>
+        </p:spPr>
+        <p:style>
+          <a:lnRef idx="1">
+            <a:schemeClr val="accent1"/>
+          </a:lnRef>
+          <a:fillRef idx="0">
+            <a:schemeClr val="accent1"/>
+          </a:fillRef>
+          <a:effectRef idx="0">
+            <a:schemeClr val="accent1"/>
+          </a:effectRef>
+          <a:fontRef idx="minor">
+            <a:schemeClr val="tx1"/>
+          </a:fontRef>
+        </p:style>
+      </p:cxnSp>
+      <p:cxnSp>
+        <p:nvCxnSpPr>
+          <p:cNvPr id="31" name="직선 화살표 연결선 30"/>
+          <p:cNvCxnSpPr/>
+          <p:nvPr/>
+        </p:nvCxnSpPr>
+        <p:spPr>
+          <a:xfrm>
+            <a:off x="9643444" y="1802080"/>
+            <a:ext cx="0" cy="565286"/>
+          </a:xfrm>
+          <a:prstGeom prst="straightConnector1">
+            <a:avLst/>
+          </a:prstGeom>
+          <a:ln>
+            <a:tailEnd type="triangle"/>
+          </a:ln>
+        </p:spPr>
+        <p:style>
+          <a:lnRef idx="1">
+            <a:schemeClr val="accent1"/>
+          </a:lnRef>
+          <a:fillRef idx="0">
+            <a:schemeClr val="accent1"/>
+          </a:fillRef>
+          <a:effectRef idx="0">
+            <a:schemeClr val="accent1"/>
+          </a:effectRef>
+          <a:fontRef idx="minor">
+            <a:schemeClr val="tx1"/>
+          </a:fontRef>
+        </p:style>
+      </p:cxnSp>
+      <p:cxnSp>
+        <p:nvCxnSpPr>
+          <p:cNvPr id="33" name="직선 화살표 연결선 32"/>
+          <p:cNvCxnSpPr>
+            <a:stCxn id="9" idx="2"/>
+          </p:cNvCxnSpPr>
+          <p:nvPr/>
+        </p:nvCxnSpPr>
+        <p:spPr>
+          <a:xfrm>
+            <a:off x="7165630" y="2912153"/>
+            <a:ext cx="0" cy="271161"/>
+          </a:xfrm>
+          <a:prstGeom prst="straightConnector1">
+            <a:avLst/>
+          </a:prstGeom>
+          <a:ln>
+            <a:tailEnd type="triangle"/>
+          </a:ln>
+        </p:spPr>
+        <p:style>
+          <a:lnRef idx="1">
+            <a:schemeClr val="accent1"/>
+          </a:lnRef>
+          <a:fillRef idx="0">
+            <a:schemeClr val="accent1"/>
+          </a:fillRef>
+          <a:effectRef idx="0">
+            <a:schemeClr val="accent1"/>
+          </a:effectRef>
+          <a:fontRef idx="minor">
+            <a:schemeClr val="tx1"/>
+          </a:fontRef>
+        </p:style>
+      </p:cxnSp>
+      <p:sp>
+        <p:nvSpPr>
+          <p:cNvPr id="34" name="모서리가 둥근 직사각형 33"/>
+          <p:cNvSpPr/>
+          <p:nvPr/>
+        </p:nvSpPr>
+        <p:spPr>
+          <a:xfrm>
+            <a:off x="6309335" y="4135526"/>
+            <a:ext cx="815603" cy="584898"/>
+          </a:xfrm>
+          <a:prstGeom prst="roundRect">
+            <a:avLst/>
+          </a:prstGeom>
+        </p:spPr>
+        <p:style>
+          <a:lnRef idx="2">
+            <a:schemeClr val="accent1">
+              <a:shade val="50000"/>
+            </a:schemeClr>
+          </a:lnRef>
+          <a:fillRef idx="1">
+            <a:schemeClr val="accent1"/>
+          </a:fillRef>
+          <a:effectRef idx="0">
+            <a:schemeClr val="accent1"/>
+          </a:effectRef>
+          <a:fontRef idx="minor">
+            <a:schemeClr val="lt1"/>
+          </a:fontRef>
+        </p:style>
+        <p:txBody>
+          <a:bodyPr rot="0" spcFirstLastPara="0" vertOverflow="overflow" horzOverflow="overflow" vert="horz" wrap="square" lIns="80998" tIns="40499" rIns="80998" bIns="40499" numCol="1" spcCol="0" rtlCol="0" fromWordArt="0" anchor="ctr" anchorCtr="0" forceAA="0" compatLnSpc="1">
+            <a:prstTxWarp prst="textNoShape">
+              <a:avLst/>
+            </a:prstTxWarp>
+            <a:noAutofit/>
+          </a:bodyPr>
+          <a:lstStyle/>
+          <a:p>
+            <a:pPr algn="ctr"/>
+            <a:r>
+              <a:rPr lang="en-US" altLang="ko-KR" sz="1594" dirty="0"/>
+              <a:t>init</a:t>
+            </a:r>
+          </a:p>
+        </p:txBody>
+      </p:sp>
+      <p:sp>
+        <p:nvSpPr>
+          <p:cNvPr id="35" name="모서리가 둥근 직사각형 34"/>
+          <p:cNvSpPr/>
+          <p:nvPr/>
+        </p:nvSpPr>
+        <p:spPr>
+          <a:xfrm>
+            <a:off x="7388085" y="4135526"/>
+            <a:ext cx="988580" cy="584898"/>
+          </a:xfrm>
+          <a:prstGeom prst="roundRect">
+            <a:avLst/>
+          </a:prstGeom>
+        </p:spPr>
+        <p:style>
+          <a:lnRef idx="2">
+            <a:schemeClr val="accent1">
+              <a:shade val="50000"/>
+            </a:schemeClr>
+          </a:lnRef>
+          <a:fillRef idx="1">
+            <a:schemeClr val="accent1"/>
+          </a:fillRef>
+          <a:effectRef idx="0">
+            <a:schemeClr val="accent1"/>
+          </a:effectRef>
+          <a:fontRef idx="minor">
+            <a:schemeClr val="lt1"/>
+          </a:fontRef>
+        </p:style>
+        <p:txBody>
+          <a:bodyPr rot="0" spcFirstLastPara="0" vertOverflow="overflow" horzOverflow="overflow" vert="horz" wrap="square" lIns="80998" tIns="40499" rIns="80998" bIns="40499" numCol="1" spcCol="0" rtlCol="0" fromWordArt="0" anchor="ctr" anchorCtr="0" forceAA="0" compatLnSpc="1">
+            <a:prstTxWarp prst="textNoShape">
+              <a:avLst/>
+            </a:prstTxWarp>
+            <a:noAutofit/>
+          </a:bodyPr>
+          <a:lstStyle/>
+          <a:p>
+            <a:pPr algn="ctr"/>
+            <a:r>
+              <a:rPr lang="en-US" altLang="ko-KR" sz="1594" dirty="0"/>
+              <a:t>update</a:t>
+            </a:r>
+          </a:p>
+        </p:txBody>
+      </p:sp>
+      <p:sp>
+        <p:nvSpPr>
+          <p:cNvPr id="36" name="모서리가 둥근 직사각형 35"/>
+          <p:cNvSpPr/>
+          <p:nvPr/>
+        </p:nvSpPr>
+        <p:spPr>
+          <a:xfrm>
+            <a:off x="6222846" y="5006633"/>
+            <a:ext cx="988580" cy="584898"/>
+          </a:xfrm>
+          <a:prstGeom prst="roundRect">
+            <a:avLst/>
+          </a:prstGeom>
+        </p:spPr>
+        <p:style>
+          <a:lnRef idx="2">
+            <a:schemeClr val="accent1">
+              <a:shade val="50000"/>
+            </a:schemeClr>
+          </a:lnRef>
+          <a:fillRef idx="1">
+            <a:schemeClr val="accent1"/>
+          </a:fillRef>
+          <a:effectRef idx="0">
+            <a:schemeClr val="accent1"/>
+          </a:effectRef>
+          <a:fontRef idx="minor">
+            <a:schemeClr val="lt1"/>
+          </a:fontRef>
+        </p:style>
+        <p:txBody>
+          <a:bodyPr rot="0" spcFirstLastPara="0" vertOverflow="overflow" horzOverflow="overflow" vert="horz" wrap="square" lIns="80998" tIns="40499" rIns="80998" bIns="40499" numCol="1" spcCol="0" rtlCol="0" fromWordArt="0" anchor="ctr" anchorCtr="0" forceAA="0" compatLnSpc="1">
+            <a:prstTxWarp prst="textNoShape">
+              <a:avLst/>
+            </a:prstTxWarp>
+            <a:noAutofit/>
+          </a:bodyPr>
+          <a:lstStyle/>
+          <a:p>
+            <a:pPr algn="ctr"/>
+            <a:r>
+              <a:rPr lang="en-US" altLang="ko-KR" sz="1594" dirty="0"/>
+              <a:t>input</a:t>
+            </a:r>
+          </a:p>
+        </p:txBody>
+      </p:sp>
+      <p:sp>
+        <p:nvSpPr>
+          <p:cNvPr id="37" name="모서리가 둥근 직사각형 36"/>
+          <p:cNvSpPr/>
+          <p:nvPr/>
+        </p:nvSpPr>
+        <p:spPr>
+          <a:xfrm>
+            <a:off x="7403522" y="5006633"/>
+            <a:ext cx="988580" cy="584898"/>
+          </a:xfrm>
+          <a:prstGeom prst="roundRect">
+            <a:avLst/>
+          </a:prstGeom>
+        </p:spPr>
+        <p:style>
+          <a:lnRef idx="2">
+            <a:schemeClr val="accent1">
+              <a:shade val="50000"/>
+            </a:schemeClr>
+          </a:lnRef>
+          <a:fillRef idx="1">
+            <a:schemeClr val="accent1"/>
+          </a:fillRef>
+          <a:effectRef idx="0">
+            <a:schemeClr val="accent1"/>
+          </a:effectRef>
+          <a:fontRef idx="minor">
+            <a:schemeClr val="lt1"/>
+          </a:fontRef>
+        </p:style>
+        <p:txBody>
+          <a:bodyPr rot="0" spcFirstLastPara="0" vertOverflow="overflow" horzOverflow="overflow" vert="horz" wrap="square" lIns="80998" tIns="40499" rIns="80998" bIns="40499" numCol="1" spcCol="0" rtlCol="0" fromWordArt="0" anchor="ctr" anchorCtr="0" forceAA="0" compatLnSpc="1">
+            <a:prstTxWarp prst="textNoShape">
+              <a:avLst/>
+            </a:prstTxWarp>
+            <a:noAutofit/>
+          </a:bodyPr>
+          <a:lstStyle/>
+          <a:p>
+            <a:pPr algn="ctr"/>
+            <a:r>
+              <a:rPr lang="en-US" altLang="ko-KR" sz="1594" dirty="0"/>
+              <a:t>simulate</a:t>
+            </a:r>
+          </a:p>
+        </p:txBody>
+      </p:sp>
+      <p:sp>
+        <p:nvSpPr>
+          <p:cNvPr id="38" name="모서리가 둥근 직사각형 37"/>
+          <p:cNvSpPr/>
+          <p:nvPr/>
+        </p:nvSpPr>
+        <p:spPr>
+          <a:xfrm>
+            <a:off x="6222846" y="5851000"/>
+            <a:ext cx="988580" cy="584898"/>
+          </a:xfrm>
+          <a:prstGeom prst="roundRect">
+            <a:avLst/>
+          </a:prstGeom>
+        </p:spPr>
+        <p:style>
+          <a:lnRef idx="2">
+            <a:schemeClr val="accent1">
+              <a:shade val="50000"/>
+            </a:schemeClr>
+          </a:lnRef>
+          <a:fillRef idx="1">
+            <a:schemeClr val="accent1"/>
+          </a:fillRef>
+          <a:effectRef idx="0">
+            <a:schemeClr val="accent1"/>
+          </a:effectRef>
+          <a:fontRef idx="minor">
+            <a:schemeClr val="lt1"/>
+          </a:fontRef>
+        </p:style>
+        <p:txBody>
+          <a:bodyPr rot="0" spcFirstLastPara="0" vertOverflow="overflow" horzOverflow="overflow" vert="horz" wrap="square" lIns="80998" tIns="40499" rIns="80998" bIns="40499" numCol="1" spcCol="0" rtlCol="0" fromWordArt="0" anchor="ctr" anchorCtr="0" forceAA="0" compatLnSpc="1">
+            <a:prstTxWarp prst="textNoShape">
+              <a:avLst/>
+            </a:prstTxWarp>
+            <a:noAutofit/>
+          </a:bodyPr>
+          <a:lstStyle/>
+          <a:p>
+            <a:pPr algn="ctr"/>
+            <a:r>
+              <a:rPr lang="en-US" altLang="ko-KR" sz="1594" dirty="0"/>
+              <a:t>render</a:t>
+            </a:r>
+          </a:p>
+        </p:txBody>
+      </p:sp>
+      <p:cxnSp>
+        <p:nvCxnSpPr>
+          <p:cNvPr id="40" name="직선 화살표 연결선 39"/>
+          <p:cNvCxnSpPr>
+            <a:stCxn id="11" idx="2"/>
+          </p:cNvCxnSpPr>
+          <p:nvPr/>
+        </p:nvCxnSpPr>
+        <p:spPr>
+          <a:xfrm>
+            <a:off x="7193178" y="3891105"/>
+            <a:ext cx="18248" cy="244421"/>
+          </a:xfrm>
+          <a:prstGeom prst="straightConnector1">
+            <a:avLst/>
+          </a:prstGeom>
+          <a:ln>
+            <a:tailEnd type="triangle"/>
+          </a:ln>
+        </p:spPr>
+        <p:style>
+          <a:lnRef idx="1">
+            <a:schemeClr val="accent1"/>
+          </a:lnRef>
+          <a:fillRef idx="0">
+            <a:schemeClr val="accent1"/>
+          </a:fillRef>
+          <a:effectRef idx="0">
+            <a:schemeClr val="accent1"/>
+          </a:effectRef>
+          <a:fontRef idx="minor">
+            <a:schemeClr val="tx1"/>
+          </a:fontRef>
+        </p:style>
+      </p:cxnSp>
+      <p:sp>
+        <p:nvSpPr>
+          <p:cNvPr id="45" name="직사각형 44"/>
+          <p:cNvSpPr/>
+          <p:nvPr/>
+        </p:nvSpPr>
+        <p:spPr>
+          <a:xfrm>
+            <a:off x="130729" y="2367366"/>
+            <a:ext cx="1712590" cy="558159"/>
+          </a:xfrm>
+          <a:prstGeom prst="rect">
+            <a:avLst/>
+          </a:prstGeom>
+        </p:spPr>
+        <p:style>
+          <a:lnRef idx="2">
+            <a:schemeClr val="accent1">
+              <a:shade val="50000"/>
+            </a:schemeClr>
+          </a:lnRef>
+          <a:fillRef idx="1">
+            <a:schemeClr val="accent1"/>
+          </a:fillRef>
+          <a:effectRef idx="0">
+            <a:schemeClr val="accent1"/>
+          </a:effectRef>
+          <a:fontRef idx="minor">
+            <a:schemeClr val="lt1"/>
+          </a:fontRef>
+        </p:style>
+        <p:txBody>
+          <a:bodyPr rot="0" spcFirstLastPara="0" vertOverflow="overflow" horzOverflow="overflow" vert="horz" wrap="square" lIns="80998" tIns="40499" rIns="80998" bIns="40499" numCol="1" spcCol="0" rtlCol="0" fromWordArt="0" anchor="ctr" anchorCtr="0" forceAA="0" compatLnSpc="1">
+            <a:prstTxWarp prst="textNoShape">
+              <a:avLst/>
+            </a:prstTxWarp>
+            <a:noAutofit/>
+          </a:bodyPr>
+          <a:lstStyle/>
+          <a:p>
+            <a:pPr algn="ctr"/>
+            <a:r>
+              <a:rPr lang="en-US" altLang="ko-KR" sz="1594" dirty="0"/>
+              <a:t>Lib</a:t>
+            </a:r>
+          </a:p>
+        </p:txBody>
+      </p:sp>
+      <p:cxnSp>
+        <p:nvCxnSpPr>
+          <p:cNvPr id="46" name="직선 화살표 연결선 45"/>
+          <p:cNvCxnSpPr/>
+          <p:nvPr/>
+        </p:nvCxnSpPr>
+        <p:spPr>
+          <a:xfrm>
+            <a:off x="1001547" y="2925525"/>
+            <a:ext cx="0" cy="673130"/>
+          </a:xfrm>
+          <a:prstGeom prst="straightConnector1">
+            <a:avLst/>
+          </a:prstGeom>
+          <a:ln>
+            <a:tailEnd type="triangle"/>
+          </a:ln>
+        </p:spPr>
+        <p:style>
+          <a:lnRef idx="1">
+            <a:schemeClr val="accent1"/>
+          </a:lnRef>
+          <a:fillRef idx="0">
+            <a:schemeClr val="accent1"/>
+          </a:fillRef>
+          <a:effectRef idx="0">
+            <a:schemeClr val="accent1"/>
+          </a:effectRef>
+          <a:fontRef idx="minor">
+            <a:schemeClr val="tx1"/>
+          </a:fontRef>
+        </p:style>
+      </p:cxnSp>
+      <p:cxnSp>
+        <p:nvCxnSpPr>
+          <p:cNvPr id="3" name="직선 화살표 연결선 2"/>
+          <p:cNvCxnSpPr>
+            <a:stCxn id="4" idx="2"/>
+            <a:endCxn id="5" idx="0"/>
+          </p:cNvCxnSpPr>
+          <p:nvPr/>
+        </p:nvCxnSpPr>
+        <p:spPr>
+          <a:xfrm flipH="1">
+            <a:off x="2253804" y="836496"/>
+            <a:ext cx="3146078" cy="394053"/>
+          </a:xfrm>
+          <a:prstGeom prst="straightConnector1">
+            <a:avLst/>
+          </a:prstGeom>
+          <a:ln>
+            <a:tailEnd type="arrow"/>
+          </a:ln>
+        </p:spPr>
+        <p:style>
+          <a:lnRef idx="1">
+            <a:schemeClr val="accent1"/>
+          </a:lnRef>
+          <a:fillRef idx="0">
+            <a:schemeClr val="accent1"/>
+          </a:fillRef>
+          <a:effectRef idx="0">
+            <a:schemeClr val="accent1"/>
+          </a:effectRef>
+          <a:fontRef idx="minor">
+            <a:schemeClr val="tx1"/>
+          </a:fontRef>
+        </p:style>
+      </p:cxnSp>
+      <p:cxnSp>
+        <p:nvCxnSpPr>
+          <p:cNvPr id="18" name="직선 화살표 연결선 17"/>
+          <p:cNvCxnSpPr>
+            <a:stCxn id="4" idx="2"/>
+            <a:endCxn id="6" idx="0"/>
+          </p:cNvCxnSpPr>
+          <p:nvPr/>
+        </p:nvCxnSpPr>
+        <p:spPr>
+          <a:xfrm>
+            <a:off x="5399882" y="836496"/>
+            <a:ext cx="3177469" cy="394053"/>
+          </a:xfrm>
+          <a:prstGeom prst="straightConnector1">
+            <a:avLst/>
+          </a:prstGeom>
+          <a:ln>
+            <a:tailEnd type="arrow"/>
+          </a:ln>
+        </p:spPr>
+        <p:style>
+          <a:lnRef idx="1">
+            <a:schemeClr val="accent1"/>
+          </a:lnRef>
+          <a:fillRef idx="0">
+            <a:schemeClr val="accent1"/>
+          </a:fillRef>
+          <a:effectRef idx="0">
+            <a:schemeClr val="accent1"/>
+          </a:effectRef>
+          <a:fontRef idx="minor">
+            <a:schemeClr val="tx1"/>
+          </a:fontRef>
+        </p:style>
+      </p:cxnSp>
+    </p:spTree>
+    <p:extLst>
+      <p:ext uri="{BB962C8B-B14F-4D97-AF65-F5344CB8AC3E}">
+        <p14:creationId xmlns:p14="http://schemas.microsoft.com/office/powerpoint/2010/main" val="3688811210"/>
+      </p:ext>
+    </p:extLst>
+  </p:cSld>
+  <p:clrMapOvr>
+    <a:masterClrMapping/>
+  </p:clrMapOvr>
+</p:sld>
+</file>
+
+<file path=ppt/slides/slide5.xml><?xml version="1.0" encoding="utf-8"?>
 <p:sld xmlns:a="http://schemas.openxmlformats.org/drawingml/2006/main" xmlns:r="http://schemas.openxmlformats.org/officeDocument/2006/relationships" xmlns:p="http://schemas.openxmlformats.org/presentationml/2006/main">
   <p:cSld>
     <p:spTree>
@@ -5061,7 +6688,7 @@
   <a:extraClrSchemeLst/>
   <a:extLst>
     <a:ext uri="{05A4C25C-085E-4340-85A3-A5531E510DB2}">
-      <thm15:themeFamily xmlns:thm15="http://schemas.microsoft.com/office/thememl/2012/main" name="Office Theme" id="{62F939B6-93AF-4DB8-9C6B-D6C7DFDC589F}" vid="{4A3C46E8-61CC-4603-A589-7422A47A8E4A}"/>
+      <thm15:themeFamily xmlns:thm15="http://schemas.microsoft.com/office/thememl/2012/main" xmlns="" name="Office Theme" id="{62F939B6-93AF-4DB8-9C6B-D6C7DFDC589F}" vid="{4A3C46E8-61CC-4603-A589-7422A47A8E4A}"/>
     </a:ext>
   </a:extLst>
 </a:theme>

--- a/TETRIS_NEW_S/Plan.pptx
+++ b/TETRIS_NEW_S/Plan.pptx
@@ -110,7 +110,7 @@
   </p:defaultTextStyle>
   <p:extLst>
     <p:ext uri="{EFAFB233-063F-42B5-8137-9DF3F51BA10A}">
-      <p15:sldGuideLst xmlns:p15="http://schemas.microsoft.com/office/powerpoint/2012/main" xmlns="">
+      <p15:sldGuideLst xmlns:p15="http://schemas.microsoft.com/office/powerpoint/2012/main">
         <p15:guide id="1" orient="horz" pos="3401">
           <p15:clr>
             <a:srgbClr val="A4A3A4"/>
@@ -2995,7 +2995,7 @@
           <p:nvPr>
             <p:extLst>
               <p:ext uri="{D42A27DB-BD31-4B8C-83A1-F6EECF244321}">
-                <p14:modId xmlns:p14="http://schemas.microsoft.com/office/powerpoint/2010/main" val="1254904321"/>
+                <p14:modId xmlns:p14="http://schemas.microsoft.com/office/powerpoint/2010/main" val="2631861142"/>
               </p:ext>
             </p:extLst>
           </p:nvPr>
@@ -3014,14 +3014,14 @@
                 <a:gridCol w="5558973">
                   <a:extLst>
                     <a:ext uri="{9D8B030D-6E8A-4147-A177-3AD203B41FA5}">
-                      <a16:colId xmlns:a16="http://schemas.microsoft.com/office/drawing/2014/main" xmlns="" val="20000"/>
+                      <a16:colId xmlns:a16="http://schemas.microsoft.com/office/drawing/2014/main" val="20000"/>
                     </a:ext>
                   </a:extLst>
                 </a:gridCol>
                 <a:gridCol w="5240791">
                   <a:extLst>
                     <a:ext uri="{9D8B030D-6E8A-4147-A177-3AD203B41FA5}">
-                      <a16:colId xmlns:a16="http://schemas.microsoft.com/office/drawing/2014/main" xmlns="" val="20001"/>
+                      <a16:colId xmlns:a16="http://schemas.microsoft.com/office/drawing/2014/main" val="20001"/>
                     </a:ext>
                   </a:extLst>
                 </a:gridCol>
@@ -3151,7 +3151,7 @@
                 </a:tc>
                 <a:extLst>
                   <a:ext uri="{0D108BD9-81ED-4DB2-BD59-A6C34878D82A}">
-                    <a16:rowId xmlns:a16="http://schemas.microsoft.com/office/drawing/2014/main" xmlns="" val="10000"/>
+                    <a16:rowId xmlns:a16="http://schemas.microsoft.com/office/drawing/2014/main" val="10000"/>
                   </a:ext>
                 </a:extLst>
               </a:tr>
@@ -3263,13 +3263,126 @@
                         <a:rPr lang="ko-KR" altLang="en-US" dirty="0"/>
                         <a:t>라이브러리 구현</a:t>
                       </a:r>
+                      <a:endParaRPr lang="en-US" altLang="ko-KR" dirty="0"/>
+                    </a:p>
+                    <a:p>
+                      <a:pPr latinLnBrk="1"/>
+                      <a:endParaRPr lang="en-US" altLang="ko-KR" dirty="0"/>
+                    </a:p>
+                    <a:p>
+                      <a:pPr latinLnBrk="1"/>
+                      <a:r>
+                        <a:rPr lang="en-US" altLang="ko-KR" dirty="0"/>
+                        <a:t>2:</a:t>
+                      </a:r>
+                      <a:r>
+                        <a:rPr lang="ko-KR" altLang="en-US" dirty="0" err="1"/>
+                        <a:t>이중버퍼링</a:t>
+                      </a:r>
+                      <a:r>
+                        <a:rPr lang="ko-KR" altLang="en-US" dirty="0"/>
+                        <a:t> 시스템 구현</a:t>
+                      </a:r>
+                      <a:endParaRPr lang="en-US" altLang="ko-KR" dirty="0"/>
+                    </a:p>
+                    <a:p>
+                      <a:pPr latinLnBrk="1"/>
+                      <a:r>
+                        <a:rPr lang="en-US" altLang="ko-KR" dirty="0"/>
+                        <a:t>//</a:t>
+                      </a:r>
+                      <a:r>
+                        <a:rPr lang="ko-KR" altLang="en-US" dirty="0"/>
+                        <a:t>버퍼 배열</a:t>
+                      </a:r>
+                      <a:r>
+                        <a:rPr lang="en-US" altLang="ko-KR" dirty="0"/>
+                        <a:t> </a:t>
+                      </a:r>
+                      <a:r>
+                        <a:rPr lang="ko-KR" altLang="en-US" dirty="0"/>
+                        <a:t>참조</a:t>
+                      </a:r>
+                      <a:r>
+                        <a:rPr lang="en-US" altLang="ko-KR" dirty="0"/>
+                        <a:t>,</a:t>
+                      </a:r>
+                      <a:r>
+                        <a:rPr lang="ko-KR" altLang="en-US" dirty="0"/>
+                        <a:t>실제 버퍼에 입력</a:t>
+                      </a:r>
+                      <a:endParaRPr lang="en-US" altLang="ko-KR" dirty="0"/>
+                    </a:p>
+                    <a:p>
+                      <a:pPr latinLnBrk="1"/>
+                      <a:r>
+                        <a:rPr lang="en-US" altLang="ko-KR" dirty="0"/>
+                        <a:t>//</a:t>
+                      </a:r>
+                      <a:r>
+                        <a:rPr lang="ko-KR" altLang="en-US" dirty="0"/>
+                        <a:t>스크린 버퍼와 버퍼 배열</a:t>
+                      </a:r>
+                      <a:r>
+                        <a:rPr lang="en-US" altLang="ko-KR" dirty="0"/>
+                        <a:t>,</a:t>
+                      </a:r>
+                      <a:r>
+                        <a:rPr lang="ko-KR" altLang="en-US" dirty="0"/>
+                        <a:t>데이터 배열 등 </a:t>
+                      </a:r>
+                      <a:endParaRPr lang="en-US" altLang="ko-KR" dirty="0"/>
+                    </a:p>
+                    <a:p>
+                      <a:pPr latinLnBrk="1"/>
+                      <a:r>
+                        <a:rPr lang="en-US" altLang="ko-KR" dirty="0"/>
+                        <a:t>//</a:t>
+                      </a:r>
+                      <a:r>
+                        <a:rPr lang="ko-KR" altLang="en-US" dirty="0"/>
+                        <a:t>자료구조 </a:t>
+                      </a:r>
+                      <a:r>
+                        <a:rPr lang="ko-KR" altLang="en-US" dirty="0" err="1"/>
+                        <a:t>리팩토링</a:t>
+                      </a:r>
+                      <a:endParaRPr lang="en-US" altLang="ko-KR" dirty="0"/>
+                    </a:p>
+                    <a:p>
+                      <a:pPr latinLnBrk="1"/>
+                      <a:r>
+                        <a:rPr lang="en-US" altLang="ko-KR" dirty="0"/>
+                        <a:t>  (1):</a:t>
+                      </a:r>
+                      <a:r>
+                        <a:rPr lang="en-US" altLang="ko-KR" dirty="0" err="1"/>
+                        <a:t>buffer.h</a:t>
+                      </a:r>
+                      <a:r>
+                        <a:rPr lang="en-US" altLang="ko-KR" dirty="0"/>
+                        <a:t> </a:t>
+                      </a:r>
+                      <a:r>
+                        <a:rPr lang="ko-KR" altLang="en-US" dirty="0"/>
+                        <a:t>구현 </a:t>
+                      </a:r>
+                      <a:r>
+                        <a:rPr lang="en-US" altLang="ko-KR" dirty="0"/>
+                        <a:t>//</a:t>
+                      </a:r>
+                      <a:r>
+                        <a:rPr lang="ko-KR" altLang="en-US" sz="1600" dirty="0"/>
+                        <a:t>버퍼 배열과 스크린 버퍼 동기화</a:t>
+                      </a:r>
+                      <a:endParaRPr lang="en-US" altLang="ko-KR" dirty="0"/>
                     </a:p>
                   </a:txBody>
                   <a:tcPr/>
                 </a:tc>
                 <a:extLst>
                   <a:ext uri="{0D108BD9-81ED-4DB2-BD59-A6C34878D82A}">
-                    <a16:rowId xmlns:a16="http://schemas.microsoft.com/office/drawing/2014/main" xmlns="" val="10001"/>
+                    <a16:rowId xmlns:a16="http://schemas.microsoft.com/office/drawing/2014/main" val="10001"/>
                   </a:ext>
                 </a:extLst>
               </a:tr>
@@ -3312,7 +3425,7 @@
           <p:cNvPr id="1026" name="Picture 2" descr="게임제작개론 : #6 게임 시스템 구조에 대한 이해">
             <a:extLst>
               <a:ext uri="{FF2B5EF4-FFF2-40B4-BE49-F238E27FC236}">
-                <a16:creationId xmlns:a16="http://schemas.microsoft.com/office/drawing/2014/main" xmlns="" id="{5AA2E3DF-9B1B-42F8-87D8-4867D943D1DD}"/>
+                <a16:creationId xmlns:a16="http://schemas.microsoft.com/office/drawing/2014/main" id="{5AA2E3DF-9B1B-42F8-87D8-4867D943D1DD}"/>
               </a:ext>
             </a:extLst>
           </p:cNvPr>
@@ -3405,7 +3518,7 @@
           <a:lstStyle/>
           <a:p>
             <a:r>
-              <a:rPr lang="en-US" altLang="ko-KR" dirty="0" smtClean="0"/>
+              <a:rPr lang="en-US" altLang="ko-KR" dirty="0"/>
               <a:t>CHEAT SHEET</a:t>
             </a:r>
             <a:endParaRPr lang="ko-KR" altLang="en-US" dirty="0"/>
@@ -3455,7 +3568,7 @@
               <a:t>형 변수에 </a:t>
             </a:r>
             <a:r>
-              <a:rPr lang="ko-KR" altLang="en-US" dirty="0" err="1" smtClean="0">
+              <a:rPr lang="ko-KR" altLang="en-US" dirty="0" err="1">
                 <a:solidFill>
                   <a:schemeClr val="accent6"/>
                 </a:solidFill>
@@ -3465,36 +3578,26 @@
               <a:t>리턴값을</a:t>
             </a:r>
             <a:r>
-              <a:rPr lang="ko-KR" altLang="en-US" dirty="0" smtClean="0">
+              <a:rPr lang="ko-KR" altLang="en-US" dirty="0">
                 <a:solidFill>
                   <a:schemeClr val="accent6"/>
                 </a:solidFill>
                 <a:latin typeface="돋움체"/>
                 <a:ea typeface="돋움체"/>
               </a:rPr>
-              <a:t> 넘겨서 </a:t>
-            </a:r>
-            <a:r>
-              <a:rPr lang="ko-KR" altLang="en-US" dirty="0">
+              <a:t> 넘겨서 스크린 버퍼 핸들로 만들어준다</a:t>
+            </a:r>
+            <a:r>
+              <a:rPr lang="en-US" altLang="ko-KR" dirty="0">
                 <a:solidFill>
                   <a:schemeClr val="accent6"/>
                 </a:solidFill>
                 <a:latin typeface="돋움체"/>
                 <a:ea typeface="돋움체"/>
               </a:rPr>
-              <a:t>스크린 버퍼 핸들로 만들어준다</a:t>
-            </a:r>
-            <a:r>
-              <a:rPr lang="en-US" altLang="ko-KR" dirty="0" smtClean="0">
-                <a:solidFill>
-                  <a:schemeClr val="accent6"/>
-                </a:solidFill>
-                <a:latin typeface="돋움체"/>
-                <a:ea typeface="돋움체"/>
-              </a:rPr>
               <a:t>.</a:t>
             </a:r>
-            <a:endParaRPr lang="en-US" altLang="ko-KR" dirty="0" smtClean="0">
+            <a:endParaRPr lang="en-US" altLang="ko-KR" dirty="0">
               <a:solidFill>
                 <a:srgbClr val="FF0000"/>
               </a:solidFill>
@@ -3504,7 +3607,7 @@
           </a:p>
           <a:p>
             <a:r>
-              <a:rPr lang="en-US" altLang="ko-KR" dirty="0" smtClean="0">
+              <a:rPr lang="en-US" altLang="ko-KR" dirty="0">
                 <a:solidFill>
                   <a:srgbClr val="FF0000"/>
                 </a:solidFill>
@@ -3514,7 +3617,7 @@
               <a:t>CreateConsoleScreenBuffer</a:t>
             </a:r>
             <a:r>
-              <a:rPr lang="en-US" altLang="ko-KR" dirty="0" smtClean="0">
+              <a:rPr lang="en-US" altLang="ko-KR" dirty="0">
                 <a:solidFill>
                   <a:srgbClr val="000000"/>
                 </a:solidFill>
@@ -3526,7 +3629,7 @@
           </a:p>
           <a:p>
             <a:r>
-              <a:rPr lang="en-US" altLang="ko-KR" dirty="0" smtClean="0">
+              <a:rPr lang="en-US" altLang="ko-KR" dirty="0">
                 <a:solidFill>
                   <a:srgbClr val="000000"/>
                 </a:solidFill>
@@ -3536,24 +3639,14 @@
               <a:t>    </a:t>
             </a:r>
             <a:r>
-              <a:rPr lang="en-US" altLang="ko-KR" dirty="0" smtClean="0">
+              <a:rPr lang="en-US" altLang="ko-KR" dirty="0">
                 <a:solidFill>
                   <a:srgbClr val="6F008A"/>
                 </a:solidFill>
                 <a:latin typeface="돋움체"/>
                 <a:ea typeface="돋움체"/>
               </a:rPr>
-              <a:t>_</a:t>
-            </a:r>
-            <a:r>
-              <a:rPr lang="en-US" altLang="ko-KR" dirty="0">
-                <a:solidFill>
-                  <a:srgbClr val="6F008A"/>
-                </a:solidFill>
-                <a:latin typeface="돋움체"/>
-                <a:ea typeface="돋움체"/>
-              </a:rPr>
-              <a:t>In_</a:t>
+              <a:t>_In_</a:t>
             </a:r>
             <a:r>
               <a:rPr lang="en-US" altLang="ko-KR" dirty="0">
@@ -3596,27 +3689,17 @@
               <a:t>dwDesiredAccess</a:t>
             </a:r>
             <a:r>
-              <a:rPr lang="en-US" altLang="ko-KR" dirty="0" smtClean="0">
-                <a:solidFill>
-                  <a:srgbClr val="000000"/>
-                </a:solidFill>
-                <a:latin typeface="돋움체"/>
-                <a:ea typeface="돋움체"/>
-              </a:rPr>
-              <a:t>,  </a:t>
-            </a:r>
-            <a:r>
-              <a:rPr lang="en-US" altLang="ko-KR" dirty="0">
-                <a:solidFill>
-                  <a:srgbClr val="000000"/>
-                </a:solidFill>
-                <a:latin typeface="돋움체"/>
-                <a:ea typeface="돋움체"/>
-              </a:rPr>
-              <a:t>	</a:t>
-            </a:r>
-            <a:r>
-              <a:rPr lang="en-US" altLang="ko-KR" dirty="0" smtClean="0">
+              <a:rPr lang="en-US" altLang="ko-KR" dirty="0">
+                <a:solidFill>
+                  <a:srgbClr val="000000"/>
+                </a:solidFill>
+                <a:latin typeface="돋움체"/>
+                <a:ea typeface="돋움체"/>
+              </a:rPr>
+              <a:t>,  	</a:t>
+            </a:r>
+            <a:r>
+              <a:rPr lang="en-US" altLang="ko-KR" dirty="0">
                 <a:solidFill>
                   <a:schemeClr val="accent6"/>
                 </a:solidFill>
@@ -3626,7 +3709,7 @@
               <a:t>//GENERIC_READ | GENERIC_WRITE </a:t>
             </a:r>
             <a:r>
-              <a:rPr lang="ko-KR" altLang="en-US" dirty="0" smtClean="0">
+              <a:rPr lang="ko-KR" altLang="en-US" dirty="0">
                 <a:solidFill>
                   <a:schemeClr val="accent6"/>
                 </a:solidFill>
@@ -3705,7 +3788,7 @@
               <a:t>dwShareMode</a:t>
             </a:r>
             <a:r>
-              <a:rPr lang="en-US" altLang="ko-KR" dirty="0" smtClean="0">
+              <a:rPr lang="en-US" altLang="ko-KR" dirty="0">
                 <a:solidFill>
                   <a:srgbClr val="000000"/>
                 </a:solidFill>
@@ -3715,7 +3798,7 @@
               <a:t>,	 	</a:t>
             </a:r>
             <a:r>
-              <a:rPr lang="en-US" altLang="ko-KR" dirty="0" smtClean="0">
+              <a:rPr lang="en-US" altLang="ko-KR" dirty="0">
                 <a:solidFill>
                   <a:schemeClr val="accent6"/>
                 </a:solidFill>
@@ -3977,7 +4060,7 @@
               <a:t>    </a:t>
             </a:r>
             <a:r>
-              <a:rPr lang="en-US" altLang="ko-KR" dirty="0" smtClean="0">
+              <a:rPr lang="en-US" altLang="ko-KR" dirty="0">
                 <a:solidFill>
                   <a:srgbClr val="000000"/>
                 </a:solidFill>
@@ -4171,7 +4254,7 @@
               <a:t>    </a:t>
             </a:r>
             <a:r>
-              <a:rPr lang="en-US" altLang="ko-KR" dirty="0" smtClean="0">
+              <a:rPr lang="en-US" altLang="ko-KR" dirty="0">
                 <a:solidFill>
                   <a:srgbClr val="000000"/>
                 </a:solidFill>
@@ -4601,7 +4684,7 @@
               <a:t>    </a:t>
             </a:r>
             <a:r>
-              <a:rPr lang="en-US" altLang="ko-KR" dirty="0" smtClean="0">
+              <a:rPr lang="en-US" altLang="ko-KR" dirty="0">
                 <a:solidFill>
                   <a:srgbClr val="000000"/>
                 </a:solidFill>
@@ -4744,7 +4827,7 @@
           </a:p>
           <a:p>
             <a:r>
-              <a:rPr lang="en-US" altLang="ko-KR" dirty="0" smtClean="0">
+              <a:rPr lang="en-US" altLang="ko-KR" dirty="0">
                 <a:solidFill>
                   <a:srgbClr val="000000"/>
                 </a:solidFill>
@@ -4756,7 +4839,7 @@
           </a:p>
           <a:p>
             <a:r>
-              <a:rPr lang="en-US" altLang="ko-KR" dirty="0" smtClean="0">
+              <a:rPr lang="en-US" altLang="ko-KR" dirty="0">
                 <a:solidFill>
                   <a:srgbClr val="000000"/>
                 </a:solidFill>
@@ -4766,7 +4849,7 @@
               <a:t>Static HANDLE buffer[2]; </a:t>
             </a:r>
             <a:r>
-              <a:rPr lang="en-US" altLang="ko-KR" dirty="0" smtClean="0">
+              <a:rPr lang="en-US" altLang="ko-KR" dirty="0">
                 <a:solidFill>
                   <a:schemeClr val="accent6"/>
                 </a:solidFill>
@@ -4786,22 +4869,12 @@
                 <a:latin typeface="돋움체"/>
                 <a:ea typeface="돋움체"/>
               </a:rPr>
-              <a:t>DWORD dw; //unsigned </a:t>
-            </a:r>
-            <a:r>
-              <a:rPr lang="en-US" altLang="ko-KR" dirty="0" smtClean="0">
-                <a:solidFill>
-                  <a:srgbClr val="000000"/>
-                </a:solidFill>
-                <a:latin typeface="돋움체"/>
-                <a:ea typeface="돋움체"/>
-              </a:rPr>
-              <a:t>long</a:t>
-            </a:r>
-          </a:p>
-          <a:p>
-            <a:r>
-              <a:rPr lang="en-US" altLang="ko-KR" dirty="0" smtClean="0">
+              <a:t>DWORD dw; //unsigned long</a:t>
+            </a:r>
+          </a:p>
+          <a:p>
+            <a:r>
+              <a:rPr lang="en-US" altLang="ko-KR" dirty="0">
                 <a:solidFill>
                   <a:srgbClr val="000000"/>
                 </a:solidFill>
@@ -4813,7 +4886,7 @@
           </a:p>
           <a:p>
             <a:r>
-              <a:rPr lang="en-US" altLang="ko-KR" dirty="0" smtClean="0">
+              <a:rPr lang="en-US" altLang="ko-KR" dirty="0">
                 <a:solidFill>
                   <a:srgbClr val="FF0000"/>
                 </a:solidFill>
@@ -4823,7 +4896,7 @@
               <a:t>CreateConsoleScreenBuffer</a:t>
             </a:r>
             <a:r>
-              <a:rPr lang="en-US" altLang="ko-KR" dirty="0" smtClean="0">
+              <a:rPr lang="en-US" altLang="ko-KR" dirty="0">
                 <a:solidFill>
                   <a:srgbClr val="000000"/>
                 </a:solidFill>
@@ -4835,7 +4908,7 @@
           </a:p>
           <a:p>
             <a:r>
-              <a:rPr lang="en-US" altLang="ko-KR" dirty="0" smtClean="0">
+              <a:rPr lang="en-US" altLang="ko-KR" dirty="0">
                 <a:solidFill>
                   <a:srgbClr val="000000"/>
                 </a:solidFill>
@@ -4844,6 +4917,106 @@
               </a:rPr>
               <a:t>buffer[1]=</a:t>
             </a:r>
+          </a:p>
+          <a:p>
+            <a:r>
+              <a:rPr lang="en-US" altLang="ko-KR" dirty="0">
+                <a:solidFill>
+                  <a:srgbClr val="FF0000"/>
+                </a:solidFill>
+                <a:latin typeface="돋움체"/>
+                <a:ea typeface="돋움체"/>
+              </a:rPr>
+              <a:t>CreateConsoleScreenBuffer</a:t>
+            </a:r>
+            <a:r>
+              <a:rPr lang="en-US" altLang="ko-KR" dirty="0">
+                <a:solidFill>
+                  <a:srgbClr val="000000"/>
+                </a:solidFill>
+                <a:latin typeface="돋움체"/>
+                <a:ea typeface="돋움체"/>
+              </a:rPr>
+              <a:t>(GENERIC_READ|GENERIC_WRITE,0,NULL,CONSOLE_TEXTMODE_BUFFER,NULL); COORD CursorPosition = { 0 , 0 }; </a:t>
+            </a:r>
+            <a:r>
+              <a:rPr lang="en-US" altLang="ko-KR" dirty="0">
+                <a:solidFill>
+                  <a:schemeClr val="accent6"/>
+                </a:solidFill>
+                <a:latin typeface="돋움체"/>
+                <a:ea typeface="돋움체"/>
+              </a:rPr>
+              <a:t>// CursorPosition (var name) =  { x , y}</a:t>
+            </a:r>
+          </a:p>
+          <a:p>
+            <a:r>
+              <a:rPr lang="en-US" altLang="ko-KR" dirty="0">
+                <a:solidFill>
+                  <a:srgbClr val="0070C0"/>
+                </a:solidFill>
+                <a:latin typeface="돋움체"/>
+                <a:ea typeface="돋움체"/>
+              </a:rPr>
+              <a:t>SetConsoleCursorPosition</a:t>
+            </a:r>
+            <a:r>
+              <a:rPr lang="en-US" altLang="ko-KR" dirty="0">
+                <a:solidFill>
+                  <a:srgbClr val="000000"/>
+                </a:solidFill>
+                <a:latin typeface="돋움체"/>
+                <a:ea typeface="돋움체"/>
+              </a:rPr>
+              <a:t>(buffer[0],CursorPosition);</a:t>
+            </a:r>
+          </a:p>
+          <a:p>
+            <a:r>
+              <a:rPr lang="en-US" altLang="ko-KR" dirty="0">
+                <a:solidFill>
+                  <a:schemeClr val="accent4"/>
+                </a:solidFill>
+                <a:latin typeface="돋움체"/>
+                <a:ea typeface="돋움체"/>
+              </a:rPr>
+              <a:t>WriteFile</a:t>
+            </a:r>
+            <a:r>
+              <a:rPr lang="en-US" altLang="ko-KR" dirty="0">
+                <a:solidFill>
+                  <a:srgbClr val="000000"/>
+                </a:solidFill>
+                <a:latin typeface="돋움체"/>
+                <a:ea typeface="돋움체"/>
+              </a:rPr>
+              <a:t>(buffer[0],”Hello,World!”,strlen(“Hello,World!”),&amp;dw,NULL);</a:t>
+            </a:r>
+          </a:p>
+          <a:p>
+            <a:r>
+              <a:rPr lang="en-US" altLang="ko-KR" dirty="0">
+                <a:solidFill>
+                  <a:srgbClr val="E85BFF"/>
+                </a:solidFill>
+                <a:latin typeface="돋움체"/>
+                <a:ea typeface="돋움체"/>
+              </a:rPr>
+              <a:t>SetConsoleActiveScreenBuffer</a:t>
+            </a:r>
+            <a:r>
+              <a:rPr lang="en-US" altLang="ko-KR" dirty="0">
+                <a:solidFill>
+                  <a:srgbClr val="000000"/>
+                </a:solidFill>
+                <a:latin typeface="돋움체"/>
+                <a:ea typeface="돋움체"/>
+              </a:rPr>
+              <a:t>(buffer[0]);</a:t>
+            </a:r>
+          </a:p>
+          <a:p>
             <a:endParaRPr lang="en-US" altLang="ko-KR" dirty="0">
               <a:solidFill>
                 <a:srgbClr val="000000"/>
@@ -4853,144 +5026,7 @@
             </a:endParaRPr>
           </a:p>
           <a:p>
-            <a:r>
-              <a:rPr lang="en-US" altLang="ko-KR" dirty="0">
-                <a:solidFill>
-                  <a:srgbClr val="FF0000"/>
-                </a:solidFill>
-                <a:latin typeface="돋움체"/>
-                <a:ea typeface="돋움체"/>
-              </a:rPr>
-              <a:t>CreateConsoleScreenBuffer</a:t>
-            </a:r>
-            <a:r>
-              <a:rPr lang="en-US" altLang="ko-KR" dirty="0">
-                <a:solidFill>
-                  <a:srgbClr val="000000"/>
-                </a:solidFill>
-                <a:latin typeface="돋움체"/>
-                <a:ea typeface="돋움체"/>
-              </a:rPr>
-              <a:t>(GENERIC_READ|GENERIC_WRITE,0,NULL,CONSOLE_TEXTMODE_BUFFER,NULL); </a:t>
-            </a:r>
-            <a:r>
-              <a:rPr lang="en-US" altLang="ko-KR" dirty="0" smtClean="0">
-                <a:solidFill>
-                  <a:srgbClr val="000000"/>
-                </a:solidFill>
-                <a:latin typeface="돋움체"/>
-                <a:ea typeface="돋움체"/>
-              </a:rPr>
-              <a:t>COORD </a:t>
-            </a:r>
-            <a:r>
-              <a:rPr lang="en-US" altLang="ko-KR" dirty="0">
-                <a:solidFill>
-                  <a:srgbClr val="000000"/>
-                </a:solidFill>
-                <a:latin typeface="돋움체"/>
-                <a:ea typeface="돋움체"/>
-              </a:rPr>
-              <a:t>CursorPosition = { 0 , 0 }; </a:t>
-            </a:r>
-            <a:r>
-              <a:rPr lang="en-US" altLang="ko-KR" dirty="0">
-                <a:solidFill>
-                  <a:schemeClr val="accent6"/>
-                </a:solidFill>
-                <a:latin typeface="돋움체"/>
-                <a:ea typeface="돋움체"/>
-              </a:rPr>
-              <a:t>// CursorPosition (var name) =  { x , y</a:t>
-            </a:r>
-            <a:r>
-              <a:rPr lang="en-US" altLang="ko-KR" dirty="0" smtClean="0">
-                <a:solidFill>
-                  <a:schemeClr val="accent6"/>
-                </a:solidFill>
-                <a:latin typeface="돋움체"/>
-                <a:ea typeface="돋움체"/>
-              </a:rPr>
-              <a:t>}</a:t>
-            </a:r>
-          </a:p>
-          <a:p>
-            <a:r>
-              <a:rPr lang="en-US" altLang="ko-KR" dirty="0" smtClean="0">
-                <a:solidFill>
-                  <a:srgbClr val="0070C0"/>
-                </a:solidFill>
-                <a:latin typeface="돋움체"/>
-                <a:ea typeface="돋움체"/>
-              </a:rPr>
-              <a:t>SetConsoleCursorPosition</a:t>
-            </a:r>
-            <a:r>
-              <a:rPr lang="en-US" altLang="ko-KR" dirty="0" smtClean="0">
-                <a:solidFill>
-                  <a:srgbClr val="000000"/>
-                </a:solidFill>
-                <a:latin typeface="돋움체"/>
-                <a:ea typeface="돋움체"/>
-              </a:rPr>
-              <a:t>(buffer[0],CursorPosition);</a:t>
-            </a:r>
-          </a:p>
-          <a:p>
-            <a:r>
-              <a:rPr lang="en-US" altLang="ko-KR" dirty="0" smtClean="0">
-                <a:solidFill>
-                  <a:schemeClr val="accent4"/>
-                </a:solidFill>
-                <a:latin typeface="돋움체"/>
-                <a:ea typeface="돋움체"/>
-              </a:rPr>
-              <a:t>WriteFile</a:t>
-            </a:r>
-            <a:r>
-              <a:rPr lang="en-US" altLang="ko-KR" dirty="0" smtClean="0">
-                <a:solidFill>
-                  <a:srgbClr val="000000"/>
-                </a:solidFill>
-                <a:latin typeface="돋움체"/>
-                <a:ea typeface="돋움체"/>
-              </a:rPr>
-              <a:t>(buffer[0],”Hello,World!”,strlen(“Hello,World!”),&amp;dw,NULL);</a:t>
-            </a:r>
-          </a:p>
-          <a:p>
-            <a:r>
-              <a:rPr lang="en-US" altLang="ko-KR" dirty="0" smtClean="0">
-                <a:solidFill>
-                  <a:srgbClr val="E85BFF"/>
-                </a:solidFill>
-                <a:latin typeface="돋움체"/>
-                <a:ea typeface="돋움체"/>
-              </a:rPr>
-              <a:t>SetConsoleActiveScreenBuffer</a:t>
-            </a:r>
-            <a:r>
-              <a:rPr lang="en-US" altLang="ko-KR" dirty="0" smtClean="0">
-                <a:solidFill>
-                  <a:srgbClr val="000000"/>
-                </a:solidFill>
-                <a:latin typeface="돋움체"/>
-                <a:ea typeface="돋움체"/>
-              </a:rPr>
-              <a:t>(buffer[0]);</a:t>
-            </a:r>
-          </a:p>
-          <a:p>
-            <a:endParaRPr lang="en-US" altLang="ko-KR" dirty="0" smtClean="0">
-              <a:solidFill>
-                <a:srgbClr val="000000"/>
-              </a:solidFill>
-              <a:latin typeface="돋움체"/>
-              <a:ea typeface="돋움체"/>
-            </a:endParaRPr>
-          </a:p>
-          <a:p>
-            <a:endParaRPr lang="ko-KR" altLang="en-US" dirty="0" smtClean="0"/>
+            <a:endParaRPr lang="ko-KR" altLang="en-US" dirty="0"/>
           </a:p>
           <a:p>
             <a:endParaRPr lang="ko-KR" altLang="en-US" dirty="0"/>
@@ -6688,7 +6724,7 @@
   <a:extraClrSchemeLst/>
   <a:extLst>
     <a:ext uri="{05A4C25C-085E-4340-85A3-A5531E510DB2}">
-      <thm15:themeFamily xmlns:thm15="http://schemas.microsoft.com/office/thememl/2012/main" xmlns="" name="Office Theme" id="{62F939B6-93AF-4DB8-9C6B-D6C7DFDC589F}" vid="{4A3C46E8-61CC-4603-A589-7422A47A8E4A}"/>
+      <thm15:themeFamily xmlns:thm15="http://schemas.microsoft.com/office/thememl/2012/main" name="Office Theme" id="{62F939B6-93AF-4DB8-9C6B-D6C7DFDC589F}" vid="{4A3C46E8-61CC-4603-A589-7422A47A8E4A}"/>
     </a:ext>
   </a:extLst>
 </a:theme>

--- a/TETRIS_NEW_S/Plan.pptx
+++ b/TETRIS_NEW_S/Plan.pptx
@@ -110,7 +110,7 @@
   </p:defaultTextStyle>
   <p:extLst>
     <p:ext uri="{EFAFB233-063F-42B5-8137-9DF3F51BA10A}">
-      <p15:sldGuideLst xmlns:p15="http://schemas.microsoft.com/office/powerpoint/2012/main">
+      <p15:sldGuideLst xmlns:p15="http://schemas.microsoft.com/office/powerpoint/2012/main" xmlns="">
         <p15:guide id="1" orient="horz" pos="3401">
           <p15:clr>
             <a:srgbClr val="A4A3A4"/>
@@ -258,7 +258,7 @@
           <a:p>
             <a:fld id="{7B4AEC64-C389-4369-9319-C0AE625A87B9}" type="datetimeFigureOut">
               <a:rPr lang="ko-KR" altLang="en-US" smtClean="0"/>
-              <a:t>2020-10-22</a:t>
+              <a:t>2020-10-23</a:t>
             </a:fld>
             <a:endParaRPr lang="ko-KR" altLang="en-US" dirty="0"/>
           </a:p>
@@ -428,7 +428,7 @@
           <a:p>
             <a:fld id="{7B4AEC64-C389-4369-9319-C0AE625A87B9}" type="datetimeFigureOut">
               <a:rPr lang="ko-KR" altLang="en-US" smtClean="0"/>
-              <a:t>2020-10-22</a:t>
+              <a:t>2020-10-23</a:t>
             </a:fld>
             <a:endParaRPr lang="ko-KR" altLang="en-US" dirty="0"/>
           </a:p>
@@ -608,7 +608,7 @@
           <a:p>
             <a:fld id="{7B4AEC64-C389-4369-9319-C0AE625A87B9}" type="datetimeFigureOut">
               <a:rPr lang="ko-KR" altLang="en-US" smtClean="0"/>
-              <a:t>2020-10-22</a:t>
+              <a:t>2020-10-23</a:t>
             </a:fld>
             <a:endParaRPr lang="ko-KR" altLang="en-US" dirty="0"/>
           </a:p>
@@ -778,7 +778,7 @@
           <a:p>
             <a:fld id="{7B4AEC64-C389-4369-9319-C0AE625A87B9}" type="datetimeFigureOut">
               <a:rPr lang="ko-KR" altLang="en-US" smtClean="0"/>
-              <a:t>2020-10-22</a:t>
+              <a:t>2020-10-23</a:t>
             </a:fld>
             <a:endParaRPr lang="ko-KR" altLang="en-US" dirty="0"/>
           </a:p>
@@ -1022,7 +1022,7 @@
           <a:p>
             <a:fld id="{7B4AEC64-C389-4369-9319-C0AE625A87B9}" type="datetimeFigureOut">
               <a:rPr lang="ko-KR" altLang="en-US" smtClean="0"/>
-              <a:t>2020-10-22</a:t>
+              <a:t>2020-10-23</a:t>
             </a:fld>
             <a:endParaRPr lang="ko-KR" altLang="en-US" dirty="0"/>
           </a:p>
@@ -1254,7 +1254,7 @@
           <a:p>
             <a:fld id="{7B4AEC64-C389-4369-9319-C0AE625A87B9}" type="datetimeFigureOut">
               <a:rPr lang="ko-KR" altLang="en-US" smtClean="0"/>
-              <a:t>2020-10-22</a:t>
+              <a:t>2020-10-23</a:t>
             </a:fld>
             <a:endParaRPr lang="ko-KR" altLang="en-US" dirty="0"/>
           </a:p>
@@ -1621,7 +1621,7 @@
           <a:p>
             <a:fld id="{7B4AEC64-C389-4369-9319-C0AE625A87B9}" type="datetimeFigureOut">
               <a:rPr lang="ko-KR" altLang="en-US" smtClean="0"/>
-              <a:t>2020-10-22</a:t>
+              <a:t>2020-10-23</a:t>
             </a:fld>
             <a:endParaRPr lang="ko-KR" altLang="en-US" dirty="0"/>
           </a:p>
@@ -1739,7 +1739,7 @@
           <a:p>
             <a:fld id="{7B4AEC64-C389-4369-9319-C0AE625A87B9}" type="datetimeFigureOut">
               <a:rPr lang="ko-KR" altLang="en-US" smtClean="0"/>
-              <a:t>2020-10-22</a:t>
+              <a:t>2020-10-23</a:t>
             </a:fld>
             <a:endParaRPr lang="ko-KR" altLang="en-US" dirty="0"/>
           </a:p>
@@ -1834,7 +1834,7 @@
           <a:p>
             <a:fld id="{7B4AEC64-C389-4369-9319-C0AE625A87B9}" type="datetimeFigureOut">
               <a:rPr lang="ko-KR" altLang="en-US" smtClean="0"/>
-              <a:t>2020-10-22</a:t>
+              <a:t>2020-10-23</a:t>
             </a:fld>
             <a:endParaRPr lang="ko-KR" altLang="en-US" dirty="0"/>
           </a:p>
@@ -2111,7 +2111,7 @@
           <a:p>
             <a:fld id="{7B4AEC64-C389-4369-9319-C0AE625A87B9}" type="datetimeFigureOut">
               <a:rPr lang="ko-KR" altLang="en-US" smtClean="0"/>
-              <a:t>2020-10-22</a:t>
+              <a:t>2020-10-23</a:t>
             </a:fld>
             <a:endParaRPr lang="ko-KR" altLang="en-US" dirty="0"/>
           </a:p>
@@ -2368,7 +2368,7 @@
           <a:p>
             <a:fld id="{7B4AEC64-C389-4369-9319-C0AE625A87B9}" type="datetimeFigureOut">
               <a:rPr lang="ko-KR" altLang="en-US" smtClean="0"/>
-              <a:t>2020-10-22</a:t>
+              <a:t>2020-10-23</a:t>
             </a:fld>
             <a:endParaRPr lang="ko-KR" altLang="en-US" dirty="0"/>
           </a:p>
@@ -2581,7 +2581,7 @@
           <a:p>
             <a:fld id="{7B4AEC64-C389-4369-9319-C0AE625A87B9}" type="datetimeFigureOut">
               <a:rPr lang="ko-KR" altLang="en-US" smtClean="0"/>
-              <a:t>2020-10-22</a:t>
+              <a:t>2020-10-23</a:t>
             </a:fld>
             <a:endParaRPr lang="ko-KR" altLang="en-US" dirty="0"/>
           </a:p>
@@ -2995,7 +2995,7 @@
           <p:nvPr>
             <p:extLst>
               <p:ext uri="{D42A27DB-BD31-4B8C-83A1-F6EECF244321}">
-                <p14:modId xmlns:p14="http://schemas.microsoft.com/office/powerpoint/2010/main" val="2631861142"/>
+                <p14:modId xmlns:p14="http://schemas.microsoft.com/office/powerpoint/2010/main" val="2377611836"/>
               </p:ext>
             </p:extLst>
           </p:nvPr>
@@ -3014,14 +3014,14 @@
                 <a:gridCol w="5558973">
                   <a:extLst>
                     <a:ext uri="{9D8B030D-6E8A-4147-A177-3AD203B41FA5}">
-                      <a16:colId xmlns:a16="http://schemas.microsoft.com/office/drawing/2014/main" val="20000"/>
+                      <a16:colId xmlns:a16="http://schemas.microsoft.com/office/drawing/2014/main" xmlns="" val="20000"/>
                     </a:ext>
                   </a:extLst>
                 </a:gridCol>
                 <a:gridCol w="5240791">
                   <a:extLst>
                     <a:ext uri="{9D8B030D-6E8A-4147-A177-3AD203B41FA5}">
-                      <a16:colId xmlns:a16="http://schemas.microsoft.com/office/drawing/2014/main" val="20001"/>
+                      <a16:colId xmlns:a16="http://schemas.microsoft.com/office/drawing/2014/main" xmlns="" val="20001"/>
                     </a:ext>
                   </a:extLst>
                 </a:gridCol>
@@ -3118,6 +3118,15 @@
                         <a:rPr lang="en-US" altLang="ko-KR" dirty="0"/>
                         <a:t>[25][12] </a:t>
                       </a:r>
+                      <a:endParaRPr lang="en-US" altLang="ko-KR" dirty="0" smtClean="0"/>
+                    </a:p>
+                    <a:p>
+                      <a:pPr latinLnBrk="1"/>
+                      <a:endParaRPr lang="en-US" altLang="ko-KR" smtClean="0"/>
+                    </a:p>
+                    <a:p>
+                      <a:pPr latinLnBrk="1"/>
+                      <a:endParaRPr lang="en-US" altLang="ko-KR" dirty="0"/>
                     </a:p>
                     <a:p>
                       <a:pPr latinLnBrk="1"/>
@@ -3151,7 +3160,7 @@
                 </a:tc>
                 <a:extLst>
                   <a:ext uri="{0D108BD9-81ED-4DB2-BD59-A6C34878D82A}">
-                    <a16:rowId xmlns:a16="http://schemas.microsoft.com/office/drawing/2014/main" val="10000"/>
+                    <a16:rowId xmlns:a16="http://schemas.microsoft.com/office/drawing/2014/main" xmlns="" val="10000"/>
                   </a:ext>
                 </a:extLst>
               </a:tr>
@@ -3382,7 +3391,7 @@
                 </a:tc>
                 <a:extLst>
                   <a:ext uri="{0D108BD9-81ED-4DB2-BD59-A6C34878D82A}">
-                    <a16:rowId xmlns:a16="http://schemas.microsoft.com/office/drawing/2014/main" val="10001"/>
+                    <a16:rowId xmlns:a16="http://schemas.microsoft.com/office/drawing/2014/main" xmlns="" val="10001"/>
                   </a:ext>
                 </a:extLst>
               </a:tr>
@@ -3425,7 +3434,7 @@
           <p:cNvPr id="1026" name="Picture 2" descr="게임제작개론 : #6 게임 시스템 구조에 대한 이해">
             <a:extLst>
               <a:ext uri="{FF2B5EF4-FFF2-40B4-BE49-F238E27FC236}">
-                <a16:creationId xmlns:a16="http://schemas.microsoft.com/office/drawing/2014/main" id="{5AA2E3DF-9B1B-42F8-87D8-4867D943D1DD}"/>
+                <a16:creationId xmlns:a16="http://schemas.microsoft.com/office/drawing/2014/main" xmlns="" id="{5AA2E3DF-9B1B-42F8-87D8-4867D943D1DD}"/>
               </a:ext>
             </a:extLst>
           </p:cNvPr>
@@ -6724,7 +6733,7 @@
   <a:extraClrSchemeLst/>
   <a:extLst>
     <a:ext uri="{05A4C25C-085E-4340-85A3-A5531E510DB2}">
-      <thm15:themeFamily xmlns:thm15="http://schemas.microsoft.com/office/thememl/2012/main" name="Office Theme" id="{62F939B6-93AF-4DB8-9C6B-D6C7DFDC589F}" vid="{4A3C46E8-61CC-4603-A589-7422A47A8E4A}"/>
+      <thm15:themeFamily xmlns:thm15="http://schemas.microsoft.com/office/thememl/2012/main" xmlns="" name="Office Theme" id="{62F939B6-93AF-4DB8-9C6B-D6C7DFDC589F}" vid="{4A3C46E8-61CC-4603-A589-7422A47A8E4A}"/>
     </a:ext>
   </a:extLst>
 </a:theme>

--- a/TETRIS_NEW_S/Plan.pptx
+++ b/TETRIS_NEW_S/Plan.pptx
@@ -258,7 +258,7 @@
           <a:p>
             <a:fld id="{7B4AEC64-C389-4369-9319-C0AE625A87B9}" type="datetimeFigureOut">
               <a:rPr lang="ko-KR" altLang="en-US" smtClean="0"/>
-              <a:t>2020-10-23</a:t>
+              <a:t>2020-11-10</a:t>
             </a:fld>
             <a:endParaRPr lang="ko-KR" altLang="en-US" dirty="0"/>
           </a:p>
@@ -428,7 +428,7 @@
           <a:p>
             <a:fld id="{7B4AEC64-C389-4369-9319-C0AE625A87B9}" type="datetimeFigureOut">
               <a:rPr lang="ko-KR" altLang="en-US" smtClean="0"/>
-              <a:t>2020-10-23</a:t>
+              <a:t>2020-11-10</a:t>
             </a:fld>
             <a:endParaRPr lang="ko-KR" altLang="en-US" dirty="0"/>
           </a:p>
@@ -608,7 +608,7 @@
           <a:p>
             <a:fld id="{7B4AEC64-C389-4369-9319-C0AE625A87B9}" type="datetimeFigureOut">
               <a:rPr lang="ko-KR" altLang="en-US" smtClean="0"/>
-              <a:t>2020-10-23</a:t>
+              <a:t>2020-11-10</a:t>
             </a:fld>
             <a:endParaRPr lang="ko-KR" altLang="en-US" dirty="0"/>
           </a:p>
@@ -778,7 +778,7 @@
           <a:p>
             <a:fld id="{7B4AEC64-C389-4369-9319-C0AE625A87B9}" type="datetimeFigureOut">
               <a:rPr lang="ko-KR" altLang="en-US" smtClean="0"/>
-              <a:t>2020-10-23</a:t>
+              <a:t>2020-11-10</a:t>
             </a:fld>
             <a:endParaRPr lang="ko-KR" altLang="en-US" dirty="0"/>
           </a:p>
@@ -1022,7 +1022,7 @@
           <a:p>
             <a:fld id="{7B4AEC64-C389-4369-9319-C0AE625A87B9}" type="datetimeFigureOut">
               <a:rPr lang="ko-KR" altLang="en-US" smtClean="0"/>
-              <a:t>2020-10-23</a:t>
+              <a:t>2020-11-10</a:t>
             </a:fld>
             <a:endParaRPr lang="ko-KR" altLang="en-US" dirty="0"/>
           </a:p>
@@ -1254,7 +1254,7 @@
           <a:p>
             <a:fld id="{7B4AEC64-C389-4369-9319-C0AE625A87B9}" type="datetimeFigureOut">
               <a:rPr lang="ko-KR" altLang="en-US" smtClean="0"/>
-              <a:t>2020-10-23</a:t>
+              <a:t>2020-11-10</a:t>
             </a:fld>
             <a:endParaRPr lang="ko-KR" altLang="en-US" dirty="0"/>
           </a:p>
@@ -1621,7 +1621,7 @@
           <a:p>
             <a:fld id="{7B4AEC64-C389-4369-9319-C0AE625A87B9}" type="datetimeFigureOut">
               <a:rPr lang="ko-KR" altLang="en-US" smtClean="0"/>
-              <a:t>2020-10-23</a:t>
+              <a:t>2020-11-10</a:t>
             </a:fld>
             <a:endParaRPr lang="ko-KR" altLang="en-US" dirty="0"/>
           </a:p>
@@ -1739,7 +1739,7 @@
           <a:p>
             <a:fld id="{7B4AEC64-C389-4369-9319-C0AE625A87B9}" type="datetimeFigureOut">
               <a:rPr lang="ko-KR" altLang="en-US" smtClean="0"/>
-              <a:t>2020-10-23</a:t>
+              <a:t>2020-11-10</a:t>
             </a:fld>
             <a:endParaRPr lang="ko-KR" altLang="en-US" dirty="0"/>
           </a:p>
@@ -1834,7 +1834,7 @@
           <a:p>
             <a:fld id="{7B4AEC64-C389-4369-9319-C0AE625A87B9}" type="datetimeFigureOut">
               <a:rPr lang="ko-KR" altLang="en-US" smtClean="0"/>
-              <a:t>2020-10-23</a:t>
+              <a:t>2020-11-10</a:t>
             </a:fld>
             <a:endParaRPr lang="ko-KR" altLang="en-US" dirty="0"/>
           </a:p>
@@ -2111,7 +2111,7 @@
           <a:p>
             <a:fld id="{7B4AEC64-C389-4369-9319-C0AE625A87B9}" type="datetimeFigureOut">
               <a:rPr lang="ko-KR" altLang="en-US" smtClean="0"/>
-              <a:t>2020-10-23</a:t>
+              <a:t>2020-11-10</a:t>
             </a:fld>
             <a:endParaRPr lang="ko-KR" altLang="en-US" dirty="0"/>
           </a:p>
@@ -2368,7 +2368,7 @@
           <a:p>
             <a:fld id="{7B4AEC64-C389-4369-9319-C0AE625A87B9}" type="datetimeFigureOut">
               <a:rPr lang="ko-KR" altLang="en-US" smtClean="0"/>
-              <a:t>2020-10-23</a:t>
+              <a:t>2020-11-10</a:t>
             </a:fld>
             <a:endParaRPr lang="ko-KR" altLang="en-US" dirty="0"/>
           </a:p>
@@ -2581,7 +2581,7 @@
           <a:p>
             <a:fld id="{7B4AEC64-C389-4369-9319-C0AE625A87B9}" type="datetimeFigureOut">
               <a:rPr lang="ko-KR" altLang="en-US" smtClean="0"/>
-              <a:t>2020-10-23</a:t>
+              <a:t>2020-11-10</a:t>
             </a:fld>
             <a:endParaRPr lang="ko-KR" altLang="en-US" dirty="0"/>
           </a:p>
@@ -2995,7 +2995,7 @@
           <p:nvPr>
             <p:extLst>
               <p:ext uri="{D42A27DB-BD31-4B8C-83A1-F6EECF244321}">
-                <p14:modId xmlns:p14="http://schemas.microsoft.com/office/powerpoint/2010/main" val="2377611836"/>
+                <p14:modId xmlns:p14="http://schemas.microsoft.com/office/powerpoint/2010/main" val="1659111975"/>
               </p:ext>
             </p:extLst>
           </p:nvPr>
@@ -3122,7 +3122,7 @@
                     </a:p>
                     <a:p>
                       <a:pPr latinLnBrk="1"/>
-                      <a:endParaRPr lang="en-US" altLang="ko-KR" smtClean="0"/>
+                      <a:endParaRPr lang="en-US" altLang="ko-KR" dirty="0" smtClean="0"/>
                     </a:p>
                     <a:p>
                       <a:pPr latinLnBrk="1"/>
@@ -3353,36 +3353,8 @@
                         <a:t>자료구조 </a:t>
                       </a:r>
                       <a:r>
-                        <a:rPr lang="ko-KR" altLang="en-US" dirty="0" err="1"/>
+                        <a:rPr lang="ko-KR" altLang="en-US" dirty="0" err="1" smtClean="0"/>
                         <a:t>리팩토링</a:t>
-                      </a:r>
-                      <a:endParaRPr lang="en-US" altLang="ko-KR" dirty="0"/>
-                    </a:p>
-                    <a:p>
-                      <a:pPr latinLnBrk="1"/>
-                      <a:r>
-                        <a:rPr lang="en-US" altLang="ko-KR" dirty="0"/>
-                        <a:t>  (1):</a:t>
-                      </a:r>
-                      <a:r>
-                        <a:rPr lang="en-US" altLang="ko-KR" dirty="0" err="1"/>
-                        <a:t>buffer.h</a:t>
-                      </a:r>
-                      <a:r>
-                        <a:rPr lang="en-US" altLang="ko-KR" dirty="0"/>
-                        <a:t> </a:t>
-                      </a:r>
-                      <a:r>
-                        <a:rPr lang="ko-KR" altLang="en-US" dirty="0"/>
-                        <a:t>구현 </a:t>
-                      </a:r>
-                      <a:r>
-                        <a:rPr lang="en-US" altLang="ko-KR" dirty="0"/>
-                        <a:t>//</a:t>
-                      </a:r>
-                      <a:r>
-                        <a:rPr lang="ko-KR" altLang="en-US" sz="1600" dirty="0"/>
-                        <a:t>버퍼 배열과 스크린 버퍼 동기화</a:t>
                       </a:r>
                       <a:endParaRPr lang="en-US" altLang="ko-KR" dirty="0"/>
                     </a:p>

--- a/TETRIS_NEW_S/Plan.pptx
+++ b/TETRIS_NEW_S/Plan.pptx
@@ -110,7 +110,7 @@
   </p:defaultTextStyle>
   <p:extLst>
     <p:ext uri="{EFAFB233-063F-42B5-8137-9DF3F51BA10A}">
-      <p15:sldGuideLst xmlns:p15="http://schemas.microsoft.com/office/powerpoint/2012/main" xmlns="">
+      <p15:sldGuideLst xmlns="" xmlns:p15="http://schemas.microsoft.com/office/powerpoint/2012/main">
         <p15:guide id="1" orient="horz" pos="3401">
           <p15:clr>
             <a:srgbClr val="A4A3A4"/>
@@ -2995,7 +2995,7 @@
           <p:nvPr>
             <p:extLst>
               <p:ext uri="{D42A27DB-BD31-4B8C-83A1-F6EECF244321}">
-                <p14:modId xmlns:p14="http://schemas.microsoft.com/office/powerpoint/2010/main" val="1659111975"/>
+                <p14:modId xmlns:p14="http://schemas.microsoft.com/office/powerpoint/2010/main" val="4009151229"/>
               </p:ext>
             </p:extLst>
           </p:nvPr>
@@ -3014,14 +3014,14 @@
                 <a:gridCol w="5558973">
                   <a:extLst>
                     <a:ext uri="{9D8B030D-6E8A-4147-A177-3AD203B41FA5}">
-                      <a16:colId xmlns:a16="http://schemas.microsoft.com/office/drawing/2014/main" xmlns="" val="20000"/>
+                      <a16:colId xmlns="" xmlns:a16="http://schemas.microsoft.com/office/drawing/2014/main" val="20000"/>
                     </a:ext>
                   </a:extLst>
                 </a:gridCol>
                 <a:gridCol w="5240791">
                   <a:extLst>
                     <a:ext uri="{9D8B030D-6E8A-4147-A177-3AD203B41FA5}">
-                      <a16:colId xmlns:a16="http://schemas.microsoft.com/office/drawing/2014/main" xmlns="" val="20001"/>
+                      <a16:colId xmlns="" xmlns:a16="http://schemas.microsoft.com/office/drawing/2014/main" val="20001"/>
                     </a:ext>
                   </a:extLst>
                 </a:gridCol>
@@ -3138,6 +3138,70 @@
                     </a:p>
                     <a:p>
                       <a:pPr latinLnBrk="1"/>
+                      <a:r>
+                        <a:rPr lang="en-US" altLang="ko-KR" dirty="0" smtClean="0"/>
+                        <a:t>--</a:t>
+                      </a:r>
+                      <a:r>
+                        <a:rPr lang="ko-KR" altLang="en-US" dirty="0" smtClean="0"/>
+                        <a:t>에러정리</a:t>
+                      </a:r>
+                      <a:endParaRPr lang="en-US" altLang="ko-KR" dirty="0" smtClean="0"/>
+                    </a:p>
+                    <a:p>
+                      <a:pPr latinLnBrk="1"/>
+                      <a:r>
+                        <a:rPr lang="ko-KR" altLang="en-US" dirty="0" smtClean="0"/>
+                        <a:t>보드 맨 밑줄은 충돌확인용으로</a:t>
+                      </a:r>
+                      <a:r>
+                        <a:rPr lang="en-US" altLang="ko-KR" dirty="0" smtClean="0"/>
+                        <a:t>,2</a:t>
+                      </a:r>
+                      <a:r>
+                        <a:rPr lang="ko-KR" altLang="en-US" dirty="0" smtClean="0"/>
+                        <a:t>로 </a:t>
+                      </a:r>
+                      <a:r>
+                        <a:rPr lang="ko-KR" altLang="en-US" dirty="0" err="1" smtClean="0"/>
+                        <a:t>채워져있음</a:t>
+                      </a:r>
+                      <a:r>
+                        <a:rPr lang="ko-KR" altLang="en-US" dirty="0" smtClean="0"/>
+                        <a:t> 출력이 </a:t>
+                      </a:r>
+                      <a:r>
+                        <a:rPr lang="ko-KR" altLang="en-US" dirty="0" err="1" smtClean="0"/>
+                        <a:t>안돼면</a:t>
+                      </a:r>
+                      <a:r>
+                        <a:rPr lang="ko-KR" altLang="en-US" dirty="0" smtClean="0"/>
+                        <a:t> </a:t>
+                      </a:r>
+                      <a:r>
+                        <a:rPr lang="en-US" altLang="ko-KR" dirty="0" err="1" smtClean="0"/>
+                        <a:t>init,boardreset</a:t>
+                      </a:r>
+                      <a:r>
+                        <a:rPr lang="en-US" altLang="ko-KR" dirty="0" smtClean="0"/>
+                        <a:t> </a:t>
+                      </a:r>
+                      <a:r>
+                        <a:rPr lang="ko-KR" altLang="en-US" dirty="0" smtClean="0"/>
+                        <a:t>에 </a:t>
+                      </a:r>
+                      <a:r>
+                        <a:rPr lang="en-US" altLang="ko-KR" dirty="0" smtClean="0"/>
+                        <a:t>24</a:t>
+                      </a:r>
+                      <a:r>
+                        <a:rPr lang="en-US" altLang="ko-KR" baseline="0" dirty="0" smtClean="0"/>
+                        <a:t> </a:t>
+                      </a:r>
+                      <a:r>
+                        <a:rPr lang="ko-KR" altLang="en-US" baseline="0" dirty="0" smtClean="0"/>
+                        <a:t>가 잘 들어갔는지 확인</a:t>
+                      </a:r>
                       <a:endParaRPr lang="en-US" altLang="ko-KR" dirty="0"/>
                     </a:p>
                     <a:p>
@@ -3160,7 +3224,7 @@
                 </a:tc>
                 <a:extLst>
                   <a:ext uri="{0D108BD9-81ED-4DB2-BD59-A6C34878D82A}">
-                    <a16:rowId xmlns:a16="http://schemas.microsoft.com/office/drawing/2014/main" xmlns="" val="10000"/>
+                    <a16:rowId xmlns="" xmlns:a16="http://schemas.microsoft.com/office/drawing/2014/main" val="10000"/>
                   </a:ext>
                 </a:extLst>
               </a:tr>
@@ -3176,49 +3240,77 @@
                         <a:t>현재 완료</a:t>
                       </a:r>
                       <a:r>
-                        <a:rPr lang="en-US" altLang="ko-KR" dirty="0"/>
+                        <a:rPr lang="en-US" altLang="ko-KR" dirty="0" smtClean="0"/>
                         <a:t>:</a:t>
                       </a:r>
                     </a:p>
                     <a:p>
                       <a:pPr latinLnBrk="1"/>
                       <a:r>
-                        <a:rPr lang="en-US" altLang="ko-KR" dirty="0"/>
-                        <a:t>input(int *key): key</a:t>
-                      </a:r>
-                      <a:r>
-                        <a:rPr lang="ko-KR" altLang="en-US" dirty="0"/>
-                        <a:t>가 반환될 </a:t>
-                      </a:r>
-                      <a:r>
-                        <a:rPr lang="en-US" altLang="ko-KR" dirty="0"/>
-                        <a:t>int </a:t>
-                      </a:r>
-                      <a:r>
-                        <a:rPr lang="ko-KR" altLang="en-US" dirty="0"/>
-                        <a:t>주소 받기</a:t>
-                      </a:r>
-                      <a:r>
-                        <a:rPr lang="en-US" altLang="ko-KR" dirty="0"/>
-                        <a:t>,0.1</a:t>
-                      </a:r>
-                      <a:r>
-                        <a:rPr lang="ko-KR" altLang="en-US" dirty="0"/>
-                        <a:t>초마다 키 입력 </a:t>
-                      </a:r>
-                      <a:r>
-                        <a:rPr lang="en-US" altLang="ko-KR" dirty="0"/>
-                        <a:t>*</a:t>
-                      </a:r>
-                      <a:r>
-                        <a:rPr lang="ko-KR" altLang="en-US" dirty="0"/>
-                        <a:t>구현완료</a:t>
-                      </a:r>
-                      <a:r>
-                        <a:rPr lang="en-US" altLang="ko-KR" dirty="0"/>
-                        <a:t>*</a:t>
-                      </a:r>
-                      <a:endParaRPr lang="ko-KR" altLang="en-US" dirty="0"/>
+                        <a:rPr lang="en-US" altLang="ko-KR" dirty="0" smtClean="0"/>
+                        <a:t>System</a:t>
+                      </a:r>
+                      <a:r>
+                        <a:rPr lang="ko-KR" altLang="en-US" dirty="0" smtClean="0"/>
+                        <a:t>에서 </a:t>
+                      </a:r>
+                      <a:r>
+                        <a:rPr lang="en-US" altLang="ko-KR" dirty="0" smtClean="0"/>
+                        <a:t>key</a:t>
+                      </a:r>
+                      <a:r>
+                        <a:rPr lang="ko-KR" altLang="en-US" dirty="0" smtClean="0"/>
+                        <a:t>를 넘겨 </a:t>
+                      </a:r>
+                      <a:r>
+                        <a:rPr lang="ko-KR" altLang="en-US" baseline="0" dirty="0" smtClean="0"/>
+                        <a:t> </a:t>
+                      </a:r>
+                      <a:r>
+                        <a:rPr lang="ko-KR" altLang="en-US" baseline="0" dirty="0" err="1" smtClean="0"/>
+                        <a:t>입력값</a:t>
+                      </a:r>
+                      <a:r>
+                        <a:rPr lang="ko-KR" altLang="en-US" baseline="0" dirty="0" smtClean="0"/>
+                        <a:t> 사용가능</a:t>
+                      </a:r>
+                      <a:endParaRPr lang="en-US" altLang="ko-KR" baseline="0" dirty="0" smtClean="0"/>
+                    </a:p>
+                    <a:p>
+                      <a:pPr latinLnBrk="1"/>
+                      <a:endParaRPr lang="en-US" altLang="ko-KR" baseline="0" dirty="0" smtClean="0"/>
+                    </a:p>
+                    <a:p>
+                      <a:pPr latinLnBrk="1"/>
+                      <a:r>
+                        <a:rPr lang="en-US" altLang="ko-KR" dirty="0" err="1" smtClean="0"/>
+                        <a:t>Interboard</a:t>
+                      </a:r>
+                      <a:r>
+                        <a:rPr lang="en-US" altLang="ko-KR" baseline="0" dirty="0" smtClean="0"/>
+                        <a:t> </a:t>
+                      </a:r>
+                      <a:r>
+                        <a:rPr lang="ko-KR" altLang="en-US" baseline="0" dirty="0" smtClean="0"/>
+                        <a:t>테스트 안됨</a:t>
+                      </a:r>
+                      <a:endParaRPr lang="en-US" altLang="ko-KR" baseline="0" dirty="0" smtClean="0"/>
+                    </a:p>
+                    <a:p>
+                      <a:pPr latinLnBrk="1"/>
+                      <a:r>
+                        <a:rPr lang="en-US" altLang="ko-KR" baseline="0" dirty="0" smtClean="0"/>
+                        <a:t>(board </a:t>
+                      </a:r>
+                      <a:r>
+                        <a:rPr lang="ko-KR" altLang="en-US" baseline="0" dirty="0" smtClean="0"/>
+                        <a:t>합성</a:t>
+                      </a:r>
+                      <a:r>
+                        <a:rPr lang="en-US" altLang="ko-KR" baseline="0" dirty="0" smtClean="0"/>
+                        <a:t>)</a:t>
+                      </a:r>
+                      <a:endParaRPr lang="en-US" altLang="ko-KR" dirty="0"/>
                     </a:p>
                   </a:txBody>
                   <a:tcPr/>
@@ -3242,7 +3334,103 @@
                       <a:pPr latinLnBrk="1"/>
                       <a:r>
                         <a:rPr lang="ko-KR" altLang="en-US" dirty="0"/>
-                        <a:t>블록이 떨어지는 기본 프로토타입 만들기</a:t>
+                        <a:t>블록이 떨어지는 기본 </a:t>
+                      </a:r>
+                      <a:r>
+                        <a:rPr lang="ko-KR" altLang="en-US" dirty="0" err="1"/>
+                        <a:t>프로토타입</a:t>
+                      </a:r>
+                      <a:r>
+                        <a:rPr lang="ko-KR" altLang="en-US" dirty="0"/>
+                        <a:t> </a:t>
+                      </a:r>
+                      <a:r>
+                        <a:rPr lang="ko-KR" altLang="en-US" dirty="0" smtClean="0"/>
+                        <a:t>만들기</a:t>
+                      </a:r>
+                      <a:endParaRPr lang="en-US" altLang="ko-KR" dirty="0" smtClean="0"/>
+                    </a:p>
+                    <a:p>
+                      <a:pPr latinLnBrk="1"/>
+                      <a:r>
+                        <a:rPr lang="en-US" altLang="ko-KR" u="sng" dirty="0" err="1" smtClean="0">
+                          <a:solidFill>
+                            <a:srgbClr val="FF0000"/>
+                          </a:solidFill>
+                        </a:rPr>
+                        <a:t>simulation_sub</a:t>
+                      </a:r>
+                      <a:r>
+                        <a:rPr lang="en-US" altLang="ko-KR" u="sng" dirty="0" smtClean="0">
+                          <a:solidFill>
+                            <a:srgbClr val="FF0000"/>
+                          </a:solidFill>
+                        </a:rPr>
+                        <a:t>/</a:t>
+                      </a:r>
+                      <a:r>
+                        <a:rPr lang="en-US" altLang="ko-KR" u="sng" dirty="0" err="1" smtClean="0">
+                          <a:solidFill>
+                            <a:srgbClr val="FF0000"/>
+                          </a:solidFill>
+                        </a:rPr>
+                        <a:t>pushboard</a:t>
+                      </a:r>
+                      <a:r>
+                        <a:rPr lang="en-US" altLang="ko-KR" u="sng" dirty="0" smtClean="0">
+                          <a:solidFill>
+                            <a:srgbClr val="FF0000"/>
+                          </a:solidFill>
+                        </a:rPr>
+                        <a:t>()</a:t>
+                      </a:r>
+                      <a:r>
+                        <a:rPr lang="en-US" altLang="ko-KR" u="sng" baseline="0" dirty="0" smtClean="0">
+                          <a:solidFill>
+                            <a:srgbClr val="FF0000"/>
+                          </a:solidFill>
+                        </a:rPr>
+                        <a:t> </a:t>
+                      </a:r>
+                      <a:r>
+                        <a:rPr lang="ko-KR" altLang="en-US" u="sng" baseline="0" dirty="0" err="1" smtClean="0">
+                          <a:solidFill>
+                            <a:srgbClr val="FF0000"/>
+                          </a:solidFill>
+                        </a:rPr>
+                        <a:t>개발중</a:t>
+                      </a:r>
+                      <a:endParaRPr lang="en-US" altLang="ko-KR" u="sng" dirty="0">
+                        <a:solidFill>
+                          <a:srgbClr val="FF0000"/>
+                        </a:solidFill>
+                      </a:endParaRPr>
+                    </a:p>
+                    <a:p>
+                      <a:pPr latinLnBrk="1"/>
+                      <a:endParaRPr lang="en-US" altLang="ko-KR" dirty="0"/>
+                    </a:p>
+                    <a:p>
+                      <a:pPr latinLnBrk="1"/>
+                      <a:r>
+                        <a:rPr lang="en-US" altLang="ko-KR" dirty="0"/>
+                        <a:t>1:</a:t>
+                      </a:r>
+                      <a:r>
+                        <a:rPr lang="ko-KR" altLang="en-US" dirty="0"/>
+                        <a:t>매커니즘 구현</a:t>
+                      </a:r>
+                      <a:endParaRPr lang="en-US" altLang="ko-KR" dirty="0"/>
+                    </a:p>
+                    <a:p>
+                      <a:pPr latinLnBrk="1"/>
+                      <a:r>
+                        <a:rPr lang="en-US" altLang="ko-KR" dirty="0"/>
+                        <a:t>  (1):gamesystem </a:t>
+                      </a:r>
+                      <a:r>
+                        <a:rPr lang="ko-KR" altLang="en-US" dirty="0"/>
+                        <a:t>라이브러리 구현</a:t>
                       </a:r>
                       <a:endParaRPr lang="en-US" altLang="ko-KR" dirty="0"/>
                     </a:p>
@@ -3254,34 +3442,6 @@
                       <a:pPr latinLnBrk="1"/>
                       <a:r>
                         <a:rPr lang="en-US" altLang="ko-KR" dirty="0"/>
-                        <a:t>1:</a:t>
-                      </a:r>
-                      <a:r>
-                        <a:rPr lang="ko-KR" altLang="en-US" dirty="0"/>
-                        <a:t>매커니즘 구현</a:t>
-                      </a:r>
-                      <a:endParaRPr lang="en-US" altLang="ko-KR" dirty="0"/>
-                    </a:p>
-                    <a:p>
-                      <a:pPr latinLnBrk="1"/>
-                      <a:r>
-                        <a:rPr lang="en-US" altLang="ko-KR" dirty="0"/>
-                        <a:t>  (1):gamesystem </a:t>
-                      </a:r>
-                      <a:r>
-                        <a:rPr lang="ko-KR" altLang="en-US" dirty="0"/>
-                        <a:t>라이브러리 구현</a:t>
-                      </a:r>
-                      <a:endParaRPr lang="en-US" altLang="ko-KR" dirty="0"/>
-                    </a:p>
-                    <a:p>
-                      <a:pPr latinLnBrk="1"/>
-                      <a:endParaRPr lang="en-US" altLang="ko-KR" dirty="0"/>
-                    </a:p>
-                    <a:p>
-                      <a:pPr latinLnBrk="1"/>
-                      <a:r>
-                        <a:rPr lang="en-US" altLang="ko-KR" dirty="0"/>
                         <a:t>2:</a:t>
                       </a:r>
                       <a:r>
@@ -3363,7 +3523,7 @@
                 </a:tc>
                 <a:extLst>
                   <a:ext uri="{0D108BD9-81ED-4DB2-BD59-A6C34878D82A}">
-                    <a16:rowId xmlns:a16="http://schemas.microsoft.com/office/drawing/2014/main" xmlns="" val="10001"/>
+                    <a16:rowId xmlns="" xmlns:a16="http://schemas.microsoft.com/office/drawing/2014/main" val="10001"/>
                   </a:ext>
                 </a:extLst>
               </a:tr>
@@ -3406,7 +3566,7 @@
           <p:cNvPr id="1026" name="Picture 2" descr="게임제작개론 : #6 게임 시스템 구조에 대한 이해">
             <a:extLst>
               <a:ext uri="{FF2B5EF4-FFF2-40B4-BE49-F238E27FC236}">
-                <a16:creationId xmlns:a16="http://schemas.microsoft.com/office/drawing/2014/main" xmlns="" id="{5AA2E3DF-9B1B-42F8-87D8-4867D943D1DD}"/>
+                <a16:creationId xmlns="" xmlns:a16="http://schemas.microsoft.com/office/drawing/2014/main" id="{5AA2E3DF-9B1B-42F8-87D8-4867D943D1DD}"/>
               </a:ext>
             </a:extLst>
           </p:cNvPr>
@@ -6705,7 +6865,7 @@
   <a:extraClrSchemeLst/>
   <a:extLst>
     <a:ext uri="{05A4C25C-085E-4340-85A3-A5531E510DB2}">
-      <thm15:themeFamily xmlns:thm15="http://schemas.microsoft.com/office/thememl/2012/main" xmlns="" name="Office Theme" id="{62F939B6-93AF-4DB8-9C6B-D6C7DFDC589F}" vid="{4A3C46E8-61CC-4603-A589-7422A47A8E4A}"/>
+      <thm15:themeFamily xmlns="" xmlns:thm15="http://schemas.microsoft.com/office/thememl/2012/main" name="Office Theme" id="{62F939B6-93AF-4DB8-9C6B-D6C7DFDC589F}" vid="{4A3C46E8-61CC-4603-A589-7422A47A8E4A}"/>
     </a:ext>
   </a:extLst>
 </a:theme>

--- a/TETRIS_NEW_S/Plan.pptx
+++ b/TETRIS_NEW_S/Plan.pptx
@@ -6,10 +6,11 @@
   </p:sldMasterIdLst>
   <p:sldIdLst>
     <p:sldId id="257" r:id="rId2"/>
-    <p:sldId id="258" r:id="rId3"/>
-    <p:sldId id="260" r:id="rId4"/>
-    <p:sldId id="256" r:id="rId5"/>
-    <p:sldId id="259" r:id="rId6"/>
+    <p:sldId id="261" r:id="rId3"/>
+    <p:sldId id="258" r:id="rId4"/>
+    <p:sldId id="260" r:id="rId5"/>
+    <p:sldId id="256" r:id="rId6"/>
+    <p:sldId id="259" r:id="rId7"/>
   </p:sldIdLst>
   <p:sldSz cx="10799763" cy="10799763"/>
   <p:notesSz cx="6858000" cy="9144000"/>
@@ -110,7 +111,7 @@
   </p:defaultTextStyle>
   <p:extLst>
     <p:ext uri="{EFAFB233-063F-42B5-8137-9DF3F51BA10A}">
-      <p15:sldGuideLst xmlns="" xmlns:p15="http://schemas.microsoft.com/office/powerpoint/2012/main">
+      <p15:sldGuideLst xmlns:p15="http://schemas.microsoft.com/office/powerpoint/2012/main" xmlns="">
         <p15:guide id="1" orient="horz" pos="3401">
           <p15:clr>
             <a:srgbClr val="A4A3A4"/>
@@ -258,7 +259,7 @@
           <a:p>
             <a:fld id="{7B4AEC64-C389-4369-9319-C0AE625A87B9}" type="datetimeFigureOut">
               <a:rPr lang="ko-KR" altLang="en-US" smtClean="0"/>
-              <a:t>2020-11-10</a:t>
+              <a:t>2020-11-17</a:t>
             </a:fld>
             <a:endParaRPr lang="ko-KR" altLang="en-US" dirty="0"/>
           </a:p>
@@ -428,7 +429,7 @@
           <a:p>
             <a:fld id="{7B4AEC64-C389-4369-9319-C0AE625A87B9}" type="datetimeFigureOut">
               <a:rPr lang="ko-KR" altLang="en-US" smtClean="0"/>
-              <a:t>2020-11-10</a:t>
+              <a:t>2020-11-17</a:t>
             </a:fld>
             <a:endParaRPr lang="ko-KR" altLang="en-US" dirty="0"/>
           </a:p>
@@ -608,7 +609,7 @@
           <a:p>
             <a:fld id="{7B4AEC64-C389-4369-9319-C0AE625A87B9}" type="datetimeFigureOut">
               <a:rPr lang="ko-KR" altLang="en-US" smtClean="0"/>
-              <a:t>2020-11-10</a:t>
+              <a:t>2020-11-17</a:t>
             </a:fld>
             <a:endParaRPr lang="ko-KR" altLang="en-US" dirty="0"/>
           </a:p>
@@ -778,7 +779,7 @@
           <a:p>
             <a:fld id="{7B4AEC64-C389-4369-9319-C0AE625A87B9}" type="datetimeFigureOut">
               <a:rPr lang="ko-KR" altLang="en-US" smtClean="0"/>
-              <a:t>2020-11-10</a:t>
+              <a:t>2020-11-17</a:t>
             </a:fld>
             <a:endParaRPr lang="ko-KR" altLang="en-US" dirty="0"/>
           </a:p>
@@ -1022,7 +1023,7 @@
           <a:p>
             <a:fld id="{7B4AEC64-C389-4369-9319-C0AE625A87B9}" type="datetimeFigureOut">
               <a:rPr lang="ko-KR" altLang="en-US" smtClean="0"/>
-              <a:t>2020-11-10</a:t>
+              <a:t>2020-11-17</a:t>
             </a:fld>
             <a:endParaRPr lang="ko-KR" altLang="en-US" dirty="0"/>
           </a:p>
@@ -1254,7 +1255,7 @@
           <a:p>
             <a:fld id="{7B4AEC64-C389-4369-9319-C0AE625A87B9}" type="datetimeFigureOut">
               <a:rPr lang="ko-KR" altLang="en-US" smtClean="0"/>
-              <a:t>2020-11-10</a:t>
+              <a:t>2020-11-17</a:t>
             </a:fld>
             <a:endParaRPr lang="ko-KR" altLang="en-US" dirty="0"/>
           </a:p>
@@ -1621,7 +1622,7 @@
           <a:p>
             <a:fld id="{7B4AEC64-C389-4369-9319-C0AE625A87B9}" type="datetimeFigureOut">
               <a:rPr lang="ko-KR" altLang="en-US" smtClean="0"/>
-              <a:t>2020-11-10</a:t>
+              <a:t>2020-11-17</a:t>
             </a:fld>
             <a:endParaRPr lang="ko-KR" altLang="en-US" dirty="0"/>
           </a:p>
@@ -1739,7 +1740,7 @@
           <a:p>
             <a:fld id="{7B4AEC64-C389-4369-9319-C0AE625A87B9}" type="datetimeFigureOut">
               <a:rPr lang="ko-KR" altLang="en-US" smtClean="0"/>
-              <a:t>2020-11-10</a:t>
+              <a:t>2020-11-17</a:t>
             </a:fld>
             <a:endParaRPr lang="ko-KR" altLang="en-US" dirty="0"/>
           </a:p>
@@ -1834,7 +1835,7 @@
           <a:p>
             <a:fld id="{7B4AEC64-C389-4369-9319-C0AE625A87B9}" type="datetimeFigureOut">
               <a:rPr lang="ko-KR" altLang="en-US" smtClean="0"/>
-              <a:t>2020-11-10</a:t>
+              <a:t>2020-11-17</a:t>
             </a:fld>
             <a:endParaRPr lang="ko-KR" altLang="en-US" dirty="0"/>
           </a:p>
@@ -2111,7 +2112,7 @@
           <a:p>
             <a:fld id="{7B4AEC64-C389-4369-9319-C0AE625A87B9}" type="datetimeFigureOut">
               <a:rPr lang="ko-KR" altLang="en-US" smtClean="0"/>
-              <a:t>2020-11-10</a:t>
+              <a:t>2020-11-17</a:t>
             </a:fld>
             <a:endParaRPr lang="ko-KR" altLang="en-US" dirty="0"/>
           </a:p>
@@ -2368,7 +2369,7 @@
           <a:p>
             <a:fld id="{7B4AEC64-C389-4369-9319-C0AE625A87B9}" type="datetimeFigureOut">
               <a:rPr lang="ko-KR" altLang="en-US" smtClean="0"/>
-              <a:t>2020-11-10</a:t>
+              <a:t>2020-11-17</a:t>
             </a:fld>
             <a:endParaRPr lang="ko-KR" altLang="en-US" dirty="0"/>
           </a:p>
@@ -2581,7 +2582,7 @@
           <a:p>
             <a:fld id="{7B4AEC64-C389-4369-9319-C0AE625A87B9}" type="datetimeFigureOut">
               <a:rPr lang="ko-KR" altLang="en-US" smtClean="0"/>
-              <a:t>2020-11-10</a:t>
+              <a:t>2020-11-17</a:t>
             </a:fld>
             <a:endParaRPr lang="ko-KR" altLang="en-US" dirty="0"/>
           </a:p>
@@ -3014,14 +3015,14 @@
                 <a:gridCol w="5558973">
                   <a:extLst>
                     <a:ext uri="{9D8B030D-6E8A-4147-A177-3AD203B41FA5}">
-                      <a16:colId xmlns="" xmlns:a16="http://schemas.microsoft.com/office/drawing/2014/main" val="20000"/>
+                      <a16:colId xmlns:a16="http://schemas.microsoft.com/office/drawing/2014/main" xmlns="" val="20000"/>
                     </a:ext>
                   </a:extLst>
                 </a:gridCol>
                 <a:gridCol w="5240791">
                   <a:extLst>
                     <a:ext uri="{9D8B030D-6E8A-4147-A177-3AD203B41FA5}">
-                      <a16:colId xmlns="" xmlns:a16="http://schemas.microsoft.com/office/drawing/2014/main" val="20001"/>
+                      <a16:colId xmlns:a16="http://schemas.microsoft.com/office/drawing/2014/main" xmlns="" val="20001"/>
                     </a:ext>
                   </a:extLst>
                 </a:gridCol>
@@ -3073,14 +3074,18 @@
                       </a:r>
                       <a:r>
                         <a:rPr lang="ko-KR" altLang="en-US" baseline="0" dirty="0"/>
-                        <a:t> 양옆</a:t>
-                      </a:r>
-                      <a:r>
-                        <a:rPr lang="en-US" altLang="ko-KR" baseline="0" dirty="0"/>
-                        <a:t>,</a:t>
-                      </a:r>
-                      <a:r>
-                        <a:rPr lang="ko-KR" altLang="en-US" baseline="0" dirty="0"/>
+                        <a:t> </a:t>
+                      </a:r>
+                      <a:r>
+                        <a:rPr lang="ko-KR" altLang="en-US" baseline="0" dirty="0" err="1" smtClean="0"/>
+                        <a:t>양옆</a:t>
+                      </a:r>
+                      <a:r>
+                        <a:rPr lang="en-US" altLang="ko-KR" baseline="0" dirty="0" smtClean="0"/>
+                        <a:t>  </a:t>
+                      </a:r>
+                      <a:r>
+                        <a:rPr lang="ko-KR" altLang="en-US" baseline="0" dirty="0" smtClean="0"/>
                         <a:t>아래</a:t>
                       </a:r>
                       <a:r>
@@ -3152,11 +3157,15 @@
                       <a:pPr latinLnBrk="1"/>
                       <a:r>
                         <a:rPr lang="ko-KR" altLang="en-US" dirty="0" smtClean="0"/>
-                        <a:t>보드 맨 밑줄은 충돌확인용으로</a:t>
+                        <a:t>보드 맨 밑줄은 </a:t>
+                      </a:r>
+                      <a:r>
+                        <a:rPr lang="ko-KR" altLang="en-US" dirty="0" smtClean="0"/>
+                        <a:t>충돌확인용으로</a:t>
                       </a:r>
                       <a:r>
                         <a:rPr lang="en-US" altLang="ko-KR" dirty="0" smtClean="0"/>
-                        <a:t>,2</a:t>
+                        <a:t>  2</a:t>
                       </a:r>
                       <a:r>
                         <a:rPr lang="ko-KR" altLang="en-US" dirty="0" smtClean="0"/>
@@ -3180,7 +3189,15 @@
                       </a:r>
                       <a:r>
                         <a:rPr lang="en-US" altLang="ko-KR" dirty="0" err="1" smtClean="0"/>
-                        <a:t>init,boardreset</a:t>
+                        <a:t>init</a:t>
+                      </a:r>
+                      <a:r>
+                        <a:rPr lang="en-US" altLang="ko-KR" dirty="0" smtClean="0"/>
+                        <a:t>  </a:t>
+                      </a:r>
+                      <a:r>
+                        <a:rPr lang="en-US" altLang="ko-KR" dirty="0" err="1" smtClean="0"/>
+                        <a:t>boardreset</a:t>
                       </a:r>
                       <a:r>
                         <a:rPr lang="en-US" altLang="ko-KR" dirty="0" smtClean="0"/>
@@ -3224,7 +3241,7 @@
                 </a:tc>
                 <a:extLst>
                   <a:ext uri="{0D108BD9-81ED-4DB2-BD59-A6C34878D82A}">
-                    <a16:rowId xmlns="" xmlns:a16="http://schemas.microsoft.com/office/drawing/2014/main" val="10000"/>
+                    <a16:rowId xmlns:a16="http://schemas.microsoft.com/office/drawing/2014/main" xmlns="" val="10000"/>
                   </a:ext>
                 </a:extLst>
               </a:tr>
@@ -3469,16 +3486,20 @@
                         <a:t> </a:t>
                       </a:r>
                       <a:r>
+                        <a:rPr lang="ko-KR" altLang="en-US" dirty="0" smtClean="0"/>
+                        <a:t>참조</a:t>
+                      </a:r>
+                      <a:r>
+                        <a:rPr lang="en-US" altLang="ko-KR" dirty="0" smtClean="0"/>
+                        <a:t>  </a:t>
+                      </a:r>
+                      <a:r>
+                        <a:rPr lang="ko-KR" altLang="en-US" dirty="0" smtClean="0"/>
+                        <a:t>실제 </a:t>
+                      </a:r>
+                      <a:r>
                         <a:rPr lang="ko-KR" altLang="en-US" dirty="0"/>
-                        <a:t>참조</a:t>
-                      </a:r>
-                      <a:r>
-                        <a:rPr lang="en-US" altLang="ko-KR" dirty="0"/>
-                        <a:t>,</a:t>
-                      </a:r>
-                      <a:r>
-                        <a:rPr lang="ko-KR" altLang="en-US" dirty="0"/>
-                        <a:t>실제 버퍼에 입력</a:t>
+                        <a:t>버퍼에 입력</a:t>
                       </a:r>
                       <a:endParaRPr lang="en-US" altLang="ko-KR" dirty="0"/>
                     </a:p>
@@ -3490,15 +3511,23 @@
                       </a:r>
                       <a:r>
                         <a:rPr lang="ko-KR" altLang="en-US" dirty="0"/>
-                        <a:t>스크린 버퍼와 버퍼 배열</a:t>
-                      </a:r>
-                      <a:r>
-                        <a:rPr lang="en-US" altLang="ko-KR" dirty="0"/>
-                        <a:t>,</a:t>
+                        <a:t>스크린 버퍼와 버퍼 </a:t>
+                      </a:r>
+                      <a:r>
+                        <a:rPr lang="ko-KR" altLang="en-US" dirty="0" smtClean="0"/>
+                        <a:t>배열</a:t>
+                      </a:r>
+                      <a:r>
+                        <a:rPr lang="en-US" altLang="ko-KR" dirty="0" smtClean="0"/>
+                        <a:t>  </a:t>
+                      </a:r>
+                      <a:r>
+                        <a:rPr lang="ko-KR" altLang="en-US" dirty="0" smtClean="0"/>
+                        <a:t>데이터 </a:t>
                       </a:r>
                       <a:r>
                         <a:rPr lang="ko-KR" altLang="en-US" dirty="0"/>
-                        <a:t>데이터 배열 등 </a:t>
+                        <a:t>배열 등 </a:t>
                       </a:r>
                       <a:endParaRPr lang="en-US" altLang="ko-KR" dirty="0"/>
                     </a:p>
@@ -3523,7 +3552,7 @@
                 </a:tc>
                 <a:extLst>
                   <a:ext uri="{0D108BD9-81ED-4DB2-BD59-A6C34878D82A}">
-                    <a16:rowId xmlns="" xmlns:a16="http://schemas.microsoft.com/office/drawing/2014/main" val="10001"/>
+                    <a16:rowId xmlns:a16="http://schemas.microsoft.com/office/drawing/2014/main" xmlns="" val="10001"/>
                   </a:ext>
                 </a:extLst>
               </a:tr>
@@ -3561,12 +3590,694 @@
           <a:chExt cx="0" cy="0"/>
         </a:xfrm>
       </p:grpSpPr>
+      <p:sp>
+        <p:nvSpPr>
+          <p:cNvPr id="4" name="직사각형 3"/>
+          <p:cNvSpPr/>
+          <p:nvPr/>
+        </p:nvSpPr>
+        <p:spPr>
+          <a:xfrm>
+            <a:off x="531904" y="949914"/>
+            <a:ext cx="5397500" cy="7017306"/>
+          </a:xfrm>
+          <a:prstGeom prst="rect">
+            <a:avLst/>
+          </a:prstGeom>
+        </p:spPr>
+        <p:txBody>
+          <a:bodyPr>
+            <a:spAutoFit/>
+          </a:bodyPr>
+          <a:lstStyle/>
+          <a:p>
+            <a:r>
+              <a:rPr lang="ko-KR" altLang="en-US" dirty="0"/>
+              <a:t> </a:t>
+            </a:r>
+            <a:r>
+              <a:rPr lang="en-US" altLang="ko-KR" dirty="0" smtClean="0"/>
+              <a:t>2  0  0  0  0  0  0  0  0  0  0  2</a:t>
+            </a:r>
+            <a:endParaRPr lang="en-US" altLang="ko-KR" dirty="0"/>
+          </a:p>
+          <a:p>
+            <a:r>
+              <a:rPr lang="ko-KR" altLang="en-US" dirty="0"/>
+              <a:t> </a:t>
+            </a:r>
+            <a:r>
+              <a:rPr lang="en-US" altLang="ko-KR" dirty="0" smtClean="0"/>
+              <a:t>2  0  0  0  0  0  0  0  0  0  0  2</a:t>
+            </a:r>
+            <a:endParaRPr lang="en-US" altLang="ko-KR" dirty="0"/>
+          </a:p>
+          <a:p>
+            <a:r>
+              <a:rPr lang="ko-KR" altLang="en-US" dirty="0"/>
+              <a:t> </a:t>
+            </a:r>
+            <a:r>
+              <a:rPr lang="en-US" altLang="ko-KR" dirty="0" smtClean="0"/>
+              <a:t>2  0  0  0  0  0  0  0  0  0  0  2</a:t>
+            </a:r>
+            <a:endParaRPr lang="en-US" altLang="ko-KR" dirty="0"/>
+          </a:p>
+          <a:p>
+            <a:r>
+              <a:rPr lang="ko-KR" altLang="en-US" dirty="0"/>
+              <a:t> </a:t>
+            </a:r>
+            <a:r>
+              <a:rPr lang="en-US" altLang="ko-KR" dirty="0" smtClean="0"/>
+              <a:t>2  0  0  0  0  0  0  0  0  0  0  2</a:t>
+            </a:r>
+            <a:endParaRPr lang="en-US" altLang="ko-KR" dirty="0"/>
+          </a:p>
+          <a:p>
+            <a:r>
+              <a:rPr lang="ko-KR" altLang="en-US" dirty="0"/>
+              <a:t> </a:t>
+            </a:r>
+            <a:r>
+              <a:rPr lang="en-US" altLang="ko-KR" dirty="0" smtClean="0"/>
+              <a:t>2  0  0  0  0  0  0  0  0  0  0  2</a:t>
+            </a:r>
+            <a:endParaRPr lang="en-US" altLang="ko-KR" dirty="0"/>
+          </a:p>
+          <a:p>
+            <a:r>
+              <a:rPr lang="ko-KR" altLang="en-US" dirty="0"/>
+              <a:t> </a:t>
+            </a:r>
+            <a:r>
+              <a:rPr lang="en-US" altLang="ko-KR" dirty="0" smtClean="0"/>
+              <a:t>2  0  0  0  0  0  0  0  0  0  0  2</a:t>
+            </a:r>
+            <a:endParaRPr lang="en-US" altLang="ko-KR" dirty="0"/>
+          </a:p>
+          <a:p>
+            <a:r>
+              <a:rPr lang="ko-KR" altLang="en-US" dirty="0"/>
+              <a:t> </a:t>
+            </a:r>
+            <a:r>
+              <a:rPr lang="en-US" altLang="ko-KR" dirty="0" smtClean="0"/>
+              <a:t>2  0  0  0  0  0  0  0  0  0  0  2</a:t>
+            </a:r>
+            <a:endParaRPr lang="en-US" altLang="ko-KR" dirty="0"/>
+          </a:p>
+          <a:p>
+            <a:r>
+              <a:rPr lang="ko-KR" altLang="en-US" dirty="0"/>
+              <a:t> </a:t>
+            </a:r>
+            <a:r>
+              <a:rPr lang="en-US" altLang="ko-KR" dirty="0" smtClean="0"/>
+              <a:t>2  0  0  0  0  0  0  0  0  0  0  2</a:t>
+            </a:r>
+            <a:endParaRPr lang="en-US" altLang="ko-KR" dirty="0"/>
+          </a:p>
+          <a:p>
+            <a:r>
+              <a:rPr lang="ko-KR" altLang="en-US" dirty="0"/>
+              <a:t> </a:t>
+            </a:r>
+            <a:r>
+              <a:rPr lang="en-US" altLang="ko-KR" dirty="0" smtClean="0"/>
+              <a:t>2  0  0  0  0  0  0  0  0  0  0  2</a:t>
+            </a:r>
+            <a:endParaRPr lang="en-US" altLang="ko-KR" dirty="0"/>
+          </a:p>
+          <a:p>
+            <a:r>
+              <a:rPr lang="ko-KR" altLang="en-US" dirty="0"/>
+              <a:t> </a:t>
+            </a:r>
+            <a:r>
+              <a:rPr lang="en-US" altLang="ko-KR" dirty="0" smtClean="0"/>
+              <a:t>2  0  0  0  0  0  0  0  0  0  0  2</a:t>
+            </a:r>
+            <a:endParaRPr lang="en-US" altLang="ko-KR" dirty="0"/>
+          </a:p>
+          <a:p>
+            <a:r>
+              <a:rPr lang="ko-KR" altLang="en-US" dirty="0"/>
+              <a:t> </a:t>
+            </a:r>
+            <a:r>
+              <a:rPr lang="en-US" altLang="ko-KR" dirty="0" smtClean="0"/>
+              <a:t>2  0  0  0  0  0  0  0  0  0  0  2</a:t>
+            </a:r>
+            <a:endParaRPr lang="en-US" altLang="ko-KR" dirty="0"/>
+          </a:p>
+          <a:p>
+            <a:r>
+              <a:rPr lang="ko-KR" altLang="en-US" dirty="0"/>
+              <a:t> </a:t>
+            </a:r>
+            <a:r>
+              <a:rPr lang="en-US" altLang="ko-KR" dirty="0" smtClean="0"/>
+              <a:t>2  0  0  0  0  0  0  0  0  0  0  2</a:t>
+            </a:r>
+            <a:endParaRPr lang="en-US" altLang="ko-KR" dirty="0"/>
+          </a:p>
+          <a:p>
+            <a:r>
+              <a:rPr lang="ko-KR" altLang="en-US" dirty="0"/>
+              <a:t> </a:t>
+            </a:r>
+            <a:r>
+              <a:rPr lang="en-US" altLang="ko-KR" dirty="0" smtClean="0"/>
+              <a:t>2  0  0  0  0  0  0  0  0  0  0  2</a:t>
+            </a:r>
+            <a:endParaRPr lang="en-US" altLang="ko-KR" dirty="0"/>
+          </a:p>
+          <a:p>
+            <a:r>
+              <a:rPr lang="ko-KR" altLang="en-US" dirty="0"/>
+              <a:t> </a:t>
+            </a:r>
+            <a:r>
+              <a:rPr lang="en-US" altLang="ko-KR" dirty="0" smtClean="0"/>
+              <a:t>2  0  0  0  0  0  0  0  0  0  0  2</a:t>
+            </a:r>
+            <a:endParaRPr lang="en-US" altLang="ko-KR" dirty="0"/>
+          </a:p>
+          <a:p>
+            <a:r>
+              <a:rPr lang="ko-KR" altLang="en-US" dirty="0"/>
+              <a:t> </a:t>
+            </a:r>
+            <a:r>
+              <a:rPr lang="en-US" altLang="ko-KR" dirty="0" smtClean="0"/>
+              <a:t>2  0  0  0  0  0  0  0  0  0  0  2</a:t>
+            </a:r>
+            <a:endParaRPr lang="en-US" altLang="ko-KR" dirty="0"/>
+          </a:p>
+          <a:p>
+            <a:r>
+              <a:rPr lang="ko-KR" altLang="en-US" dirty="0"/>
+              <a:t> </a:t>
+            </a:r>
+            <a:r>
+              <a:rPr lang="en-US" altLang="ko-KR" dirty="0" smtClean="0"/>
+              <a:t>2  0  0  0  0  0  0  0  0  0  0  2</a:t>
+            </a:r>
+            <a:endParaRPr lang="en-US" altLang="ko-KR" dirty="0"/>
+          </a:p>
+          <a:p>
+            <a:r>
+              <a:rPr lang="ko-KR" altLang="en-US" dirty="0"/>
+              <a:t> </a:t>
+            </a:r>
+            <a:r>
+              <a:rPr lang="en-US" altLang="ko-KR" dirty="0" smtClean="0"/>
+              <a:t>2  0  0  0  0  0  0  0  0  0  0  2</a:t>
+            </a:r>
+            <a:endParaRPr lang="en-US" altLang="ko-KR" dirty="0"/>
+          </a:p>
+          <a:p>
+            <a:r>
+              <a:rPr lang="ko-KR" altLang="en-US" dirty="0"/>
+              <a:t> </a:t>
+            </a:r>
+            <a:r>
+              <a:rPr lang="en-US" altLang="ko-KR" dirty="0" smtClean="0"/>
+              <a:t>2  0  0  0  0  0  0  0  0  0  0  2</a:t>
+            </a:r>
+            <a:endParaRPr lang="en-US" altLang="ko-KR" dirty="0"/>
+          </a:p>
+          <a:p>
+            <a:r>
+              <a:rPr lang="ko-KR" altLang="en-US" dirty="0"/>
+              <a:t> </a:t>
+            </a:r>
+            <a:r>
+              <a:rPr lang="en-US" altLang="ko-KR" dirty="0" smtClean="0"/>
+              <a:t>2  0  0  0  0  0  0  0  0  0  0  2</a:t>
+            </a:r>
+            <a:endParaRPr lang="en-US" altLang="ko-KR" dirty="0"/>
+          </a:p>
+          <a:p>
+            <a:r>
+              <a:rPr lang="ko-KR" altLang="en-US" dirty="0"/>
+              <a:t> </a:t>
+            </a:r>
+            <a:r>
+              <a:rPr lang="en-US" altLang="ko-KR" dirty="0" smtClean="0"/>
+              <a:t>2  0  0  0  0  0  0  0  0  0  0  2</a:t>
+            </a:r>
+            <a:endParaRPr lang="en-US" altLang="ko-KR" dirty="0"/>
+          </a:p>
+          <a:p>
+            <a:r>
+              <a:rPr lang="ko-KR" altLang="en-US" dirty="0"/>
+              <a:t> </a:t>
+            </a:r>
+            <a:r>
+              <a:rPr lang="en-US" altLang="ko-KR" dirty="0" smtClean="0"/>
+              <a:t>2  0  0  0  0  0  0  0  0  0  0  2</a:t>
+            </a:r>
+            <a:endParaRPr lang="en-US" altLang="ko-KR" dirty="0"/>
+          </a:p>
+          <a:p>
+            <a:r>
+              <a:rPr lang="ko-KR" altLang="en-US" dirty="0"/>
+              <a:t> </a:t>
+            </a:r>
+            <a:r>
+              <a:rPr lang="en-US" altLang="ko-KR" dirty="0" smtClean="0"/>
+              <a:t>2  0  0  0  0  0  0  0  0  0  0  2</a:t>
+            </a:r>
+            <a:endParaRPr lang="en-US" altLang="ko-KR" dirty="0"/>
+          </a:p>
+          <a:p>
+            <a:r>
+              <a:rPr lang="ko-KR" altLang="en-US" dirty="0"/>
+              <a:t> </a:t>
+            </a:r>
+            <a:r>
+              <a:rPr lang="en-US" altLang="ko-KR" dirty="0" smtClean="0"/>
+              <a:t>2  0  0  0  0  0  0  0  0  0  0  2</a:t>
+            </a:r>
+            <a:endParaRPr lang="en-US" altLang="ko-KR" dirty="0"/>
+          </a:p>
+          <a:p>
+            <a:r>
+              <a:rPr lang="ko-KR" altLang="en-US" dirty="0"/>
+              <a:t> </a:t>
+            </a:r>
+            <a:r>
+              <a:rPr lang="en-US" altLang="ko-KR" dirty="0" smtClean="0"/>
+              <a:t>2  0  0  0  0  0  0  0  0  0  0  2</a:t>
+            </a:r>
+            <a:endParaRPr lang="en-US" altLang="ko-KR" dirty="0"/>
+          </a:p>
+          <a:p>
+            <a:r>
+              <a:rPr lang="ko-KR" altLang="en-US" dirty="0"/>
+              <a:t> </a:t>
+            </a:r>
+            <a:r>
+              <a:rPr lang="en-US" altLang="ko-KR" dirty="0" smtClean="0"/>
+              <a:t>2  2  2  2  2  2  2  2  2  2  2  2 </a:t>
+            </a:r>
+            <a:endParaRPr lang="ko-KR" altLang="en-US" dirty="0"/>
+          </a:p>
+        </p:txBody>
+      </p:sp>
+      <p:sp>
+        <p:nvSpPr>
+          <p:cNvPr id="5" name="TextBox 4"/>
+          <p:cNvSpPr txBox="1"/>
+          <p:nvPr/>
+        </p:nvSpPr>
+        <p:spPr>
+          <a:xfrm>
+            <a:off x="48578" y="949914"/>
+            <a:ext cx="522515" cy="7571303"/>
+          </a:xfrm>
+          <a:prstGeom prst="rect">
+            <a:avLst/>
+          </a:prstGeom>
+          <a:noFill/>
+        </p:spPr>
+        <p:txBody>
+          <a:bodyPr wrap="square" rtlCol="0">
+            <a:spAutoFit/>
+          </a:bodyPr>
+          <a:lstStyle/>
+          <a:p>
+            <a:r>
+              <a:rPr lang="en-US" altLang="ko-KR" dirty="0" smtClean="0">
+                <a:solidFill>
+                  <a:srgbClr val="7030A0"/>
+                </a:solidFill>
+              </a:rPr>
+              <a:t>0</a:t>
+            </a:r>
+          </a:p>
+          <a:p>
+            <a:r>
+              <a:rPr lang="en-US" altLang="ko-KR" dirty="0" smtClean="0">
+                <a:solidFill>
+                  <a:srgbClr val="7030A0"/>
+                </a:solidFill>
+              </a:rPr>
+              <a:t>1</a:t>
+            </a:r>
+          </a:p>
+          <a:p>
+            <a:r>
+              <a:rPr lang="en-US" altLang="ko-KR" dirty="0" smtClean="0">
+                <a:solidFill>
+                  <a:srgbClr val="7030A0"/>
+                </a:solidFill>
+              </a:rPr>
+              <a:t>2</a:t>
+            </a:r>
+          </a:p>
+          <a:p>
+            <a:r>
+              <a:rPr lang="en-US" altLang="ko-KR" dirty="0" smtClean="0">
+                <a:solidFill>
+                  <a:srgbClr val="7030A0"/>
+                </a:solidFill>
+              </a:rPr>
+              <a:t>3</a:t>
+            </a:r>
+          </a:p>
+          <a:p>
+            <a:r>
+              <a:rPr lang="en-US" altLang="ko-KR" dirty="0" smtClean="0">
+                <a:solidFill>
+                  <a:srgbClr val="7030A0"/>
+                </a:solidFill>
+              </a:rPr>
+              <a:t>4</a:t>
+            </a:r>
+          </a:p>
+          <a:p>
+            <a:r>
+              <a:rPr lang="en-US" altLang="ko-KR" dirty="0" smtClean="0">
+                <a:solidFill>
+                  <a:srgbClr val="7030A0"/>
+                </a:solidFill>
+              </a:rPr>
+              <a:t>5</a:t>
+            </a:r>
+          </a:p>
+          <a:p>
+            <a:r>
+              <a:rPr lang="en-US" altLang="ko-KR" dirty="0" smtClean="0">
+                <a:solidFill>
+                  <a:srgbClr val="7030A0"/>
+                </a:solidFill>
+              </a:rPr>
+              <a:t>6</a:t>
+            </a:r>
+          </a:p>
+          <a:p>
+            <a:r>
+              <a:rPr lang="en-US" altLang="ko-KR" dirty="0" smtClean="0">
+                <a:solidFill>
+                  <a:srgbClr val="7030A0"/>
+                </a:solidFill>
+              </a:rPr>
+              <a:t>7</a:t>
+            </a:r>
+          </a:p>
+          <a:p>
+            <a:r>
+              <a:rPr lang="en-US" altLang="ko-KR" dirty="0" smtClean="0">
+                <a:solidFill>
+                  <a:srgbClr val="7030A0"/>
+                </a:solidFill>
+              </a:rPr>
+              <a:t>8</a:t>
+            </a:r>
+          </a:p>
+          <a:p>
+            <a:r>
+              <a:rPr lang="en-US" altLang="ko-KR" dirty="0" smtClean="0">
+                <a:solidFill>
+                  <a:srgbClr val="7030A0"/>
+                </a:solidFill>
+              </a:rPr>
+              <a:t>9</a:t>
+            </a:r>
+          </a:p>
+          <a:p>
+            <a:r>
+              <a:rPr lang="en-US" altLang="ko-KR" dirty="0" smtClean="0">
+                <a:solidFill>
+                  <a:srgbClr val="7030A0"/>
+                </a:solidFill>
+              </a:rPr>
+              <a:t>10</a:t>
+            </a:r>
+          </a:p>
+          <a:p>
+            <a:r>
+              <a:rPr lang="en-US" altLang="ko-KR" dirty="0" smtClean="0">
+                <a:solidFill>
+                  <a:srgbClr val="7030A0"/>
+                </a:solidFill>
+              </a:rPr>
+              <a:t>11</a:t>
+            </a:r>
+          </a:p>
+          <a:p>
+            <a:r>
+              <a:rPr lang="en-US" altLang="ko-KR" dirty="0" smtClean="0">
+                <a:solidFill>
+                  <a:srgbClr val="7030A0"/>
+                </a:solidFill>
+              </a:rPr>
+              <a:t>12</a:t>
+            </a:r>
+          </a:p>
+          <a:p>
+            <a:r>
+              <a:rPr lang="en-US" altLang="ko-KR" dirty="0" smtClean="0">
+                <a:solidFill>
+                  <a:srgbClr val="7030A0"/>
+                </a:solidFill>
+              </a:rPr>
+              <a:t>13</a:t>
+            </a:r>
+          </a:p>
+          <a:p>
+            <a:r>
+              <a:rPr lang="en-US" altLang="ko-KR" dirty="0" smtClean="0">
+                <a:solidFill>
+                  <a:srgbClr val="7030A0"/>
+                </a:solidFill>
+              </a:rPr>
+              <a:t>14</a:t>
+            </a:r>
+          </a:p>
+          <a:p>
+            <a:r>
+              <a:rPr lang="en-US" altLang="ko-KR" dirty="0" smtClean="0">
+                <a:solidFill>
+                  <a:srgbClr val="7030A0"/>
+                </a:solidFill>
+              </a:rPr>
+              <a:t>15</a:t>
+            </a:r>
+          </a:p>
+          <a:p>
+            <a:r>
+              <a:rPr lang="en-US" altLang="ko-KR" dirty="0" smtClean="0">
+                <a:solidFill>
+                  <a:srgbClr val="7030A0"/>
+                </a:solidFill>
+              </a:rPr>
+              <a:t>16</a:t>
+            </a:r>
+          </a:p>
+          <a:p>
+            <a:r>
+              <a:rPr lang="en-US" altLang="ko-KR" dirty="0" smtClean="0">
+                <a:solidFill>
+                  <a:srgbClr val="7030A0"/>
+                </a:solidFill>
+              </a:rPr>
+              <a:t>17</a:t>
+            </a:r>
+          </a:p>
+          <a:p>
+            <a:r>
+              <a:rPr lang="en-US" altLang="ko-KR" dirty="0" smtClean="0">
+                <a:solidFill>
+                  <a:srgbClr val="7030A0"/>
+                </a:solidFill>
+              </a:rPr>
+              <a:t>18</a:t>
+            </a:r>
+          </a:p>
+          <a:p>
+            <a:r>
+              <a:rPr lang="en-US" altLang="ko-KR" dirty="0" smtClean="0">
+                <a:solidFill>
+                  <a:srgbClr val="7030A0"/>
+                </a:solidFill>
+              </a:rPr>
+              <a:t>19</a:t>
+            </a:r>
+          </a:p>
+          <a:p>
+            <a:r>
+              <a:rPr lang="en-US" altLang="ko-KR" dirty="0" smtClean="0">
+                <a:solidFill>
+                  <a:srgbClr val="7030A0"/>
+                </a:solidFill>
+              </a:rPr>
+              <a:t>20</a:t>
+            </a:r>
+          </a:p>
+          <a:p>
+            <a:r>
+              <a:rPr lang="en-US" altLang="ko-KR" dirty="0" smtClean="0">
+                <a:solidFill>
+                  <a:srgbClr val="7030A0"/>
+                </a:solidFill>
+              </a:rPr>
+              <a:t>21</a:t>
+            </a:r>
+          </a:p>
+          <a:p>
+            <a:r>
+              <a:rPr lang="en-US" altLang="ko-KR" dirty="0" smtClean="0">
+                <a:solidFill>
+                  <a:srgbClr val="7030A0"/>
+                </a:solidFill>
+              </a:rPr>
+              <a:t>22</a:t>
+            </a:r>
+          </a:p>
+          <a:p>
+            <a:r>
+              <a:rPr lang="en-US" altLang="ko-KR" dirty="0" smtClean="0">
+                <a:solidFill>
+                  <a:srgbClr val="7030A0"/>
+                </a:solidFill>
+              </a:rPr>
+              <a:t>23</a:t>
+            </a:r>
+          </a:p>
+          <a:p>
+            <a:r>
+              <a:rPr lang="en-US" altLang="ko-KR" dirty="0" smtClean="0">
+                <a:solidFill>
+                  <a:srgbClr val="7030A0"/>
+                </a:solidFill>
+              </a:rPr>
+              <a:t>24</a:t>
+            </a:r>
+          </a:p>
+          <a:p>
+            <a:endParaRPr lang="en-US" altLang="ko-KR" dirty="0" smtClean="0">
+              <a:solidFill>
+                <a:srgbClr val="7030A0"/>
+              </a:solidFill>
+            </a:endParaRPr>
+          </a:p>
+          <a:p>
+            <a:endParaRPr lang="en-US" altLang="ko-KR" dirty="0" smtClean="0">
+              <a:solidFill>
+                <a:srgbClr val="7030A0"/>
+              </a:solidFill>
+            </a:endParaRPr>
+          </a:p>
+        </p:txBody>
+      </p:sp>
+      <p:sp>
+        <p:nvSpPr>
+          <p:cNvPr id="6" name="TextBox 5"/>
+          <p:cNvSpPr txBox="1"/>
+          <p:nvPr/>
+        </p:nvSpPr>
+        <p:spPr>
+          <a:xfrm>
+            <a:off x="571093" y="561707"/>
+            <a:ext cx="3099574" cy="369332"/>
+          </a:xfrm>
+          <a:prstGeom prst="rect">
+            <a:avLst/>
+          </a:prstGeom>
+          <a:noFill/>
+        </p:spPr>
+        <p:txBody>
+          <a:bodyPr wrap="square" rtlCol="0">
+            <a:spAutoFit/>
+          </a:bodyPr>
+          <a:lstStyle/>
+          <a:p>
+            <a:r>
+              <a:rPr lang="en-US" altLang="ko-KR" dirty="0" smtClean="0">
+                <a:solidFill>
+                  <a:srgbClr val="7030A0"/>
+                </a:solidFill>
+              </a:rPr>
+              <a:t>0  1  2  3  4  5  6  7  8  9 10 11 </a:t>
+            </a:r>
+            <a:endParaRPr lang="ko-KR" altLang="en-US" dirty="0">
+              <a:solidFill>
+                <a:srgbClr val="7030A0"/>
+              </a:solidFill>
+            </a:endParaRPr>
+          </a:p>
+        </p:txBody>
+      </p:sp>
+      <p:sp>
+        <p:nvSpPr>
+          <p:cNvPr id="7" name="TextBox 6"/>
+          <p:cNvSpPr txBox="1"/>
+          <p:nvPr/>
+        </p:nvSpPr>
+        <p:spPr>
+          <a:xfrm>
+            <a:off x="0" y="0"/>
+            <a:ext cx="2084097" cy="461665"/>
+          </a:xfrm>
+          <a:prstGeom prst="rect">
+            <a:avLst/>
+          </a:prstGeom>
+          <a:noFill/>
+        </p:spPr>
+        <p:txBody>
+          <a:bodyPr wrap="none" rtlCol="0">
+            <a:spAutoFit/>
+          </a:bodyPr>
+          <a:lstStyle/>
+          <a:p>
+            <a:r>
+              <a:rPr lang="en-US" altLang="ko-KR" sz="2400" dirty="0" err="1" smtClean="0"/>
+              <a:t>Boards_default</a:t>
+            </a:r>
+            <a:endParaRPr lang="ko-KR" altLang="en-US" sz="2400" dirty="0"/>
+          </a:p>
+        </p:txBody>
+      </p:sp>
+    </p:spTree>
+    <p:extLst>
+      <p:ext uri="{BB962C8B-B14F-4D97-AF65-F5344CB8AC3E}">
+        <p14:creationId xmlns:p14="http://schemas.microsoft.com/office/powerpoint/2010/main" val="2219952676"/>
+      </p:ext>
+    </p:extLst>
+  </p:cSld>
+  <p:clrMapOvr>
+    <a:masterClrMapping/>
+  </p:clrMapOvr>
+</p:sld>
+</file>
+
+<file path=ppt/slides/slide3.xml><?xml version="1.0" encoding="utf-8"?>
+<p:sld xmlns:a="http://schemas.openxmlformats.org/drawingml/2006/main" xmlns:r="http://schemas.openxmlformats.org/officeDocument/2006/relationships" xmlns:p="http://schemas.openxmlformats.org/presentationml/2006/main">
+  <p:cSld>
+    <p:spTree>
+      <p:nvGrpSpPr>
+        <p:cNvPr id="1" name=""/>
+        <p:cNvGrpSpPr/>
+        <p:nvPr/>
+      </p:nvGrpSpPr>
+      <p:grpSpPr>
+        <a:xfrm>
+          <a:off x="0" y="0"/>
+          <a:ext cx="0" cy="0"/>
+          <a:chOff x="0" y="0"/>
+          <a:chExt cx="0" cy="0"/>
+        </a:xfrm>
+      </p:grpSpPr>
       <p:pic>
         <p:nvPicPr>
           <p:cNvPr id="1026" name="Picture 2" descr="게임제작개론 : #6 게임 시스템 구조에 대한 이해">
             <a:extLst>
               <a:ext uri="{FF2B5EF4-FFF2-40B4-BE49-F238E27FC236}">
-                <a16:creationId xmlns="" xmlns:a16="http://schemas.microsoft.com/office/drawing/2014/main" id="{5AA2E3DF-9B1B-42F8-87D8-4867D943D1DD}"/>
+                <a16:creationId xmlns:a16="http://schemas.microsoft.com/office/drawing/2014/main" xmlns="" id="{5AA2E3DF-9B1B-42F8-87D8-4867D943D1DD}"/>
               </a:ext>
             </a:extLst>
           </p:cNvPr>
@@ -3619,7 +4330,7 @@
 </p:sld>
 </file>
 
-<file path=ppt/slides/slide3.xml><?xml version="1.0" encoding="utf-8"?>
+<file path=ppt/slides/slide4.xml><?xml version="1.0" encoding="utf-8"?>
 <p:sld xmlns:a="http://schemas.openxmlformats.org/drawingml/2006/main" xmlns:r="http://schemas.openxmlformats.org/officeDocument/2006/relationships" xmlns:p="http://schemas.openxmlformats.org/presentationml/2006/main">
   <p:cSld>
     <p:spTree>
@@ -3820,7 +4531,7 @@
               <a:t> </a:t>
             </a:r>
             <a:r>
-              <a:rPr lang="en-US" altLang="ko-KR" dirty="0">
+              <a:rPr lang="en-US" altLang="ko-KR" dirty="0" err="1" smtClean="0">
                 <a:solidFill>
                   <a:srgbClr val="808080"/>
                 </a:solidFill>
@@ -3830,14 +4541,24 @@
               <a:t>dwDesiredAccess</a:t>
             </a:r>
             <a:r>
-              <a:rPr lang="en-US" altLang="ko-KR" dirty="0">
-                <a:solidFill>
-                  <a:srgbClr val="000000"/>
-                </a:solidFill>
-                <a:latin typeface="돋움체"/>
-                <a:ea typeface="돋움체"/>
-              </a:rPr>
-              <a:t>,  	</a:t>
+              <a:rPr lang="en-US" altLang="ko-KR" dirty="0" smtClean="0">
+                <a:solidFill>
+                  <a:srgbClr val="000000"/>
+                </a:solidFill>
+                <a:latin typeface="돋움체"/>
+                <a:ea typeface="돋움체"/>
+              </a:rPr>
+              <a:t>    </a:t>
+            </a:r>
+            <a:r>
+              <a:rPr lang="en-US" altLang="ko-KR" dirty="0">
+                <a:solidFill>
+                  <a:srgbClr val="000000"/>
+                </a:solidFill>
+                <a:latin typeface="돋움체"/>
+                <a:ea typeface="돋움체"/>
+              </a:rPr>
+              <a:t>	</a:t>
             </a:r>
             <a:r>
               <a:rPr lang="en-US" altLang="ko-KR" dirty="0">
@@ -3919,7 +4640,7 @@
               <a:t> </a:t>
             </a:r>
             <a:r>
-              <a:rPr lang="en-US" altLang="ko-KR" dirty="0">
+              <a:rPr lang="en-US" altLang="ko-KR" dirty="0" err="1" smtClean="0">
                 <a:solidFill>
                   <a:srgbClr val="808080"/>
                 </a:solidFill>
@@ -3929,14 +4650,24 @@
               <a:t>dwShareMode</a:t>
             </a:r>
             <a:r>
-              <a:rPr lang="en-US" altLang="ko-KR" dirty="0">
-                <a:solidFill>
-                  <a:srgbClr val="000000"/>
-                </a:solidFill>
-                <a:latin typeface="돋움체"/>
-                <a:ea typeface="돋움체"/>
-              </a:rPr>
-              <a:t>,	 	</a:t>
+              <a:rPr lang="en-US" altLang="ko-KR" dirty="0" smtClean="0">
+                <a:solidFill>
+                  <a:srgbClr val="000000"/>
+                </a:solidFill>
+                <a:latin typeface="돋움체"/>
+                <a:ea typeface="돋움체"/>
+              </a:rPr>
+              <a:t>  </a:t>
+            </a:r>
+            <a:r>
+              <a:rPr lang="en-US" altLang="ko-KR" dirty="0">
+                <a:solidFill>
+                  <a:srgbClr val="000000"/>
+                </a:solidFill>
+                <a:latin typeface="돋움체"/>
+                <a:ea typeface="돋움체"/>
+              </a:rPr>
+              <a:t>	 	</a:t>
             </a:r>
             <a:r>
               <a:rPr lang="en-US" altLang="ko-KR" dirty="0">
@@ -4028,7 +4759,7 @@
               <a:t>* </a:t>
             </a:r>
             <a:r>
-              <a:rPr lang="en-US" altLang="ko-KR" dirty="0">
+              <a:rPr lang="en-US" altLang="ko-KR" dirty="0" err="1" smtClean="0">
                 <a:solidFill>
                   <a:srgbClr val="808080"/>
                 </a:solidFill>
@@ -4038,148 +4769,14 @@
               <a:t>lpSecurityAttributes</a:t>
             </a:r>
             <a:r>
-              <a:rPr lang="en-US" altLang="ko-KR" dirty="0">
-                <a:solidFill>
-                  <a:srgbClr val="000000"/>
-                </a:solidFill>
-                <a:latin typeface="돋움체"/>
-                <a:ea typeface="돋움체"/>
-              </a:rPr>
-              <a:t>,</a:t>
-            </a:r>
-          </a:p>
-          <a:p>
-            <a:r>
-              <a:rPr lang="en-US" altLang="ko-KR" dirty="0">
-                <a:solidFill>
-                  <a:srgbClr val="000000"/>
-                </a:solidFill>
-                <a:latin typeface="돋움체"/>
-                <a:ea typeface="돋움체"/>
-              </a:rPr>
-              <a:t>    </a:t>
-            </a:r>
-            <a:r>
-              <a:rPr lang="en-US" altLang="ko-KR" dirty="0">
-                <a:solidFill>
-                  <a:srgbClr val="6F008A"/>
-                </a:solidFill>
-                <a:latin typeface="돋움체"/>
-                <a:ea typeface="돋움체"/>
-              </a:rPr>
-              <a:t>_In_</a:t>
-            </a:r>
-            <a:r>
-              <a:rPr lang="en-US" altLang="ko-KR" dirty="0">
-                <a:solidFill>
-                  <a:srgbClr val="000000"/>
-                </a:solidFill>
-                <a:latin typeface="돋움체"/>
-                <a:ea typeface="돋움체"/>
-              </a:rPr>
-              <a:t> </a:t>
-            </a:r>
-            <a:r>
-              <a:rPr lang="en-US" altLang="ko-KR" dirty="0">
-                <a:solidFill>
-                  <a:srgbClr val="2B91AF"/>
-                </a:solidFill>
-                <a:latin typeface="돋움체"/>
-                <a:ea typeface="돋움체"/>
-              </a:rPr>
-              <a:t>DWORD</a:t>
-            </a:r>
-            <a:r>
-              <a:rPr lang="en-US" altLang="ko-KR" dirty="0">
-                <a:solidFill>
-                  <a:srgbClr val="000000"/>
-                </a:solidFill>
-                <a:latin typeface="돋움체"/>
-                <a:ea typeface="돋움체"/>
-              </a:rPr>
-              <a:t> </a:t>
-            </a:r>
-            <a:r>
-              <a:rPr lang="en-US" altLang="ko-KR" dirty="0">
-                <a:solidFill>
-                  <a:srgbClr val="808080"/>
-                </a:solidFill>
-                <a:latin typeface="돋움체"/>
-                <a:ea typeface="돋움체"/>
-              </a:rPr>
-              <a:t>dwFlags</a:t>
-            </a:r>
-            <a:r>
-              <a:rPr lang="en-US" altLang="ko-KR" dirty="0">
-                <a:solidFill>
-                  <a:srgbClr val="000000"/>
-                </a:solidFill>
-                <a:latin typeface="돋움체"/>
-                <a:ea typeface="돋움체"/>
-              </a:rPr>
-              <a:t>,</a:t>
-            </a:r>
-          </a:p>
-          <a:p>
-            <a:r>
-              <a:rPr lang="en-US" altLang="ko-KR" dirty="0">
-                <a:solidFill>
-                  <a:srgbClr val="000000"/>
-                </a:solidFill>
-                <a:latin typeface="돋움체"/>
-                <a:ea typeface="돋움체"/>
-              </a:rPr>
-              <a:t>    </a:t>
-            </a:r>
-            <a:r>
-              <a:rPr lang="en-US" altLang="ko-KR" dirty="0">
-                <a:solidFill>
-                  <a:srgbClr val="6F008A"/>
-                </a:solidFill>
-                <a:latin typeface="돋움체"/>
-                <a:ea typeface="돋움체"/>
-              </a:rPr>
-              <a:t>_Reserved_</a:t>
-            </a:r>
-            <a:r>
-              <a:rPr lang="en-US" altLang="ko-KR" dirty="0">
-                <a:solidFill>
-                  <a:srgbClr val="000000"/>
-                </a:solidFill>
-                <a:latin typeface="돋움체"/>
-                <a:ea typeface="돋움체"/>
-              </a:rPr>
-              <a:t> </a:t>
-            </a:r>
-            <a:r>
-              <a:rPr lang="en-US" altLang="ko-KR" dirty="0">
-                <a:solidFill>
-                  <a:srgbClr val="2B91AF"/>
-                </a:solidFill>
-                <a:latin typeface="돋움체"/>
-                <a:ea typeface="돋움체"/>
-              </a:rPr>
-              <a:t>LPVOID</a:t>
-            </a:r>
-            <a:r>
-              <a:rPr lang="en-US" altLang="ko-KR" dirty="0">
-                <a:solidFill>
-                  <a:srgbClr val="000000"/>
-                </a:solidFill>
-                <a:latin typeface="돋움체"/>
-                <a:ea typeface="돋움체"/>
-              </a:rPr>
-              <a:t> </a:t>
-            </a:r>
-            <a:r>
-              <a:rPr lang="en-US" altLang="ko-KR" dirty="0">
-                <a:solidFill>
-                  <a:srgbClr val="808080"/>
-                </a:solidFill>
-                <a:latin typeface="돋움체"/>
-                <a:ea typeface="돋움체"/>
-              </a:rPr>
-              <a:t>lpScreenBufferData</a:t>
+              <a:rPr lang="en-US" altLang="ko-KR" dirty="0" smtClean="0">
+                <a:solidFill>
+                  <a:srgbClr val="000000"/>
+                </a:solidFill>
+                <a:latin typeface="돋움체"/>
+                <a:ea typeface="돋움체"/>
+              </a:rPr>
+              <a:t>  </a:t>
             </a:r>
             <a:endParaRPr lang="en-US" altLang="ko-KR" dirty="0">
               <a:solidFill>
@@ -4191,7 +4788,7 @@
           </a:p>
           <a:p>
             <a:r>
-              <a:rPr lang="ko-KR" altLang="en-US" dirty="0">
+              <a:rPr lang="en-US" altLang="ko-KR" dirty="0">
                 <a:solidFill>
                   <a:srgbClr val="000000"/>
                 </a:solidFill>
@@ -4203,15 +4800,63 @@
             <a:r>
               <a:rPr lang="en-US" altLang="ko-KR" dirty="0">
                 <a:solidFill>
-                  <a:srgbClr val="000000"/>
-                </a:solidFill>
-                <a:latin typeface="돋움체"/>
-                <a:ea typeface="돋움체"/>
-              </a:rPr>
-              <a:t>);</a:t>
-            </a:r>
-          </a:p>
-          <a:p>
+                  <a:srgbClr val="6F008A"/>
+                </a:solidFill>
+                <a:latin typeface="돋움체"/>
+                <a:ea typeface="돋움체"/>
+              </a:rPr>
+              <a:t>_In_</a:t>
+            </a:r>
+            <a:r>
+              <a:rPr lang="en-US" altLang="ko-KR" dirty="0">
+                <a:solidFill>
+                  <a:srgbClr val="000000"/>
+                </a:solidFill>
+                <a:latin typeface="돋움체"/>
+                <a:ea typeface="돋움체"/>
+              </a:rPr>
+              <a:t> </a:t>
+            </a:r>
+            <a:r>
+              <a:rPr lang="en-US" altLang="ko-KR" dirty="0">
+                <a:solidFill>
+                  <a:srgbClr val="2B91AF"/>
+                </a:solidFill>
+                <a:latin typeface="돋움체"/>
+                <a:ea typeface="돋움체"/>
+              </a:rPr>
+              <a:t>DWORD</a:t>
+            </a:r>
+            <a:r>
+              <a:rPr lang="en-US" altLang="ko-KR" dirty="0">
+                <a:solidFill>
+                  <a:srgbClr val="000000"/>
+                </a:solidFill>
+                <a:latin typeface="돋움체"/>
+                <a:ea typeface="돋움체"/>
+              </a:rPr>
+              <a:t> </a:t>
+            </a:r>
+            <a:r>
+              <a:rPr lang="en-US" altLang="ko-KR" dirty="0" err="1" smtClean="0">
+                <a:solidFill>
+                  <a:srgbClr val="808080"/>
+                </a:solidFill>
+                <a:latin typeface="돋움체"/>
+                <a:ea typeface="돋움체"/>
+              </a:rPr>
+              <a:t>dwFlags</a:t>
+            </a:r>
+            <a:r>
+              <a:rPr lang="en-US" altLang="ko-KR" dirty="0" smtClean="0">
+                <a:solidFill>
+                  <a:srgbClr val="000000"/>
+                </a:solidFill>
+                <a:latin typeface="돋움체"/>
+                <a:ea typeface="돋움체"/>
+              </a:rPr>
+              <a:t>  </a:t>
+            </a:r>
             <a:endParaRPr lang="en-US" altLang="ko-KR" dirty="0">
               <a:solidFill>
                 <a:srgbClr val="000000"/>
@@ -4224,28 +4869,6 @@
             <a:r>
               <a:rPr lang="en-US" altLang="ko-KR" dirty="0">
                 <a:solidFill>
-                  <a:srgbClr val="0070C0"/>
-                </a:solidFill>
-                <a:latin typeface="돋움체"/>
-                <a:ea typeface="돋움체"/>
-              </a:rPr>
-              <a:t>SetConsoleCursorPosition</a:t>
-            </a:r>
-            <a:r>
-              <a:rPr lang="en-US" altLang="ko-KR" dirty="0">
-                <a:solidFill>
-                  <a:srgbClr val="000000"/>
-                </a:solidFill>
-                <a:latin typeface="돋움체"/>
-                <a:ea typeface="돋움체"/>
-              </a:rPr>
-              <a:t>(</a:t>
-            </a:r>
-          </a:p>
-          <a:p>
-            <a:r>
-              <a:rPr lang="en-US" altLang="ko-KR" dirty="0">
-                <a:solidFill>
                   <a:srgbClr val="000000"/>
                 </a:solidFill>
                 <a:latin typeface="돋움체"/>
@@ -4261,7 +4884,7 @@
                 <a:latin typeface="돋움체"/>
                 <a:ea typeface="돋움체"/>
               </a:rPr>
-              <a:t>_In_</a:t>
+              <a:t>_Reserved_</a:t>
             </a:r>
             <a:r>
               <a:rPr lang="en-US" altLang="ko-KR" dirty="0">
@@ -4281,7 +4904,7 @@
                 <a:latin typeface="돋움체"/>
                 <a:ea typeface="돋움체"/>
               </a:rPr>
-              <a:t>HANDLE</a:t>
+              <a:t>LPVOID</a:t>
             </a:r>
             <a:r>
               <a:rPr lang="en-US" altLang="ko-KR" dirty="0">
@@ -4301,79 +4924,7 @@
                 <a:latin typeface="돋움체"/>
                 <a:ea typeface="돋움체"/>
               </a:rPr>
-              <a:t>hConsoleOutput</a:t>
-            </a:r>
-            <a:r>
-              <a:rPr lang="en-US" altLang="ko-KR" dirty="0">
-                <a:solidFill>
-                  <a:srgbClr val="000000"/>
-                </a:solidFill>
-                <a:latin typeface="돋움체"/>
-                <a:ea typeface="돋움체"/>
-              </a:rPr>
-              <a:t>,</a:t>
-            </a:r>
-          </a:p>
-          <a:p>
-            <a:r>
-              <a:rPr lang="en-US" altLang="ko-KR" dirty="0">
-                <a:solidFill>
-                  <a:srgbClr val="000000"/>
-                </a:solidFill>
-                <a:latin typeface="돋움체"/>
-                <a:ea typeface="돋움체"/>
-              </a:rPr>
-              <a:t>    </a:t>
-            </a:r>
-            <a:r>
-              <a:rPr lang="en-US" altLang="ko-KR" dirty="0">
-                <a:solidFill>
-                  <a:srgbClr val="6F008A"/>
-                </a:solidFill>
-                <a:latin typeface="돋움체"/>
-                <a:ea typeface="돋움체"/>
-              </a:rPr>
-              <a:t>_In_</a:t>
-            </a:r>
-            <a:r>
-              <a:rPr lang="en-US" altLang="ko-KR" dirty="0">
-                <a:solidFill>
-                  <a:srgbClr val="000000"/>
-                </a:solidFill>
-                <a:latin typeface="돋움체"/>
-                <a:ea typeface="돋움체"/>
-              </a:rPr>
-              <a:t> </a:t>
-            </a:r>
-            <a:r>
-              <a:rPr lang="en-US" altLang="ko-KR" dirty="0">
-                <a:solidFill>
-                  <a:srgbClr val="2B91AF"/>
-                </a:solidFill>
-                <a:latin typeface="돋움체"/>
-                <a:ea typeface="돋움체"/>
-              </a:rPr>
-              <a:t>COORD</a:t>
-            </a:r>
-            <a:r>
-              <a:rPr lang="en-US" altLang="ko-KR" dirty="0">
-                <a:solidFill>
-                  <a:srgbClr val="000000"/>
-                </a:solidFill>
-                <a:latin typeface="돋움체"/>
-                <a:ea typeface="돋움체"/>
-              </a:rPr>
-              <a:t> </a:t>
-            </a:r>
-            <a:r>
-              <a:rPr lang="en-US" altLang="ko-KR" dirty="0">
-                <a:solidFill>
-                  <a:srgbClr val="808080"/>
-                </a:solidFill>
-                <a:latin typeface="돋움체"/>
-                <a:ea typeface="돋움체"/>
-              </a:rPr>
-              <a:t>dwCursorPosition</a:t>
+              <a:t>lpScreenBufferData</a:t>
             </a:r>
             <a:endParaRPr lang="en-US" altLang="ko-KR" dirty="0">
               <a:solidFill>
@@ -4418,12 +4969,12 @@
             <a:r>
               <a:rPr lang="en-US" altLang="ko-KR" dirty="0">
                 <a:solidFill>
-                  <a:schemeClr val="accent4"/>
-                </a:solidFill>
-                <a:latin typeface="돋움체"/>
-                <a:ea typeface="돋움체"/>
-              </a:rPr>
-              <a:t>WriteFile</a:t>
+                  <a:srgbClr val="0070C0"/>
+                </a:solidFill>
+                <a:latin typeface="돋움체"/>
+                <a:ea typeface="돋움체"/>
+              </a:rPr>
+              <a:t>SetConsoleCursorPosition</a:t>
             </a:r>
             <a:r>
               <a:rPr lang="en-US" altLang="ko-KR" dirty="0">
@@ -4488,322 +5039,24 @@
               <a:t> </a:t>
             </a:r>
             <a:r>
-              <a:rPr lang="en-US" altLang="ko-KR" dirty="0">
+              <a:rPr lang="en-US" altLang="ko-KR" dirty="0" err="1" smtClean="0">
                 <a:solidFill>
                   <a:srgbClr val="808080"/>
                 </a:solidFill>
                 <a:latin typeface="돋움체"/>
                 <a:ea typeface="돋움체"/>
               </a:rPr>
-              <a:t>hFile</a:t>
-            </a:r>
-            <a:r>
-              <a:rPr lang="en-US" altLang="ko-KR" dirty="0">
-                <a:solidFill>
-                  <a:srgbClr val="000000"/>
-                </a:solidFill>
-                <a:latin typeface="돋움체"/>
-                <a:ea typeface="돋움체"/>
-              </a:rPr>
-              <a:t>,</a:t>
-            </a:r>
-          </a:p>
-          <a:p>
-            <a:r>
-              <a:rPr lang="en-US" altLang="ko-KR" dirty="0">
-                <a:solidFill>
-                  <a:srgbClr val="000000"/>
-                </a:solidFill>
-                <a:latin typeface="돋움체"/>
-                <a:ea typeface="돋움체"/>
-              </a:rPr>
-              <a:t>    </a:t>
-            </a:r>
-            <a:r>
-              <a:rPr lang="en-US" altLang="ko-KR" dirty="0">
-                <a:solidFill>
-                  <a:srgbClr val="6F008A"/>
-                </a:solidFill>
-                <a:latin typeface="돋움체"/>
-                <a:ea typeface="돋움체"/>
-              </a:rPr>
-              <a:t>_In_reads_bytes_opt_</a:t>
-            </a:r>
-            <a:r>
-              <a:rPr lang="en-US" altLang="ko-KR" dirty="0">
-                <a:solidFill>
-                  <a:srgbClr val="000000"/>
-                </a:solidFill>
-                <a:latin typeface="돋움체"/>
-                <a:ea typeface="돋움체"/>
-              </a:rPr>
-              <a:t>(</a:t>
-            </a:r>
-            <a:r>
-              <a:rPr lang="en-US" altLang="ko-KR" dirty="0">
-                <a:solidFill>
-                  <a:srgbClr val="808080"/>
-                </a:solidFill>
-                <a:latin typeface="돋움체"/>
-                <a:ea typeface="돋움체"/>
-              </a:rPr>
-              <a:t>nNumberOfBytesToWrite</a:t>
-            </a:r>
-            <a:r>
-              <a:rPr lang="en-US" altLang="ko-KR" dirty="0">
-                <a:solidFill>
-                  <a:srgbClr val="000000"/>
-                </a:solidFill>
-                <a:latin typeface="돋움체"/>
-                <a:ea typeface="돋움체"/>
-              </a:rPr>
-              <a:t>) </a:t>
-            </a:r>
-            <a:r>
-              <a:rPr lang="en-US" altLang="ko-KR" dirty="0">
-                <a:solidFill>
-                  <a:srgbClr val="2B91AF"/>
-                </a:solidFill>
-                <a:latin typeface="돋움체"/>
-                <a:ea typeface="돋움체"/>
-              </a:rPr>
-              <a:t>LPCVOID</a:t>
-            </a:r>
-            <a:r>
-              <a:rPr lang="en-US" altLang="ko-KR" dirty="0">
-                <a:solidFill>
-                  <a:srgbClr val="000000"/>
-                </a:solidFill>
-                <a:latin typeface="돋움체"/>
-                <a:ea typeface="돋움체"/>
-              </a:rPr>
-              <a:t> </a:t>
-            </a:r>
-            <a:r>
-              <a:rPr lang="en-US" altLang="ko-KR" dirty="0">
-                <a:solidFill>
-                  <a:srgbClr val="808080"/>
-                </a:solidFill>
-                <a:latin typeface="돋움체"/>
-                <a:ea typeface="돋움체"/>
-              </a:rPr>
-              <a:t>lpBuffer</a:t>
-            </a:r>
-            <a:r>
-              <a:rPr lang="en-US" altLang="ko-KR" dirty="0">
-                <a:solidFill>
-                  <a:srgbClr val="000000"/>
-                </a:solidFill>
-                <a:latin typeface="돋움체"/>
-                <a:ea typeface="돋움체"/>
-              </a:rPr>
-              <a:t>,</a:t>
-            </a:r>
-          </a:p>
-          <a:p>
-            <a:r>
-              <a:rPr lang="en-US" altLang="ko-KR" dirty="0">
-                <a:solidFill>
-                  <a:srgbClr val="000000"/>
-                </a:solidFill>
-                <a:latin typeface="돋움체"/>
-                <a:ea typeface="돋움체"/>
-              </a:rPr>
-              <a:t>    </a:t>
-            </a:r>
-            <a:r>
-              <a:rPr lang="en-US" altLang="ko-KR" dirty="0">
-                <a:solidFill>
-                  <a:srgbClr val="6F008A"/>
-                </a:solidFill>
-                <a:latin typeface="돋움체"/>
-                <a:ea typeface="돋움체"/>
-              </a:rPr>
-              <a:t>_In_</a:t>
-            </a:r>
-            <a:r>
-              <a:rPr lang="en-US" altLang="ko-KR" dirty="0">
-                <a:solidFill>
-                  <a:srgbClr val="000000"/>
-                </a:solidFill>
-                <a:latin typeface="돋움체"/>
-                <a:ea typeface="돋움체"/>
-              </a:rPr>
-              <a:t> </a:t>
-            </a:r>
-            <a:r>
-              <a:rPr lang="en-US" altLang="ko-KR" dirty="0">
-                <a:solidFill>
-                  <a:srgbClr val="2B91AF"/>
-                </a:solidFill>
-                <a:latin typeface="돋움체"/>
-                <a:ea typeface="돋움체"/>
-              </a:rPr>
-              <a:t>DWORD</a:t>
-            </a:r>
-            <a:r>
-              <a:rPr lang="en-US" altLang="ko-KR" dirty="0">
-                <a:solidFill>
-                  <a:srgbClr val="000000"/>
-                </a:solidFill>
-                <a:latin typeface="돋움체"/>
-                <a:ea typeface="돋움체"/>
-              </a:rPr>
-              <a:t> </a:t>
-            </a:r>
-            <a:r>
-              <a:rPr lang="en-US" altLang="ko-KR" dirty="0">
-                <a:solidFill>
-                  <a:srgbClr val="808080"/>
-                </a:solidFill>
-                <a:latin typeface="돋움체"/>
-                <a:ea typeface="돋움체"/>
-              </a:rPr>
-              <a:t>nNumberOfBytesToWrite</a:t>
-            </a:r>
-            <a:r>
-              <a:rPr lang="en-US" altLang="ko-KR" dirty="0">
-                <a:solidFill>
-                  <a:srgbClr val="000000"/>
-                </a:solidFill>
-                <a:latin typeface="돋움체"/>
-                <a:ea typeface="돋움체"/>
-              </a:rPr>
-              <a:t>,</a:t>
-            </a:r>
-          </a:p>
-          <a:p>
-            <a:r>
-              <a:rPr lang="en-US" altLang="ko-KR" dirty="0">
-                <a:solidFill>
-                  <a:srgbClr val="000000"/>
-                </a:solidFill>
-                <a:latin typeface="돋움체"/>
-                <a:ea typeface="돋움체"/>
-              </a:rPr>
-              <a:t>    </a:t>
-            </a:r>
-            <a:r>
-              <a:rPr lang="en-US" altLang="ko-KR" dirty="0">
-                <a:solidFill>
-                  <a:srgbClr val="6F008A"/>
-                </a:solidFill>
-                <a:latin typeface="돋움체"/>
-                <a:ea typeface="돋움체"/>
-              </a:rPr>
-              <a:t>_Out_opt_</a:t>
-            </a:r>
-            <a:r>
-              <a:rPr lang="en-US" altLang="ko-KR" dirty="0">
-                <a:solidFill>
-                  <a:srgbClr val="000000"/>
-                </a:solidFill>
-                <a:latin typeface="돋움체"/>
-                <a:ea typeface="돋움체"/>
-              </a:rPr>
-              <a:t> </a:t>
-            </a:r>
-            <a:r>
-              <a:rPr lang="en-US" altLang="ko-KR" dirty="0">
-                <a:solidFill>
-                  <a:srgbClr val="2B91AF"/>
-                </a:solidFill>
-                <a:latin typeface="돋움체"/>
-                <a:ea typeface="돋움체"/>
-              </a:rPr>
-              <a:t>LPDWORD</a:t>
-            </a:r>
-            <a:r>
-              <a:rPr lang="en-US" altLang="ko-KR" dirty="0">
-                <a:solidFill>
-                  <a:srgbClr val="000000"/>
-                </a:solidFill>
-                <a:latin typeface="돋움체"/>
-                <a:ea typeface="돋움체"/>
-              </a:rPr>
-              <a:t> </a:t>
-            </a:r>
-            <a:r>
-              <a:rPr lang="en-US" altLang="ko-KR" dirty="0">
-                <a:solidFill>
-                  <a:srgbClr val="808080"/>
-                </a:solidFill>
-                <a:latin typeface="돋움체"/>
-                <a:ea typeface="돋움체"/>
-              </a:rPr>
-              <a:t>lpNumberOfBytesWritten</a:t>
-            </a:r>
-            <a:r>
-              <a:rPr lang="en-US" altLang="ko-KR" dirty="0">
-                <a:solidFill>
-                  <a:srgbClr val="000000"/>
-                </a:solidFill>
-                <a:latin typeface="돋움체"/>
-                <a:ea typeface="돋움체"/>
-              </a:rPr>
-              <a:t>,</a:t>
-            </a:r>
-          </a:p>
-          <a:p>
-            <a:r>
-              <a:rPr lang="en-US" altLang="ko-KR" dirty="0">
-                <a:solidFill>
-                  <a:srgbClr val="000000"/>
-                </a:solidFill>
-                <a:latin typeface="돋움체"/>
-                <a:ea typeface="돋움체"/>
-              </a:rPr>
-              <a:t>    </a:t>
-            </a:r>
-            <a:r>
-              <a:rPr lang="en-US" altLang="ko-KR" dirty="0">
-                <a:solidFill>
-                  <a:srgbClr val="6F008A"/>
-                </a:solidFill>
-                <a:latin typeface="돋움체"/>
-                <a:ea typeface="돋움체"/>
-              </a:rPr>
-              <a:t>_Inout_opt_</a:t>
-            </a:r>
-            <a:r>
-              <a:rPr lang="en-US" altLang="ko-KR" dirty="0">
-                <a:solidFill>
-                  <a:srgbClr val="000000"/>
-                </a:solidFill>
-                <a:latin typeface="돋움체"/>
-                <a:ea typeface="돋움체"/>
-              </a:rPr>
-              <a:t> </a:t>
-            </a:r>
-            <a:r>
-              <a:rPr lang="en-US" altLang="ko-KR" dirty="0">
-                <a:solidFill>
-                  <a:srgbClr val="2B91AF"/>
-                </a:solidFill>
-                <a:latin typeface="돋움체"/>
-                <a:ea typeface="돋움체"/>
-              </a:rPr>
-              <a:t>LPOVERLAPPED</a:t>
-            </a:r>
-            <a:r>
-              <a:rPr lang="en-US" altLang="ko-KR" dirty="0">
-                <a:solidFill>
-                  <a:srgbClr val="000000"/>
-                </a:solidFill>
-                <a:latin typeface="돋움체"/>
-                <a:ea typeface="돋움체"/>
-              </a:rPr>
-              <a:t> </a:t>
-            </a:r>
-            <a:r>
-              <a:rPr lang="en-US" altLang="ko-KR" dirty="0">
-                <a:solidFill>
-                  <a:srgbClr val="808080"/>
-                </a:solidFill>
-                <a:latin typeface="돋움체"/>
-                <a:ea typeface="돋움체"/>
-              </a:rPr>
-              <a:t>lpOverlapped</a:t>
+              <a:t>hConsoleOutput</a:t>
+            </a:r>
+            <a:r>
+              <a:rPr lang="en-US" altLang="ko-KR" dirty="0" smtClean="0">
+                <a:solidFill>
+                  <a:srgbClr val="000000"/>
+                </a:solidFill>
+                <a:latin typeface="돋움체"/>
+                <a:ea typeface="돋움체"/>
+              </a:rPr>
+              <a:t>  </a:t>
             </a:r>
             <a:endParaRPr lang="en-US" altLang="ko-KR" dirty="0">
               <a:solidFill>
@@ -4815,7 +5068,7 @@
           </a:p>
           <a:p>
             <a:r>
-              <a:rPr lang="ko-KR" altLang="en-US" dirty="0">
+              <a:rPr lang="en-US" altLang="ko-KR" dirty="0">
                 <a:solidFill>
                   <a:srgbClr val="000000"/>
                 </a:solidFill>
@@ -4827,15 +5080,53 @@
             <a:r>
               <a:rPr lang="en-US" altLang="ko-KR" dirty="0">
                 <a:solidFill>
-                  <a:srgbClr val="000000"/>
-                </a:solidFill>
-                <a:latin typeface="돋움체"/>
-                <a:ea typeface="돋움체"/>
-              </a:rPr>
-              <a:t>);</a:t>
-            </a:r>
-          </a:p>
-          <a:p>
+                  <a:srgbClr val="6F008A"/>
+                </a:solidFill>
+                <a:latin typeface="돋움체"/>
+                <a:ea typeface="돋움체"/>
+              </a:rPr>
+              <a:t>_In_</a:t>
+            </a:r>
+            <a:r>
+              <a:rPr lang="en-US" altLang="ko-KR" dirty="0">
+                <a:solidFill>
+                  <a:srgbClr val="000000"/>
+                </a:solidFill>
+                <a:latin typeface="돋움체"/>
+                <a:ea typeface="돋움체"/>
+              </a:rPr>
+              <a:t> </a:t>
+            </a:r>
+            <a:r>
+              <a:rPr lang="en-US" altLang="ko-KR" dirty="0">
+                <a:solidFill>
+                  <a:srgbClr val="2B91AF"/>
+                </a:solidFill>
+                <a:latin typeface="돋움체"/>
+                <a:ea typeface="돋움체"/>
+              </a:rPr>
+              <a:t>COORD</a:t>
+            </a:r>
+            <a:r>
+              <a:rPr lang="en-US" altLang="ko-KR" dirty="0">
+                <a:solidFill>
+                  <a:srgbClr val="000000"/>
+                </a:solidFill>
+                <a:latin typeface="돋움체"/>
+                <a:ea typeface="돋움체"/>
+              </a:rPr>
+              <a:t> </a:t>
+            </a:r>
+            <a:r>
+              <a:rPr lang="en-US" altLang="ko-KR" dirty="0">
+                <a:solidFill>
+                  <a:srgbClr val="808080"/>
+                </a:solidFill>
+                <a:latin typeface="돋움체"/>
+                <a:ea typeface="돋움체"/>
+              </a:rPr>
+              <a:t>dwCursorPosition</a:t>
+            </a:r>
             <a:endParaRPr lang="en-US" altLang="ko-KR" dirty="0">
               <a:solidFill>
                 <a:srgbClr val="000000"/>
@@ -4846,29 +5137,7 @@
           </a:p>
           <a:p>
             <a:r>
-              <a:rPr lang="en-US" altLang="ko-KR" dirty="0">
-                <a:solidFill>
-                  <a:srgbClr val="E85BFF"/>
-                </a:solidFill>
-                <a:latin typeface="돋움체"/>
-                <a:ea typeface="돋움체"/>
-              </a:rPr>
-              <a:t>SetConsoleActiveScreenBuffer</a:t>
-            </a:r>
-            <a:r>
-              <a:rPr lang="en-US" altLang="ko-KR" dirty="0">
-                <a:solidFill>
-                  <a:srgbClr val="000000"/>
-                </a:solidFill>
-                <a:latin typeface="돋움체"/>
-                <a:ea typeface="돋움체"/>
-              </a:rPr>
-              <a:t>(</a:t>
-            </a:r>
-          </a:p>
-          <a:p>
-            <a:r>
-              <a:rPr lang="en-US" altLang="ko-KR" dirty="0">
+              <a:rPr lang="ko-KR" altLang="en-US" dirty="0">
                 <a:solidFill>
                   <a:srgbClr val="000000"/>
                 </a:solidFill>
@@ -4880,53 +5149,15 @@
             <a:r>
               <a:rPr lang="en-US" altLang="ko-KR" dirty="0">
                 <a:solidFill>
-                  <a:srgbClr val="6F008A"/>
-                </a:solidFill>
-                <a:latin typeface="돋움체"/>
-                <a:ea typeface="돋움체"/>
-              </a:rPr>
-              <a:t>_In_</a:t>
-            </a:r>
-            <a:r>
-              <a:rPr lang="en-US" altLang="ko-KR" dirty="0">
-                <a:solidFill>
-                  <a:srgbClr val="000000"/>
-                </a:solidFill>
-                <a:latin typeface="돋움체"/>
-                <a:ea typeface="돋움체"/>
-              </a:rPr>
-              <a:t> </a:t>
-            </a:r>
-            <a:r>
-              <a:rPr lang="en-US" altLang="ko-KR" dirty="0">
-                <a:solidFill>
-                  <a:srgbClr val="2B91AF"/>
-                </a:solidFill>
-                <a:latin typeface="돋움체"/>
-                <a:ea typeface="돋움체"/>
-              </a:rPr>
-              <a:t>HANDLE</a:t>
-            </a:r>
-            <a:r>
-              <a:rPr lang="en-US" altLang="ko-KR" dirty="0">
-                <a:solidFill>
-                  <a:srgbClr val="000000"/>
-                </a:solidFill>
-                <a:latin typeface="돋움체"/>
-                <a:ea typeface="돋움체"/>
-              </a:rPr>
-              <a:t> </a:t>
-            </a:r>
-            <a:r>
-              <a:rPr lang="en-US" altLang="ko-KR" dirty="0">
-                <a:solidFill>
-                  <a:srgbClr val="808080"/>
-                </a:solidFill>
-                <a:latin typeface="돋움체"/>
-                <a:ea typeface="돋움체"/>
-              </a:rPr>
-              <a:t>hConsoleOutput</a:t>
-            </a:r>
+                  <a:srgbClr val="000000"/>
+                </a:solidFill>
+                <a:latin typeface="돋움체"/>
+                <a:ea typeface="돋움체"/>
+              </a:rPr>
+              <a:t>);</a:t>
+            </a:r>
+          </a:p>
+          <a:p>
             <a:endParaRPr lang="en-US" altLang="ko-KR" dirty="0">
               <a:solidFill>
                 <a:srgbClr val="000000"/>
@@ -4937,7 +5168,29 @@
           </a:p>
           <a:p>
             <a:r>
-              <a:rPr lang="ko-KR" altLang="en-US" dirty="0">
+              <a:rPr lang="en-US" altLang="ko-KR" dirty="0">
+                <a:solidFill>
+                  <a:schemeClr val="accent4"/>
+                </a:solidFill>
+                <a:latin typeface="돋움체"/>
+                <a:ea typeface="돋움체"/>
+              </a:rPr>
+              <a:t>WriteFile</a:t>
+            </a:r>
+            <a:r>
+              <a:rPr lang="en-US" altLang="ko-KR" dirty="0">
+                <a:solidFill>
+                  <a:srgbClr val="000000"/>
+                </a:solidFill>
+                <a:latin typeface="돋움체"/>
+                <a:ea typeface="돋움체"/>
+              </a:rPr>
+              <a:t>(</a:t>
+            </a:r>
+          </a:p>
+          <a:p>
+            <a:r>
+              <a:rPr lang="en-US" altLang="ko-KR" dirty="0">
                 <a:solidFill>
                   <a:srgbClr val="000000"/>
                 </a:solidFill>
@@ -4949,15 +5202,63 @@
             <a:r>
               <a:rPr lang="en-US" altLang="ko-KR" dirty="0">
                 <a:solidFill>
-                  <a:srgbClr val="000000"/>
-                </a:solidFill>
-                <a:latin typeface="돋움체"/>
-                <a:ea typeface="돋움체"/>
-              </a:rPr>
-              <a:t>);</a:t>
-            </a:r>
-          </a:p>
-          <a:p>
+                  <a:srgbClr val="6F008A"/>
+                </a:solidFill>
+                <a:latin typeface="돋움체"/>
+                <a:ea typeface="돋움체"/>
+              </a:rPr>
+              <a:t>_In_</a:t>
+            </a:r>
+            <a:r>
+              <a:rPr lang="en-US" altLang="ko-KR" dirty="0">
+                <a:solidFill>
+                  <a:srgbClr val="000000"/>
+                </a:solidFill>
+                <a:latin typeface="돋움체"/>
+                <a:ea typeface="돋움체"/>
+              </a:rPr>
+              <a:t> </a:t>
+            </a:r>
+            <a:r>
+              <a:rPr lang="en-US" altLang="ko-KR" dirty="0">
+                <a:solidFill>
+                  <a:srgbClr val="2B91AF"/>
+                </a:solidFill>
+                <a:latin typeface="돋움체"/>
+                <a:ea typeface="돋움체"/>
+              </a:rPr>
+              <a:t>HANDLE</a:t>
+            </a:r>
+            <a:r>
+              <a:rPr lang="en-US" altLang="ko-KR" dirty="0">
+                <a:solidFill>
+                  <a:srgbClr val="000000"/>
+                </a:solidFill>
+                <a:latin typeface="돋움체"/>
+                <a:ea typeface="돋움체"/>
+              </a:rPr>
+              <a:t> </a:t>
+            </a:r>
+            <a:r>
+              <a:rPr lang="en-US" altLang="ko-KR" dirty="0" err="1" smtClean="0">
+                <a:solidFill>
+                  <a:srgbClr val="808080"/>
+                </a:solidFill>
+                <a:latin typeface="돋움체"/>
+                <a:ea typeface="돋움체"/>
+              </a:rPr>
+              <a:t>hFile</a:t>
+            </a:r>
+            <a:r>
+              <a:rPr lang="en-US" altLang="ko-KR" dirty="0" smtClean="0">
+                <a:solidFill>
+                  <a:srgbClr val="000000"/>
+                </a:solidFill>
+                <a:latin typeface="돋움체"/>
+                <a:ea typeface="돋움체"/>
+              </a:rPr>
+              <a:t>  </a:t>
+            </a:r>
             <a:endParaRPr lang="en-US" altLang="ko-KR" dirty="0">
               <a:solidFill>
                 <a:srgbClr val="000000"/>
@@ -4975,6 +5276,485 @@
                 <a:latin typeface="돋움체"/>
                 <a:ea typeface="돋움체"/>
               </a:rPr>
+              <a:t>    </a:t>
+            </a:r>
+            <a:r>
+              <a:rPr lang="en-US" altLang="ko-KR" dirty="0">
+                <a:solidFill>
+                  <a:srgbClr val="6F008A"/>
+                </a:solidFill>
+                <a:latin typeface="돋움체"/>
+                <a:ea typeface="돋움체"/>
+              </a:rPr>
+              <a:t>_In_reads_bytes_opt_</a:t>
+            </a:r>
+            <a:r>
+              <a:rPr lang="en-US" altLang="ko-KR" dirty="0">
+                <a:solidFill>
+                  <a:srgbClr val="000000"/>
+                </a:solidFill>
+                <a:latin typeface="돋움체"/>
+                <a:ea typeface="돋움체"/>
+              </a:rPr>
+              <a:t>(</a:t>
+            </a:r>
+            <a:r>
+              <a:rPr lang="en-US" altLang="ko-KR" dirty="0">
+                <a:solidFill>
+                  <a:srgbClr val="808080"/>
+                </a:solidFill>
+                <a:latin typeface="돋움체"/>
+                <a:ea typeface="돋움체"/>
+              </a:rPr>
+              <a:t>nNumberOfBytesToWrite</a:t>
+            </a:r>
+            <a:r>
+              <a:rPr lang="en-US" altLang="ko-KR" dirty="0">
+                <a:solidFill>
+                  <a:srgbClr val="000000"/>
+                </a:solidFill>
+                <a:latin typeface="돋움체"/>
+                <a:ea typeface="돋움체"/>
+              </a:rPr>
+              <a:t>) </a:t>
+            </a:r>
+            <a:r>
+              <a:rPr lang="en-US" altLang="ko-KR" dirty="0">
+                <a:solidFill>
+                  <a:srgbClr val="2B91AF"/>
+                </a:solidFill>
+                <a:latin typeface="돋움체"/>
+                <a:ea typeface="돋움체"/>
+              </a:rPr>
+              <a:t>LPCVOID</a:t>
+            </a:r>
+            <a:r>
+              <a:rPr lang="en-US" altLang="ko-KR" dirty="0">
+                <a:solidFill>
+                  <a:srgbClr val="000000"/>
+                </a:solidFill>
+                <a:latin typeface="돋움체"/>
+                <a:ea typeface="돋움체"/>
+              </a:rPr>
+              <a:t> </a:t>
+            </a:r>
+            <a:r>
+              <a:rPr lang="en-US" altLang="ko-KR" dirty="0" err="1" smtClean="0">
+                <a:solidFill>
+                  <a:srgbClr val="808080"/>
+                </a:solidFill>
+                <a:latin typeface="돋움체"/>
+                <a:ea typeface="돋움체"/>
+              </a:rPr>
+              <a:t>lpBuffer</a:t>
+            </a:r>
+            <a:r>
+              <a:rPr lang="en-US" altLang="ko-KR" dirty="0" smtClean="0">
+                <a:solidFill>
+                  <a:srgbClr val="000000"/>
+                </a:solidFill>
+                <a:latin typeface="돋움체"/>
+                <a:ea typeface="돋움체"/>
+              </a:rPr>
+              <a:t>  </a:t>
+            </a:r>
+            <a:endParaRPr lang="en-US" altLang="ko-KR" dirty="0">
+              <a:solidFill>
+                <a:srgbClr val="000000"/>
+              </a:solidFill>
+              <a:latin typeface="돋움체"/>
+              <a:ea typeface="돋움체"/>
+            </a:endParaRPr>
+          </a:p>
+          <a:p>
+            <a:r>
+              <a:rPr lang="en-US" altLang="ko-KR" dirty="0">
+                <a:solidFill>
+                  <a:srgbClr val="000000"/>
+                </a:solidFill>
+                <a:latin typeface="돋움체"/>
+                <a:ea typeface="돋움체"/>
+              </a:rPr>
+              <a:t>    </a:t>
+            </a:r>
+            <a:r>
+              <a:rPr lang="en-US" altLang="ko-KR" dirty="0">
+                <a:solidFill>
+                  <a:srgbClr val="6F008A"/>
+                </a:solidFill>
+                <a:latin typeface="돋움체"/>
+                <a:ea typeface="돋움체"/>
+              </a:rPr>
+              <a:t>_In_</a:t>
+            </a:r>
+            <a:r>
+              <a:rPr lang="en-US" altLang="ko-KR" dirty="0">
+                <a:solidFill>
+                  <a:srgbClr val="000000"/>
+                </a:solidFill>
+                <a:latin typeface="돋움체"/>
+                <a:ea typeface="돋움체"/>
+              </a:rPr>
+              <a:t> </a:t>
+            </a:r>
+            <a:r>
+              <a:rPr lang="en-US" altLang="ko-KR" dirty="0">
+                <a:solidFill>
+                  <a:srgbClr val="2B91AF"/>
+                </a:solidFill>
+                <a:latin typeface="돋움체"/>
+                <a:ea typeface="돋움체"/>
+              </a:rPr>
+              <a:t>DWORD</a:t>
+            </a:r>
+            <a:r>
+              <a:rPr lang="en-US" altLang="ko-KR" dirty="0">
+                <a:solidFill>
+                  <a:srgbClr val="000000"/>
+                </a:solidFill>
+                <a:latin typeface="돋움체"/>
+                <a:ea typeface="돋움체"/>
+              </a:rPr>
+              <a:t> </a:t>
+            </a:r>
+            <a:r>
+              <a:rPr lang="en-US" altLang="ko-KR" dirty="0" err="1" smtClean="0">
+                <a:solidFill>
+                  <a:srgbClr val="808080"/>
+                </a:solidFill>
+                <a:latin typeface="돋움체"/>
+                <a:ea typeface="돋움체"/>
+              </a:rPr>
+              <a:t>nNumberOfBytesToWrite</a:t>
+            </a:r>
+            <a:r>
+              <a:rPr lang="en-US" altLang="ko-KR" dirty="0" smtClean="0">
+                <a:solidFill>
+                  <a:srgbClr val="000000"/>
+                </a:solidFill>
+                <a:latin typeface="돋움체"/>
+                <a:ea typeface="돋움체"/>
+              </a:rPr>
+              <a:t>  </a:t>
+            </a:r>
+            <a:endParaRPr lang="en-US" altLang="ko-KR" dirty="0">
+              <a:solidFill>
+                <a:srgbClr val="000000"/>
+              </a:solidFill>
+              <a:latin typeface="돋움체"/>
+              <a:ea typeface="돋움체"/>
+            </a:endParaRPr>
+          </a:p>
+          <a:p>
+            <a:r>
+              <a:rPr lang="en-US" altLang="ko-KR" dirty="0">
+                <a:solidFill>
+                  <a:srgbClr val="000000"/>
+                </a:solidFill>
+                <a:latin typeface="돋움체"/>
+                <a:ea typeface="돋움체"/>
+              </a:rPr>
+              <a:t>    </a:t>
+            </a:r>
+            <a:r>
+              <a:rPr lang="en-US" altLang="ko-KR" dirty="0">
+                <a:solidFill>
+                  <a:srgbClr val="6F008A"/>
+                </a:solidFill>
+                <a:latin typeface="돋움체"/>
+                <a:ea typeface="돋움체"/>
+              </a:rPr>
+              <a:t>_Out_opt_</a:t>
+            </a:r>
+            <a:r>
+              <a:rPr lang="en-US" altLang="ko-KR" dirty="0">
+                <a:solidFill>
+                  <a:srgbClr val="000000"/>
+                </a:solidFill>
+                <a:latin typeface="돋움체"/>
+                <a:ea typeface="돋움체"/>
+              </a:rPr>
+              <a:t> </a:t>
+            </a:r>
+            <a:r>
+              <a:rPr lang="en-US" altLang="ko-KR" dirty="0">
+                <a:solidFill>
+                  <a:srgbClr val="2B91AF"/>
+                </a:solidFill>
+                <a:latin typeface="돋움체"/>
+                <a:ea typeface="돋움체"/>
+              </a:rPr>
+              <a:t>LPDWORD</a:t>
+            </a:r>
+            <a:r>
+              <a:rPr lang="en-US" altLang="ko-KR" dirty="0">
+                <a:solidFill>
+                  <a:srgbClr val="000000"/>
+                </a:solidFill>
+                <a:latin typeface="돋움체"/>
+                <a:ea typeface="돋움체"/>
+              </a:rPr>
+              <a:t> </a:t>
+            </a:r>
+            <a:r>
+              <a:rPr lang="en-US" altLang="ko-KR" dirty="0" err="1" smtClean="0">
+                <a:solidFill>
+                  <a:srgbClr val="808080"/>
+                </a:solidFill>
+                <a:latin typeface="돋움체"/>
+                <a:ea typeface="돋움체"/>
+              </a:rPr>
+              <a:t>lpNumberOfBytesWritten</a:t>
+            </a:r>
+            <a:r>
+              <a:rPr lang="en-US" altLang="ko-KR" dirty="0" smtClean="0">
+                <a:solidFill>
+                  <a:srgbClr val="000000"/>
+                </a:solidFill>
+                <a:latin typeface="돋움체"/>
+                <a:ea typeface="돋움체"/>
+              </a:rPr>
+              <a:t>  </a:t>
+            </a:r>
+            <a:endParaRPr lang="en-US" altLang="ko-KR" dirty="0">
+              <a:solidFill>
+                <a:srgbClr val="000000"/>
+              </a:solidFill>
+              <a:latin typeface="돋움체"/>
+              <a:ea typeface="돋움체"/>
+            </a:endParaRPr>
+          </a:p>
+          <a:p>
+            <a:r>
+              <a:rPr lang="en-US" altLang="ko-KR" dirty="0">
+                <a:solidFill>
+                  <a:srgbClr val="000000"/>
+                </a:solidFill>
+                <a:latin typeface="돋움체"/>
+                <a:ea typeface="돋움체"/>
+              </a:rPr>
+              <a:t>    </a:t>
+            </a:r>
+            <a:r>
+              <a:rPr lang="en-US" altLang="ko-KR" dirty="0">
+                <a:solidFill>
+                  <a:srgbClr val="6F008A"/>
+                </a:solidFill>
+                <a:latin typeface="돋움체"/>
+                <a:ea typeface="돋움체"/>
+              </a:rPr>
+              <a:t>_Inout_opt_</a:t>
+            </a:r>
+            <a:r>
+              <a:rPr lang="en-US" altLang="ko-KR" dirty="0">
+                <a:solidFill>
+                  <a:srgbClr val="000000"/>
+                </a:solidFill>
+                <a:latin typeface="돋움체"/>
+                <a:ea typeface="돋움체"/>
+              </a:rPr>
+              <a:t> </a:t>
+            </a:r>
+            <a:r>
+              <a:rPr lang="en-US" altLang="ko-KR" dirty="0">
+                <a:solidFill>
+                  <a:srgbClr val="2B91AF"/>
+                </a:solidFill>
+                <a:latin typeface="돋움체"/>
+                <a:ea typeface="돋움체"/>
+              </a:rPr>
+              <a:t>LPOVERLAPPED</a:t>
+            </a:r>
+            <a:r>
+              <a:rPr lang="en-US" altLang="ko-KR" dirty="0">
+                <a:solidFill>
+                  <a:srgbClr val="000000"/>
+                </a:solidFill>
+                <a:latin typeface="돋움체"/>
+                <a:ea typeface="돋움체"/>
+              </a:rPr>
+              <a:t> </a:t>
+            </a:r>
+            <a:r>
+              <a:rPr lang="en-US" altLang="ko-KR" dirty="0">
+                <a:solidFill>
+                  <a:srgbClr val="808080"/>
+                </a:solidFill>
+                <a:latin typeface="돋움체"/>
+                <a:ea typeface="돋움체"/>
+              </a:rPr>
+              <a:t>lpOverlapped</a:t>
+            </a:r>
+            <a:endParaRPr lang="en-US" altLang="ko-KR" dirty="0">
+              <a:solidFill>
+                <a:srgbClr val="000000"/>
+              </a:solidFill>
+              <a:latin typeface="돋움체"/>
+              <a:ea typeface="돋움체"/>
+            </a:endParaRPr>
+          </a:p>
+          <a:p>
+            <a:r>
+              <a:rPr lang="ko-KR" altLang="en-US" dirty="0">
+                <a:solidFill>
+                  <a:srgbClr val="000000"/>
+                </a:solidFill>
+                <a:latin typeface="돋움체"/>
+                <a:ea typeface="돋움체"/>
+              </a:rPr>
+              <a:t>    </a:t>
+            </a:r>
+            <a:r>
+              <a:rPr lang="en-US" altLang="ko-KR" dirty="0">
+                <a:solidFill>
+                  <a:srgbClr val="000000"/>
+                </a:solidFill>
+                <a:latin typeface="돋움체"/>
+                <a:ea typeface="돋움체"/>
+              </a:rPr>
+              <a:t>);</a:t>
+            </a:r>
+          </a:p>
+          <a:p>
+            <a:endParaRPr lang="en-US" altLang="ko-KR" dirty="0">
+              <a:solidFill>
+                <a:srgbClr val="000000"/>
+              </a:solidFill>
+              <a:latin typeface="돋움체"/>
+              <a:ea typeface="돋움체"/>
+            </a:endParaRPr>
+          </a:p>
+          <a:p>
+            <a:r>
+              <a:rPr lang="en-US" altLang="ko-KR" dirty="0">
+                <a:solidFill>
+                  <a:srgbClr val="E85BFF"/>
+                </a:solidFill>
+                <a:latin typeface="돋움체"/>
+                <a:ea typeface="돋움체"/>
+              </a:rPr>
+              <a:t>SetConsoleActiveScreenBuffer</a:t>
+            </a:r>
+            <a:r>
+              <a:rPr lang="en-US" altLang="ko-KR" dirty="0">
+                <a:solidFill>
+                  <a:srgbClr val="000000"/>
+                </a:solidFill>
+                <a:latin typeface="돋움체"/>
+                <a:ea typeface="돋움체"/>
+              </a:rPr>
+              <a:t>(</a:t>
+            </a:r>
+          </a:p>
+          <a:p>
+            <a:r>
+              <a:rPr lang="en-US" altLang="ko-KR" dirty="0">
+                <a:solidFill>
+                  <a:srgbClr val="000000"/>
+                </a:solidFill>
+                <a:latin typeface="돋움체"/>
+                <a:ea typeface="돋움체"/>
+              </a:rPr>
+              <a:t>    </a:t>
+            </a:r>
+            <a:r>
+              <a:rPr lang="en-US" altLang="ko-KR" dirty="0">
+                <a:solidFill>
+                  <a:srgbClr val="6F008A"/>
+                </a:solidFill>
+                <a:latin typeface="돋움체"/>
+                <a:ea typeface="돋움체"/>
+              </a:rPr>
+              <a:t>_In_</a:t>
+            </a:r>
+            <a:r>
+              <a:rPr lang="en-US" altLang="ko-KR" dirty="0">
+                <a:solidFill>
+                  <a:srgbClr val="000000"/>
+                </a:solidFill>
+                <a:latin typeface="돋움체"/>
+                <a:ea typeface="돋움체"/>
+              </a:rPr>
+              <a:t> </a:t>
+            </a:r>
+            <a:r>
+              <a:rPr lang="en-US" altLang="ko-KR" dirty="0">
+                <a:solidFill>
+                  <a:srgbClr val="2B91AF"/>
+                </a:solidFill>
+                <a:latin typeface="돋움체"/>
+                <a:ea typeface="돋움체"/>
+              </a:rPr>
+              <a:t>HANDLE</a:t>
+            </a:r>
+            <a:r>
+              <a:rPr lang="en-US" altLang="ko-KR" dirty="0">
+                <a:solidFill>
+                  <a:srgbClr val="000000"/>
+                </a:solidFill>
+                <a:latin typeface="돋움체"/>
+                <a:ea typeface="돋움체"/>
+              </a:rPr>
+              <a:t> </a:t>
+            </a:r>
+            <a:r>
+              <a:rPr lang="en-US" altLang="ko-KR" dirty="0">
+                <a:solidFill>
+                  <a:srgbClr val="808080"/>
+                </a:solidFill>
+                <a:latin typeface="돋움체"/>
+                <a:ea typeface="돋움체"/>
+              </a:rPr>
+              <a:t>hConsoleOutput</a:t>
+            </a:r>
+            <a:endParaRPr lang="en-US" altLang="ko-KR" dirty="0">
+              <a:solidFill>
+                <a:srgbClr val="000000"/>
+              </a:solidFill>
+              <a:latin typeface="돋움체"/>
+              <a:ea typeface="돋움체"/>
+            </a:endParaRPr>
+          </a:p>
+          <a:p>
+            <a:r>
+              <a:rPr lang="ko-KR" altLang="en-US" dirty="0">
+                <a:solidFill>
+                  <a:srgbClr val="000000"/>
+                </a:solidFill>
+                <a:latin typeface="돋움체"/>
+                <a:ea typeface="돋움체"/>
+              </a:rPr>
+              <a:t>    </a:t>
+            </a:r>
+            <a:r>
+              <a:rPr lang="en-US" altLang="ko-KR" dirty="0">
+                <a:solidFill>
+                  <a:srgbClr val="000000"/>
+                </a:solidFill>
+                <a:latin typeface="돋움체"/>
+                <a:ea typeface="돋움체"/>
+              </a:rPr>
+              <a:t>);</a:t>
+            </a:r>
+          </a:p>
+          <a:p>
+            <a:endParaRPr lang="en-US" altLang="ko-KR" dirty="0">
+              <a:solidFill>
+                <a:srgbClr val="000000"/>
+              </a:solidFill>
+              <a:latin typeface="돋움체"/>
+              <a:ea typeface="돋움체"/>
+            </a:endParaRPr>
+          </a:p>
+          <a:p>
+            <a:r>
+              <a:rPr lang="en-US" altLang="ko-KR" dirty="0">
+                <a:solidFill>
+                  <a:srgbClr val="000000"/>
+                </a:solidFill>
+                <a:latin typeface="돋움체"/>
+                <a:ea typeface="돋움체"/>
+              </a:rPr>
               <a:t>Ex)</a:t>
             </a:r>
           </a:p>
@@ -5027,7 +5807,7 @@
           </a:p>
           <a:p>
             <a:r>
-              <a:rPr lang="en-US" altLang="ko-KR" dirty="0">
+              <a:rPr lang="en-US" altLang="ko-KR" dirty="0" err="1" smtClean="0">
                 <a:solidFill>
                   <a:srgbClr val="FF0000"/>
                 </a:solidFill>
@@ -5037,14 +5817,24 @@
               <a:t>CreateConsoleScreenBuffer</a:t>
             </a:r>
             <a:r>
-              <a:rPr lang="en-US" altLang="ko-KR" dirty="0">
-                <a:solidFill>
-                  <a:srgbClr val="000000"/>
-                </a:solidFill>
-                <a:latin typeface="돋움체"/>
-                <a:ea typeface="돋움체"/>
-              </a:rPr>
-              <a:t>(GENERIC_READ|GENERIC_WRITE,0,NULL,CONSOLE_TEXTMODE_BUFFER,NULL);</a:t>
+              <a:rPr lang="en-US" altLang="ko-KR" dirty="0" smtClean="0">
+                <a:solidFill>
+                  <a:srgbClr val="000000"/>
+                </a:solidFill>
+                <a:latin typeface="돋움체"/>
+                <a:ea typeface="돋움체"/>
+              </a:rPr>
+              <a:t>(GENERIC_READ|GENERIC_WRITE  0  NULL  CONSOLE_TEXTMODE_BUFFER  NULL</a:t>
+            </a:r>
+            <a:r>
+              <a:rPr lang="en-US" altLang="ko-KR" dirty="0">
+                <a:solidFill>
+                  <a:srgbClr val="000000"/>
+                </a:solidFill>
+                <a:latin typeface="돋움체"/>
+                <a:ea typeface="돋움체"/>
+              </a:rPr>
+              <a:t>);</a:t>
             </a:r>
           </a:p>
           <a:p>
@@ -5061,7 +5851,7 @@
           </a:p>
           <a:p>
             <a:r>
-              <a:rPr lang="en-US" altLang="ko-KR" dirty="0">
+              <a:rPr lang="en-US" altLang="ko-KR" dirty="0" err="1" smtClean="0">
                 <a:solidFill>
                   <a:srgbClr val="FF0000"/>
                 </a:solidFill>
@@ -5071,14 +5861,44 @@
               <a:t>CreateConsoleScreenBuffer</a:t>
             </a:r>
             <a:r>
-              <a:rPr lang="en-US" altLang="ko-KR" dirty="0">
-                <a:solidFill>
-                  <a:srgbClr val="000000"/>
-                </a:solidFill>
-                <a:latin typeface="돋움체"/>
-                <a:ea typeface="돋움체"/>
-              </a:rPr>
-              <a:t>(GENERIC_READ|GENERIC_WRITE,0,NULL,CONSOLE_TEXTMODE_BUFFER,NULL); COORD CursorPosition = { 0 , 0 }; </a:t>
+              <a:rPr lang="en-US" altLang="ko-KR" dirty="0" smtClean="0">
+                <a:solidFill>
+                  <a:srgbClr val="000000"/>
+                </a:solidFill>
+                <a:latin typeface="돋움체"/>
+                <a:ea typeface="돋움체"/>
+              </a:rPr>
+              <a:t>(GENERIC_READ|GENERIC_WRITE  0  NULL  CONSOLE_TEXTMODE_BUFFER  NULL</a:t>
+            </a:r>
+            <a:r>
+              <a:rPr lang="en-US" altLang="ko-KR" dirty="0">
+                <a:solidFill>
+                  <a:srgbClr val="000000"/>
+                </a:solidFill>
+                <a:latin typeface="돋움체"/>
+                <a:ea typeface="돋움체"/>
+              </a:rPr>
+              <a:t>); COORD CursorPosition = { 0 </a:t>
+            </a:r>
+            <a:r>
+              <a:rPr lang="en-US" altLang="ko-KR" dirty="0" smtClean="0">
+                <a:solidFill>
+                  <a:srgbClr val="000000"/>
+                </a:solidFill>
+                <a:latin typeface="돋움체"/>
+                <a:ea typeface="돋움체"/>
+              </a:rPr>
+              <a:t>   </a:t>
+            </a:r>
+            <a:r>
+              <a:rPr lang="en-US" altLang="ko-KR" dirty="0">
+                <a:solidFill>
+                  <a:srgbClr val="000000"/>
+                </a:solidFill>
+                <a:latin typeface="돋움체"/>
+                <a:ea typeface="돋움체"/>
+              </a:rPr>
+              <a:t>0 }; </a:t>
             </a:r>
             <a:r>
               <a:rPr lang="en-US" altLang="ko-KR" dirty="0">
@@ -5088,12 +5908,32 @@
                 <a:latin typeface="돋움체"/>
                 <a:ea typeface="돋움체"/>
               </a:rPr>
-              <a:t>// CursorPosition (var name) =  { x , y}</a:t>
-            </a:r>
-          </a:p>
-          <a:p>
-            <a:r>
-              <a:rPr lang="en-US" altLang="ko-KR" dirty="0">
+              <a:t>// CursorPosition (var name) =  { x </a:t>
+            </a:r>
+            <a:r>
+              <a:rPr lang="en-US" altLang="ko-KR" dirty="0" smtClean="0">
+                <a:solidFill>
+                  <a:schemeClr val="accent6"/>
+                </a:solidFill>
+                <a:latin typeface="돋움체"/>
+                <a:ea typeface="돋움체"/>
+              </a:rPr>
+              <a:t>   </a:t>
+            </a:r>
+            <a:r>
+              <a:rPr lang="en-US" altLang="ko-KR" dirty="0">
+                <a:solidFill>
+                  <a:schemeClr val="accent6"/>
+                </a:solidFill>
+                <a:latin typeface="돋움체"/>
+                <a:ea typeface="돋움체"/>
+              </a:rPr>
+              <a:t>y}</a:t>
+            </a:r>
+          </a:p>
+          <a:p>
+            <a:r>
+              <a:rPr lang="en-US" altLang="ko-KR" dirty="0" err="1">
                 <a:solidFill>
                   <a:srgbClr val="0070C0"/>
                 </a:solidFill>
@@ -5110,12 +5950,42 @@
                 <a:latin typeface="돋움체"/>
                 <a:ea typeface="돋움체"/>
               </a:rPr>
-              <a:t>(buffer[0],CursorPosition);</a:t>
-            </a:r>
-          </a:p>
-          <a:p>
-            <a:r>
-              <a:rPr lang="en-US" altLang="ko-KR" dirty="0">
+              <a:t>(buffer[0</a:t>
+            </a:r>
+            <a:r>
+              <a:rPr lang="en-US" altLang="ko-KR" dirty="0" smtClean="0">
+                <a:solidFill>
+                  <a:srgbClr val="000000"/>
+                </a:solidFill>
+                <a:latin typeface="돋움체"/>
+                <a:ea typeface="돋움체"/>
+              </a:rPr>
+              <a:t>]  </a:t>
+            </a:r>
+            <a:r>
+              <a:rPr lang="en-US" altLang="ko-KR" dirty="0" err="1" smtClean="0">
+                <a:solidFill>
+                  <a:srgbClr val="000000"/>
+                </a:solidFill>
+                <a:latin typeface="돋움체"/>
+                <a:ea typeface="돋움체"/>
+              </a:rPr>
+              <a:t>CursorPosition</a:t>
+            </a:r>
+            <a:r>
+              <a:rPr lang="en-US" altLang="ko-KR" dirty="0">
+                <a:solidFill>
+                  <a:srgbClr val="000000"/>
+                </a:solidFill>
+                <a:latin typeface="돋움체"/>
+                <a:ea typeface="돋움체"/>
+              </a:rPr>
+              <a:t>);</a:t>
+            </a:r>
+          </a:p>
+          <a:p>
+            <a:r>
+              <a:rPr lang="en-US" altLang="ko-KR" dirty="0" err="1">
                 <a:solidFill>
                   <a:schemeClr val="accent4"/>
                 </a:solidFill>
@@ -5132,7 +6002,77 @@
                 <a:latin typeface="돋움체"/>
                 <a:ea typeface="돋움체"/>
               </a:rPr>
-              <a:t>(buffer[0],”Hello,World!”,strlen(“Hello,World!”),&amp;dw,NULL);</a:t>
+              <a:t>(buffer[0</a:t>
+            </a:r>
+            <a:r>
+              <a:rPr lang="en-US" altLang="ko-KR" dirty="0" smtClean="0">
+                <a:solidFill>
+                  <a:srgbClr val="000000"/>
+                </a:solidFill>
+                <a:latin typeface="돋움체"/>
+                <a:ea typeface="돋움체"/>
+              </a:rPr>
+              <a:t>]  ”Hello  World!”  </a:t>
+            </a:r>
+            <a:r>
+              <a:rPr lang="en-US" altLang="ko-KR" dirty="0" err="1" smtClean="0">
+                <a:solidFill>
+                  <a:srgbClr val="000000"/>
+                </a:solidFill>
+                <a:latin typeface="돋움체"/>
+                <a:ea typeface="돋움체"/>
+              </a:rPr>
+              <a:t>strlen</a:t>
+            </a:r>
+            <a:r>
+              <a:rPr lang="en-US" altLang="ko-KR" dirty="0">
+                <a:solidFill>
+                  <a:srgbClr val="000000"/>
+                </a:solidFill>
+                <a:latin typeface="돋움체"/>
+                <a:ea typeface="돋움체"/>
+              </a:rPr>
+              <a:t>(“</a:t>
+            </a:r>
+            <a:r>
+              <a:rPr lang="en-US" altLang="ko-KR" dirty="0" smtClean="0">
+                <a:solidFill>
+                  <a:srgbClr val="000000"/>
+                </a:solidFill>
+                <a:latin typeface="돋움체"/>
+                <a:ea typeface="돋움체"/>
+              </a:rPr>
+              <a:t>Hello  World!”)  &amp;</a:t>
+            </a:r>
+            <a:r>
+              <a:rPr lang="en-US" altLang="ko-KR" dirty="0" err="1" smtClean="0">
+                <a:solidFill>
+                  <a:srgbClr val="000000"/>
+                </a:solidFill>
+                <a:latin typeface="돋움체"/>
+                <a:ea typeface="돋움체"/>
+              </a:rPr>
+              <a:t>dw</a:t>
+            </a:r>
+            <a:r>
+              <a:rPr lang="en-US" altLang="ko-KR" dirty="0" smtClean="0">
+                <a:solidFill>
+                  <a:srgbClr val="000000"/>
+                </a:solidFill>
+                <a:latin typeface="돋움체"/>
+                <a:ea typeface="돋움체"/>
+              </a:rPr>
+              <a:t>  NULL</a:t>
+            </a:r>
+            <a:r>
+              <a:rPr lang="en-US" altLang="ko-KR" dirty="0">
+                <a:solidFill>
+                  <a:srgbClr val="000000"/>
+                </a:solidFill>
+                <a:latin typeface="돋움체"/>
+                <a:ea typeface="돋움체"/>
+              </a:rPr>
+              <a:t>);</a:t>
             </a:r>
           </a:p>
           <a:p>
@@ -5187,7 +6127,7 @@
 </p:sld>
 </file>
 
-<file path=ppt/slides/slide4.xml><?xml version="1.0" encoding="utf-8"?>
+<file path=ppt/slides/slide5.xml><?xml version="1.0" encoding="utf-8"?>
 <p:sld xmlns:a="http://schemas.openxmlformats.org/drawingml/2006/main" xmlns:r="http://schemas.openxmlformats.org/officeDocument/2006/relationships" xmlns:p="http://schemas.openxmlformats.org/presentationml/2006/main">
   <p:cSld>
     <p:spTree>
@@ -6550,7 +7490,7 @@
 </p:sld>
 </file>
 
-<file path=ppt/slides/slide5.xml><?xml version="1.0" encoding="utf-8"?>
+<file path=ppt/slides/slide6.xml><?xml version="1.0" encoding="utf-8"?>
 <p:sld xmlns:a="http://schemas.openxmlformats.org/drawingml/2006/main" xmlns:r="http://schemas.openxmlformats.org/officeDocument/2006/relationships" xmlns:p="http://schemas.openxmlformats.org/presentationml/2006/main">
   <p:cSld>
     <p:spTree>
@@ -6865,7 +7805,7 @@
   <a:extraClrSchemeLst/>
   <a:extLst>
     <a:ext uri="{05A4C25C-085E-4340-85A3-A5531E510DB2}">
-      <thm15:themeFamily xmlns="" xmlns:thm15="http://schemas.microsoft.com/office/thememl/2012/main" name="Office Theme" id="{62F939B6-93AF-4DB8-9C6B-D6C7DFDC589F}" vid="{4A3C46E8-61CC-4603-A589-7422A47A8E4A}"/>
+      <thm15:themeFamily xmlns:thm15="http://schemas.microsoft.com/office/thememl/2012/main" xmlns="" name="Office Theme" id="{62F939B6-93AF-4DB8-9C6B-D6C7DFDC589F}" vid="{4A3C46E8-61CC-4603-A589-7422A47A8E4A}"/>
     </a:ext>
   </a:extLst>
 </a:theme>
